--- a/Go ML Meetup.pptx
+++ b/Go ML Meetup.pptx
@@ -1,34 +1,46 @@
 
 <file path=ppt/presentation.xml><?xml version="1.0" encoding="utf-8"?>
-<p:presentation xmlns:a="http://schemas.openxmlformats.org/drawingml/2006/main" xmlns:r="http://schemas.openxmlformats.org/officeDocument/2006/relationships" xmlns:mc="http://schemas.openxmlformats.org/markup-compatibility/2006" xmlns:mv="urn:schemas-microsoft-com:mac:vml" xmlns:p="http://schemas.openxmlformats.org/presentationml/2006/main" xmlns:c="http://schemas.openxmlformats.org/drawingml/2006/chart" xmlns:dgm="http://schemas.openxmlformats.org/drawingml/2006/diagram" xmlns:o="urn:schemas-microsoft-com:office:office" xmlns:v="urn:schemas-microsoft-com:vml" xmlns:pvml="urn:schemas-microsoft-com:office:powerpoint" xmlns:com="http://schemas.openxmlformats.org/drawingml/2006/compatibility" xmlns:p14="http://schemas.microsoft.com/office/powerpoint/2010/main" xmlns:p15="http://schemas.microsoft.com/office/powerpoint/2012/main" xmlns:ahyp="http://schemas.microsoft.com/office/drawing/2018/hyperlinkcolor" autoCompressPictures="0" embedTrueTypeFonts="1" strictFirstAndLastChars="0" saveSubsetFonts="1">
+<p:presentation xmlns:a="http://schemas.openxmlformats.org/drawingml/2006/main" xmlns:r="http://schemas.openxmlformats.org/officeDocument/2006/relationships" xmlns:p="http://schemas.openxmlformats.org/presentationml/2006/main" strictFirstAndLastChars="0" embedTrueTypeFonts="1" saveSubsetFonts="1" autoCompressPictures="0">
   <p:sldMasterIdLst>
-    <p:sldMasterId id="2147483659" r:id="rId4"/>
+    <p:sldMasterId id="2147483659" r:id="rId1"/>
   </p:sldMasterIdLst>
   <p:notesMasterIdLst>
-    <p:notesMasterId r:id="rId5"/>
+    <p:notesMasterId r:id="rId21"/>
   </p:notesMasterIdLst>
   <p:sldIdLst>
-    <p:sldId id="256" r:id="rId6"/>
-    <p:sldId id="257" r:id="rId7"/>
-    <p:sldId id="258" r:id="rId8"/>
-    <p:sldId id="259" r:id="rId9"/>
-    <p:sldId id="260" r:id="rId10"/>
-    <p:sldId id="261" r:id="rId11"/>
-    <p:sldId id="262" r:id="rId12"/>
+    <p:sldId id="256" r:id="rId2"/>
+    <p:sldId id="257" r:id="rId3"/>
+    <p:sldId id="258" r:id="rId4"/>
+    <p:sldId id="265" r:id="rId5"/>
+    <p:sldId id="273" r:id="rId6"/>
+    <p:sldId id="259" r:id="rId7"/>
+    <p:sldId id="260" r:id="rId8"/>
+    <p:sldId id="261" r:id="rId9"/>
+    <p:sldId id="269" r:id="rId10"/>
+    <p:sldId id="270" r:id="rId11"/>
+    <p:sldId id="263" r:id="rId12"/>
+    <p:sldId id="264" r:id="rId13"/>
+    <p:sldId id="266" r:id="rId14"/>
+    <p:sldId id="267" r:id="rId15"/>
+    <p:sldId id="268" r:id="rId16"/>
+    <p:sldId id="271" r:id="rId17"/>
+    <p:sldId id="272" r:id="rId18"/>
+    <p:sldId id="274" r:id="rId19"/>
+    <p:sldId id="262" r:id="rId20"/>
   </p:sldIdLst>
-  <p:sldSz cy="5143500" cx="9144000"/>
+  <p:sldSz cx="9144000" cy="5143500" type="screen16x9"/>
   <p:notesSz cx="6858000" cy="9144000"/>
   <p:embeddedFontLst>
     <p:embeddedFont>
-      <p:font typeface="Roboto"/>
-      <p:regular r:id="rId13"/>
-      <p:bold r:id="rId14"/>
-      <p:italic r:id="rId15"/>
-      <p:boldItalic r:id="rId16"/>
+      <p:font typeface="Roboto" panose="02000000000000000000" pitchFamily="2" charset="0"/>
+      <p:regular r:id="rId22"/>
+      <p:bold r:id="rId23"/>
+      <p:italic r:id="rId24"/>
+      <p:boldItalic r:id="rId25"/>
     </p:embeddedFont>
   </p:embeddedFontLst>
   <p:defaultTextStyle>
-    <a:defPPr lvl="0" marR="0" rtl="0" algn="l">
+    <a:defPPr marR="0" lvl="0" algn="l" rtl="0">
       <a:lnSpc>
         <a:spcPct val="100000"/>
       </a:lnSpc>
@@ -39,7 +51,7 @@
         <a:spcPts val="0"/>
       </a:spcAft>
     </a:defPPr>
-    <a:lvl1pPr lvl="0" marR="0" rtl="0" algn="l">
+    <a:lvl1pPr marR="0" lvl="0" algn="l" rtl="0">
       <a:lnSpc>
         <a:spcPct val="100000"/>
       </a:lnSpc>
@@ -53,7 +65,7 @@
         <a:srgbClr val="000000"/>
       </a:buClr>
       <a:buFont typeface="Arial"/>
-      <a:defRPr b="0" i="0" sz="1400" u="none" cap="none" strike="noStrike">
+      <a:defRPr sz="1400" b="0" i="0" u="none" strike="noStrike" cap="none">
         <a:solidFill>
           <a:srgbClr val="000000"/>
         </a:solidFill>
@@ -63,7 +75,7 @@
         <a:sym typeface="Arial"/>
       </a:defRPr>
     </a:lvl1pPr>
-    <a:lvl2pPr lvl="1" marR="0" rtl="0" algn="l">
+    <a:lvl2pPr marR="0" lvl="1" algn="l" rtl="0">
       <a:lnSpc>
         <a:spcPct val="100000"/>
       </a:lnSpc>
@@ -77,7 +89,7 @@
         <a:srgbClr val="000000"/>
       </a:buClr>
       <a:buFont typeface="Arial"/>
-      <a:defRPr b="0" i="0" sz="1400" u="none" cap="none" strike="noStrike">
+      <a:defRPr sz="1400" b="0" i="0" u="none" strike="noStrike" cap="none">
         <a:solidFill>
           <a:srgbClr val="000000"/>
         </a:solidFill>
@@ -87,7 +99,7 @@
         <a:sym typeface="Arial"/>
       </a:defRPr>
     </a:lvl2pPr>
-    <a:lvl3pPr lvl="2" marR="0" rtl="0" algn="l">
+    <a:lvl3pPr marR="0" lvl="2" algn="l" rtl="0">
       <a:lnSpc>
         <a:spcPct val="100000"/>
       </a:lnSpc>
@@ -101,7 +113,7 @@
         <a:srgbClr val="000000"/>
       </a:buClr>
       <a:buFont typeface="Arial"/>
-      <a:defRPr b="0" i="0" sz="1400" u="none" cap="none" strike="noStrike">
+      <a:defRPr sz="1400" b="0" i="0" u="none" strike="noStrike" cap="none">
         <a:solidFill>
           <a:srgbClr val="000000"/>
         </a:solidFill>
@@ -111,7 +123,7 @@
         <a:sym typeface="Arial"/>
       </a:defRPr>
     </a:lvl3pPr>
-    <a:lvl4pPr lvl="3" marR="0" rtl="0" algn="l">
+    <a:lvl4pPr marR="0" lvl="3" algn="l" rtl="0">
       <a:lnSpc>
         <a:spcPct val="100000"/>
       </a:lnSpc>
@@ -125,7 +137,7 @@
         <a:srgbClr val="000000"/>
       </a:buClr>
       <a:buFont typeface="Arial"/>
-      <a:defRPr b="0" i="0" sz="1400" u="none" cap="none" strike="noStrike">
+      <a:defRPr sz="1400" b="0" i="0" u="none" strike="noStrike" cap="none">
         <a:solidFill>
           <a:srgbClr val="000000"/>
         </a:solidFill>
@@ -135,7 +147,7 @@
         <a:sym typeface="Arial"/>
       </a:defRPr>
     </a:lvl4pPr>
-    <a:lvl5pPr lvl="4" marR="0" rtl="0" algn="l">
+    <a:lvl5pPr marR="0" lvl="4" algn="l" rtl="0">
       <a:lnSpc>
         <a:spcPct val="100000"/>
       </a:lnSpc>
@@ -149,7 +161,7 @@
         <a:srgbClr val="000000"/>
       </a:buClr>
       <a:buFont typeface="Arial"/>
-      <a:defRPr b="0" i="0" sz="1400" u="none" cap="none" strike="noStrike">
+      <a:defRPr sz="1400" b="0" i="0" u="none" strike="noStrike" cap="none">
         <a:solidFill>
           <a:srgbClr val="000000"/>
         </a:solidFill>
@@ -159,7 +171,7 @@
         <a:sym typeface="Arial"/>
       </a:defRPr>
     </a:lvl5pPr>
-    <a:lvl6pPr lvl="5" marR="0" rtl="0" algn="l">
+    <a:lvl6pPr marR="0" lvl="5" algn="l" rtl="0">
       <a:lnSpc>
         <a:spcPct val="100000"/>
       </a:lnSpc>
@@ -173,7 +185,7 @@
         <a:srgbClr val="000000"/>
       </a:buClr>
       <a:buFont typeface="Arial"/>
-      <a:defRPr b="0" i="0" sz="1400" u="none" cap="none" strike="noStrike">
+      <a:defRPr sz="1400" b="0" i="0" u="none" strike="noStrike" cap="none">
         <a:solidFill>
           <a:srgbClr val="000000"/>
         </a:solidFill>
@@ -183,7 +195,7 @@
         <a:sym typeface="Arial"/>
       </a:defRPr>
     </a:lvl6pPr>
-    <a:lvl7pPr lvl="6" marR="0" rtl="0" algn="l">
+    <a:lvl7pPr marR="0" lvl="6" algn="l" rtl="0">
       <a:lnSpc>
         <a:spcPct val="100000"/>
       </a:lnSpc>
@@ -197,7 +209,7 @@
         <a:srgbClr val="000000"/>
       </a:buClr>
       <a:buFont typeface="Arial"/>
-      <a:defRPr b="0" i="0" sz="1400" u="none" cap="none" strike="noStrike">
+      <a:defRPr sz="1400" b="0" i="0" u="none" strike="noStrike" cap="none">
         <a:solidFill>
           <a:srgbClr val="000000"/>
         </a:solidFill>
@@ -207,7 +219,7 @@
         <a:sym typeface="Arial"/>
       </a:defRPr>
     </a:lvl7pPr>
-    <a:lvl8pPr lvl="7" marR="0" rtl="0" algn="l">
+    <a:lvl8pPr marR="0" lvl="7" algn="l" rtl="0">
       <a:lnSpc>
         <a:spcPct val="100000"/>
       </a:lnSpc>
@@ -221,7 +233,7 @@
         <a:srgbClr val="000000"/>
       </a:buClr>
       <a:buFont typeface="Arial"/>
-      <a:defRPr b="0" i="0" sz="1400" u="none" cap="none" strike="noStrike">
+      <a:defRPr sz="1400" b="0" i="0" u="none" strike="noStrike" cap="none">
         <a:solidFill>
           <a:srgbClr val="000000"/>
         </a:solidFill>
@@ -231,7 +243,7 @@
         <a:sym typeface="Arial"/>
       </a:defRPr>
     </a:lvl8pPr>
-    <a:lvl9pPr lvl="8" marR="0" rtl="0" algn="l">
+    <a:lvl9pPr marR="0" lvl="8" algn="l" rtl="0">
       <a:lnSpc>
         <a:spcPct val="100000"/>
       </a:lnSpc>
@@ -245,7 +257,7 @@
         <a:srgbClr val="000000"/>
       </a:buClr>
       <a:buFont typeface="Arial"/>
-      <a:defRPr b="0" i="0" sz="1400" u="none" cap="none" strike="noStrike">
+      <a:defRPr sz="1400" b="0" i="0" u="none" strike="noStrike" cap="none">
         <a:solidFill>
           <a:srgbClr val="000000"/>
         </a:solidFill>
@@ -258,7 +270,7 @@
   </p:defaultTextStyle>
   <p:extLst>
     <p:ext uri="{EFAFB233-063F-42B5-8137-9DF3F51BA10A}">
-      <p15:sldGuideLst>
+      <p15:sldGuideLst xmlns:p15="http://schemas.microsoft.com/office/powerpoint/2012/main">
         <p15:guide id="1" orient="horz" pos="1620">
           <p15:clr>
             <a:srgbClr val="A4A3A4"/>
@@ -276,11 +288,16 @@
 </file>
 
 <file path=ppt/notesMasters/notesMaster1.xml><?xml version="1.0" encoding="utf-8"?>
-<p:notesMaster xmlns:a="http://schemas.openxmlformats.org/drawingml/2006/main" xmlns:r="http://schemas.openxmlformats.org/officeDocument/2006/relationships" xmlns:mc="http://schemas.openxmlformats.org/markup-compatibility/2006" xmlns:mv="urn:schemas-microsoft-com:mac:vml" xmlns:p="http://schemas.openxmlformats.org/presentationml/2006/main" xmlns:c="http://schemas.openxmlformats.org/drawingml/2006/chart" xmlns:dgm="http://schemas.openxmlformats.org/drawingml/2006/diagram" xmlns:o="urn:schemas-microsoft-com:office:office" xmlns:v="urn:schemas-microsoft-com:vml" xmlns:pvml="urn:schemas-microsoft-com:office:powerpoint" xmlns:com="http://schemas.openxmlformats.org/drawingml/2006/compatibility" xmlns:p14="http://schemas.microsoft.com/office/powerpoint/2010/main" xmlns:p15="http://schemas.microsoft.com/office/powerpoint/2012/main" xmlns:ahyp="http://schemas.microsoft.com/office/drawing/2018/hyperlinkcolor">
+<p:notesMaster xmlns:a="http://schemas.openxmlformats.org/drawingml/2006/main" xmlns:r="http://schemas.openxmlformats.org/officeDocument/2006/relationships" xmlns:p="http://schemas.openxmlformats.org/presentationml/2006/main">
   <p:cSld>
+    <p:bg>
+      <p:bgRef idx="1001">
+        <a:schemeClr val="bg1"/>
+      </p:bgRef>
+    </p:bg>
     <p:spTree>
       <p:nvGrpSpPr>
-        <p:cNvPr id="2" name="Shape 2"/>
+        <p:cNvPr id="1" name="Shape 2"/>
         <p:cNvGrpSpPr/>
         <p:nvPr/>
       </p:nvGrpSpPr>
@@ -295,9 +312,11 @@
       <p:sp>
         <p:nvSpPr>
           <p:cNvPr id="3" name="Google Shape;3;n"/>
-          <p:cNvSpPr/>
+          <p:cNvSpPr>
+            <a:spLocks noGrp="1" noRot="1" noChangeAspect="1"/>
+          </p:cNvSpPr>
           <p:nvPr>
-            <p:ph idx="2" type="sldImg"/>
+            <p:ph type="sldImg" idx="2"/>
           </p:nvPr>
         </p:nvSpPr>
         <p:spPr>
@@ -306,9 +325,13 @@
             <a:ext cx="6096075" cy="3429000"/>
           </a:xfrm>
           <a:custGeom>
-            <a:rect b="b" l="l" r="r" t="t"/>
+            <a:avLst/>
+            <a:gdLst/>
+            <a:ahLst/>
+            <a:cxnLst/>
+            <a:rect l="l" t="t" r="r" b="b"/>
             <a:pathLst>
-              <a:path extrusionOk="0" h="120000" w="120000">
+              <a:path w="120000" h="120000" extrusionOk="0">
                 <a:moveTo>
                   <a:pt x="0" y="0"/>
                 </a:moveTo>
@@ -326,23 +349,25 @@
             </a:pathLst>
           </a:custGeom>
           <a:noFill/>
-          <a:ln cap="flat" cmpd="sng" w="9525">
+          <a:ln w="9525" cap="flat" cmpd="sng">
             <a:solidFill>
               <a:srgbClr val="000000"/>
             </a:solidFill>
             <a:prstDash val="solid"/>
             <a:round/>
-            <a:headEnd len="sm" w="sm" type="none"/>
-            <a:tailEnd len="sm" w="sm" type="none"/>
+            <a:headEnd type="none" w="sm" len="sm"/>
+            <a:tailEnd type="none" w="sm" len="sm"/>
           </a:ln>
         </p:spPr>
       </p:sp>
       <p:sp>
         <p:nvSpPr>
           <p:cNvPr id="4" name="Google Shape;4;n"/>
-          <p:cNvSpPr txBox="1"/>
+          <p:cNvSpPr txBox="1">
+            <a:spLocks noGrp="1"/>
+          </p:cNvSpPr>
           <p:nvPr>
-            <p:ph idx="1" type="body"/>
+            <p:ph type="body" idx="1"/>
           </p:nvPr>
         </p:nvSpPr>
         <p:spPr>
@@ -359,11 +384,11 @@
           </a:ln>
         </p:spPr>
         <p:txBody>
-          <a:bodyPr anchorCtr="0" anchor="t" bIns="91425" lIns="91425" spcFirstLastPara="1" rIns="91425" wrap="square" tIns="91425">
+          <a:bodyPr spcFirstLastPara="1" wrap="square" lIns="91425" tIns="91425" rIns="91425" bIns="91425" anchor="t" anchorCtr="0">
             <a:noAutofit/>
           </a:bodyPr>
           <a:lstStyle>
-            <a:lvl1pPr indent="-298450" lvl="0" marL="457200">
+            <a:lvl1pPr marL="457200" lvl="0" indent="-298450">
               <a:spcBef>
                 <a:spcPts val="0"/>
               </a:spcBef>
@@ -374,7 +399,7 @@
               <a:buChar char="●"/>
               <a:defRPr sz="1100"/>
             </a:lvl1pPr>
-            <a:lvl2pPr indent="-298450" lvl="1" marL="914400">
+            <a:lvl2pPr marL="914400" lvl="1" indent="-298450">
               <a:spcBef>
                 <a:spcPts val="0"/>
               </a:spcBef>
@@ -385,7 +410,7 @@
               <a:buChar char="○"/>
               <a:defRPr sz="1100"/>
             </a:lvl2pPr>
-            <a:lvl3pPr indent="-298450" lvl="2" marL="1371600">
+            <a:lvl3pPr marL="1371600" lvl="2" indent="-298450">
               <a:spcBef>
                 <a:spcPts val="0"/>
               </a:spcBef>
@@ -396,7 +421,7 @@
               <a:buChar char="■"/>
               <a:defRPr sz="1100"/>
             </a:lvl3pPr>
-            <a:lvl4pPr indent="-298450" lvl="3" marL="1828800">
+            <a:lvl4pPr marL="1828800" lvl="3" indent="-298450">
               <a:spcBef>
                 <a:spcPts val="0"/>
               </a:spcBef>
@@ -407,7 +432,7 @@
               <a:buChar char="●"/>
               <a:defRPr sz="1100"/>
             </a:lvl4pPr>
-            <a:lvl5pPr indent="-298450" lvl="4" marL="2286000">
+            <a:lvl5pPr marL="2286000" lvl="4" indent="-298450">
               <a:spcBef>
                 <a:spcPts val="0"/>
               </a:spcBef>
@@ -418,7 +443,7 @@
               <a:buChar char="○"/>
               <a:defRPr sz="1100"/>
             </a:lvl5pPr>
-            <a:lvl6pPr indent="-298450" lvl="5" marL="2743200">
+            <a:lvl6pPr marL="2743200" lvl="5" indent="-298450">
               <a:spcBef>
                 <a:spcPts val="0"/>
               </a:spcBef>
@@ -429,7 +454,7 @@
               <a:buChar char="■"/>
               <a:defRPr sz="1100"/>
             </a:lvl6pPr>
-            <a:lvl7pPr indent="-298450" lvl="6" marL="3200400">
+            <a:lvl7pPr marL="3200400" lvl="6" indent="-298450">
               <a:spcBef>
                 <a:spcPts val="0"/>
               </a:spcBef>
@@ -440,7 +465,7 @@
               <a:buChar char="●"/>
               <a:defRPr sz="1100"/>
             </a:lvl7pPr>
-            <a:lvl8pPr indent="-298450" lvl="7" marL="3657600">
+            <a:lvl8pPr marL="3657600" lvl="7" indent="-298450">
               <a:spcBef>
                 <a:spcPts val="0"/>
               </a:spcBef>
@@ -451,7 +476,7 @@
               <a:buChar char="○"/>
               <a:defRPr sz="1100"/>
             </a:lvl8pPr>
-            <a:lvl9pPr indent="-298450" lvl="8" marL="4114800">
+            <a:lvl9pPr marL="4114800" lvl="8" indent="-298450">
               <a:spcBef>
                 <a:spcPts val="0"/>
               </a:spcBef>
@@ -463,14 +488,16 @@
               <a:defRPr sz="1100"/>
             </a:lvl9pPr>
           </a:lstStyle>
-          <a:p/>
+          <a:p>
+            <a:endParaRPr/>
+          </a:p>
         </p:txBody>
       </p:sp>
     </p:spTree>
   </p:cSld>
-  <p:clrMap accent1="accent1" accent2="accent2" accent3="accent3" accent4="accent4" accent5="accent5" accent6="accent6" bg1="lt1" bg2="dk2" tx1="dk1" tx2="lt2" folHlink="folHlink" hlink="hlink"/>
+  <p:clrMap bg1="lt1" tx1="dk1" bg2="dk2" tx2="lt2" accent1="accent1" accent2="accent2" accent3="accent3" accent4="accent4" accent5="accent5" accent6="accent6" hlink="hlink" folHlink="folHlink"/>
   <p:notesStyle>
-    <a:defPPr lvl="0" marR="0" rtl="0" algn="l">
+    <a:defPPr marR="0" lvl="0" algn="l" rtl="0">
       <a:lnSpc>
         <a:spcPct val="100000"/>
       </a:lnSpc>
@@ -481,7 +508,7 @@
         <a:spcPts val="0"/>
       </a:spcAft>
     </a:defPPr>
-    <a:lvl1pPr lvl="0" marR="0" rtl="0" algn="l">
+    <a:lvl1pPr marR="0" lvl="0" algn="l" rtl="0">
       <a:lnSpc>
         <a:spcPct val="100000"/>
       </a:lnSpc>
@@ -495,7 +522,7 @@
         <a:srgbClr val="000000"/>
       </a:buClr>
       <a:buFont typeface="Arial"/>
-      <a:defRPr b="0" i="0" sz="1400" u="none" cap="none" strike="noStrike">
+      <a:defRPr sz="1400" b="0" i="0" u="none" strike="noStrike" cap="none">
         <a:solidFill>
           <a:srgbClr val="000000"/>
         </a:solidFill>
@@ -505,7 +532,7 @@
         <a:sym typeface="Arial"/>
       </a:defRPr>
     </a:lvl1pPr>
-    <a:lvl2pPr lvl="1" marR="0" rtl="0" algn="l">
+    <a:lvl2pPr marR="0" lvl="1" algn="l" rtl="0">
       <a:lnSpc>
         <a:spcPct val="100000"/>
       </a:lnSpc>
@@ -519,7 +546,7 @@
         <a:srgbClr val="000000"/>
       </a:buClr>
       <a:buFont typeface="Arial"/>
-      <a:defRPr b="0" i="0" sz="1400" u="none" cap="none" strike="noStrike">
+      <a:defRPr sz="1400" b="0" i="0" u="none" strike="noStrike" cap="none">
         <a:solidFill>
           <a:srgbClr val="000000"/>
         </a:solidFill>
@@ -529,7 +556,7 @@
         <a:sym typeface="Arial"/>
       </a:defRPr>
     </a:lvl2pPr>
-    <a:lvl3pPr lvl="2" marR="0" rtl="0" algn="l">
+    <a:lvl3pPr marR="0" lvl="2" algn="l" rtl="0">
       <a:lnSpc>
         <a:spcPct val="100000"/>
       </a:lnSpc>
@@ -543,7 +570,7 @@
         <a:srgbClr val="000000"/>
       </a:buClr>
       <a:buFont typeface="Arial"/>
-      <a:defRPr b="0" i="0" sz="1400" u="none" cap="none" strike="noStrike">
+      <a:defRPr sz="1400" b="0" i="0" u="none" strike="noStrike" cap="none">
         <a:solidFill>
           <a:srgbClr val="000000"/>
         </a:solidFill>
@@ -553,7 +580,7 @@
         <a:sym typeface="Arial"/>
       </a:defRPr>
     </a:lvl3pPr>
-    <a:lvl4pPr lvl="3" marR="0" rtl="0" algn="l">
+    <a:lvl4pPr marR="0" lvl="3" algn="l" rtl="0">
       <a:lnSpc>
         <a:spcPct val="100000"/>
       </a:lnSpc>
@@ -567,7 +594,7 @@
         <a:srgbClr val="000000"/>
       </a:buClr>
       <a:buFont typeface="Arial"/>
-      <a:defRPr b="0" i="0" sz="1400" u="none" cap="none" strike="noStrike">
+      <a:defRPr sz="1400" b="0" i="0" u="none" strike="noStrike" cap="none">
         <a:solidFill>
           <a:srgbClr val="000000"/>
         </a:solidFill>
@@ -577,7 +604,7 @@
         <a:sym typeface="Arial"/>
       </a:defRPr>
     </a:lvl4pPr>
-    <a:lvl5pPr lvl="4" marR="0" rtl="0" algn="l">
+    <a:lvl5pPr marR="0" lvl="4" algn="l" rtl="0">
       <a:lnSpc>
         <a:spcPct val="100000"/>
       </a:lnSpc>
@@ -591,7 +618,7 @@
         <a:srgbClr val="000000"/>
       </a:buClr>
       <a:buFont typeface="Arial"/>
-      <a:defRPr b="0" i="0" sz="1400" u="none" cap="none" strike="noStrike">
+      <a:defRPr sz="1400" b="0" i="0" u="none" strike="noStrike" cap="none">
         <a:solidFill>
           <a:srgbClr val="000000"/>
         </a:solidFill>
@@ -601,7 +628,7 @@
         <a:sym typeface="Arial"/>
       </a:defRPr>
     </a:lvl5pPr>
-    <a:lvl6pPr lvl="5" marR="0" rtl="0" algn="l">
+    <a:lvl6pPr marR="0" lvl="5" algn="l" rtl="0">
       <a:lnSpc>
         <a:spcPct val="100000"/>
       </a:lnSpc>
@@ -615,7 +642,7 @@
         <a:srgbClr val="000000"/>
       </a:buClr>
       <a:buFont typeface="Arial"/>
-      <a:defRPr b="0" i="0" sz="1400" u="none" cap="none" strike="noStrike">
+      <a:defRPr sz="1400" b="0" i="0" u="none" strike="noStrike" cap="none">
         <a:solidFill>
           <a:srgbClr val="000000"/>
         </a:solidFill>
@@ -625,7 +652,7 @@
         <a:sym typeface="Arial"/>
       </a:defRPr>
     </a:lvl6pPr>
-    <a:lvl7pPr lvl="6" marR="0" rtl="0" algn="l">
+    <a:lvl7pPr marR="0" lvl="6" algn="l" rtl="0">
       <a:lnSpc>
         <a:spcPct val="100000"/>
       </a:lnSpc>
@@ -639,7 +666,7 @@
         <a:srgbClr val="000000"/>
       </a:buClr>
       <a:buFont typeface="Arial"/>
-      <a:defRPr b="0" i="0" sz="1400" u="none" cap="none" strike="noStrike">
+      <a:defRPr sz="1400" b="0" i="0" u="none" strike="noStrike" cap="none">
         <a:solidFill>
           <a:srgbClr val="000000"/>
         </a:solidFill>
@@ -649,7 +676,7 @@
         <a:sym typeface="Arial"/>
       </a:defRPr>
     </a:lvl7pPr>
-    <a:lvl8pPr lvl="7" marR="0" rtl="0" algn="l">
+    <a:lvl8pPr marR="0" lvl="7" algn="l" rtl="0">
       <a:lnSpc>
         <a:spcPct val="100000"/>
       </a:lnSpc>
@@ -663,7 +690,7 @@
         <a:srgbClr val="000000"/>
       </a:buClr>
       <a:buFont typeface="Arial"/>
-      <a:defRPr b="0" i="0" sz="1400" u="none" cap="none" strike="noStrike">
+      <a:defRPr sz="1400" b="0" i="0" u="none" strike="noStrike" cap="none">
         <a:solidFill>
           <a:srgbClr val="000000"/>
         </a:solidFill>
@@ -673,7 +700,7 @@
         <a:sym typeface="Arial"/>
       </a:defRPr>
     </a:lvl8pPr>
-    <a:lvl9pPr lvl="8" marR="0" rtl="0" algn="l">
+    <a:lvl9pPr marR="0" lvl="8" algn="l" rtl="0">
       <a:lnSpc>
         <a:spcPct val="100000"/>
       </a:lnSpc>
@@ -687,7 +714,7 @@
         <a:srgbClr val="000000"/>
       </a:buClr>
       <a:buFont typeface="Arial"/>
-      <a:defRPr b="0" i="0" sz="1400" u="none" cap="none" strike="noStrike">
+      <a:defRPr sz="1400" b="0" i="0" u="none" strike="noStrike" cap="none">
         <a:solidFill>
           <a:srgbClr val="000000"/>
         </a:solidFill>
@@ -702,11 +729,11 @@
 </file>
 
 <file path=ppt/notesSlides/notesSlide1.xml><?xml version="1.0" encoding="utf-8"?>
-<p:notes xmlns:a="http://schemas.openxmlformats.org/drawingml/2006/main" xmlns:r="http://schemas.openxmlformats.org/officeDocument/2006/relationships" xmlns:mc="http://schemas.openxmlformats.org/markup-compatibility/2006" xmlns:mv="urn:schemas-microsoft-com:mac:vml" xmlns:p="http://schemas.openxmlformats.org/presentationml/2006/main" xmlns:c="http://schemas.openxmlformats.org/drawingml/2006/chart" xmlns:dgm="http://schemas.openxmlformats.org/drawingml/2006/diagram" xmlns:o="urn:schemas-microsoft-com:office:office" xmlns:v="urn:schemas-microsoft-com:vml" xmlns:pvml="urn:schemas-microsoft-com:office:powerpoint" xmlns:com="http://schemas.openxmlformats.org/drawingml/2006/compatibility" xmlns:p14="http://schemas.microsoft.com/office/powerpoint/2010/main" xmlns:p15="http://schemas.microsoft.com/office/powerpoint/2012/main" xmlns:ahyp="http://schemas.microsoft.com/office/drawing/2018/hyperlinkcolor" showMasterPhAnim="0" showMasterSp="0">
+<p:notes xmlns:a="http://schemas.openxmlformats.org/drawingml/2006/main" xmlns:r="http://schemas.openxmlformats.org/officeDocument/2006/relationships" xmlns:p="http://schemas.openxmlformats.org/presentationml/2006/main" showMasterSp="0" showMasterPhAnim="0">
   <p:cSld>
     <p:spTree>
       <p:nvGrpSpPr>
-        <p:cNvPr id="50" name="Shape 50"/>
+        <p:cNvPr id="1" name="Shape 50"/>
         <p:cNvGrpSpPr/>
         <p:nvPr/>
       </p:nvGrpSpPr>
@@ -721,9 +748,11 @@
       <p:sp>
         <p:nvSpPr>
           <p:cNvPr id="51" name="Google Shape;51;p:notes"/>
-          <p:cNvSpPr/>
+          <p:cNvSpPr>
+            <a:spLocks noGrp="1" noRot="1" noChangeAspect="1"/>
+          </p:cNvSpPr>
           <p:nvPr>
-            <p:ph idx="2" type="sldImg"/>
+            <p:ph type="sldImg" idx="2"/>
           </p:nvPr>
         </p:nvSpPr>
         <p:spPr>
@@ -732,9 +761,13 @@
             <a:ext cx="6096075" cy="3429000"/>
           </a:xfrm>
           <a:custGeom>
-            <a:rect b="b" l="l" r="r" t="t"/>
+            <a:avLst/>
+            <a:gdLst/>
+            <a:ahLst/>
+            <a:cxnLst/>
+            <a:rect l="l" t="t" r="r" b="b"/>
             <a:pathLst>
-              <a:path extrusionOk="0" h="120000" w="120000">
+              <a:path w="120000" h="120000" extrusionOk="0">
                 <a:moveTo>
                   <a:pt x="0" y="0"/>
                 </a:moveTo>
@@ -756,9 +789,11 @@
       <p:sp>
         <p:nvSpPr>
           <p:cNvPr id="52" name="Google Shape;52;p:notes"/>
-          <p:cNvSpPr txBox="1"/>
+          <p:cNvSpPr txBox="1">
+            <a:spLocks noGrp="1"/>
+          </p:cNvSpPr>
           <p:nvPr>
-            <p:ph idx="1" type="body"/>
+            <p:ph type="body" idx="1"/>
           </p:nvPr>
         </p:nvSpPr>
         <p:spPr>
@@ -771,12 +806,12 @@
           </a:prstGeom>
         </p:spPr>
         <p:txBody>
-          <a:bodyPr anchorCtr="0" anchor="t" bIns="91425" lIns="91425" spcFirstLastPara="1" rIns="91425" wrap="square" tIns="91425">
+          <a:bodyPr spcFirstLastPara="1" wrap="square" lIns="91425" tIns="91425" rIns="91425" bIns="91425" anchor="t" anchorCtr="0">
             <a:noAutofit/>
           </a:bodyPr>
           <a:lstStyle/>
           <a:p>
-            <a:pPr indent="0" lvl="0" marL="0" rtl="0" algn="l">
+            <a:pPr marL="0" lvl="0" indent="0" algn="l" rtl="0">
               <a:spcBef>
                 <a:spcPts val="0"/>
               </a:spcBef>
@@ -785,9 +820,6 @@
               </a:spcAft>
               <a:buNone/>
             </a:pPr>
-            <a:r>
-              <a:t/>
-            </a:r>
             <a:endParaRPr/>
           </a:p>
         </p:txBody>
@@ -801,11 +833,11 @@
 </file>
 
 <file path=ppt/notesSlides/notesSlide2.xml><?xml version="1.0" encoding="utf-8"?>
-<p:notes xmlns:a="http://schemas.openxmlformats.org/drawingml/2006/main" xmlns:r="http://schemas.openxmlformats.org/officeDocument/2006/relationships" xmlns:mc="http://schemas.openxmlformats.org/markup-compatibility/2006" xmlns:mv="urn:schemas-microsoft-com:mac:vml" xmlns:p="http://schemas.openxmlformats.org/presentationml/2006/main" xmlns:c="http://schemas.openxmlformats.org/drawingml/2006/chart" xmlns:dgm="http://schemas.openxmlformats.org/drawingml/2006/diagram" xmlns:o="urn:schemas-microsoft-com:office:office" xmlns:v="urn:schemas-microsoft-com:vml" xmlns:pvml="urn:schemas-microsoft-com:office:powerpoint" xmlns:com="http://schemas.openxmlformats.org/drawingml/2006/compatibility" xmlns:p14="http://schemas.microsoft.com/office/powerpoint/2010/main" xmlns:p15="http://schemas.microsoft.com/office/powerpoint/2012/main" xmlns:ahyp="http://schemas.microsoft.com/office/drawing/2018/hyperlinkcolor" showMasterPhAnim="0" showMasterSp="0">
+<p:notes xmlns:a="http://schemas.openxmlformats.org/drawingml/2006/main" xmlns:r="http://schemas.openxmlformats.org/officeDocument/2006/relationships" xmlns:p="http://schemas.openxmlformats.org/presentationml/2006/main" showMasterSp="0" showMasterPhAnim="0">
   <p:cSld>
     <p:spTree>
       <p:nvGrpSpPr>
-        <p:cNvPr id="56" name="Shape 56"/>
+        <p:cNvPr id="1" name="Shape 56"/>
         <p:cNvGrpSpPr/>
         <p:nvPr/>
       </p:nvGrpSpPr>
@@ -820,20 +852,26 @@
       <p:sp>
         <p:nvSpPr>
           <p:cNvPr id="57" name="Google Shape;57;ga4ea708229_0_0:notes"/>
-          <p:cNvSpPr/>
+          <p:cNvSpPr>
+            <a:spLocks noGrp="1" noRot="1" noChangeAspect="1"/>
+          </p:cNvSpPr>
           <p:nvPr>
-            <p:ph idx="2" type="sldImg"/>
+            <p:ph type="sldImg" idx="2"/>
           </p:nvPr>
         </p:nvSpPr>
         <p:spPr>
           <a:xfrm>
-            <a:off x="381300" y="685800"/>
+            <a:off x="381000" y="685800"/>
             <a:ext cx="6096000" cy="3429000"/>
           </a:xfrm>
           <a:custGeom>
-            <a:rect b="b" l="l" r="r" t="t"/>
+            <a:avLst/>
+            <a:gdLst/>
+            <a:ahLst/>
+            <a:cxnLst/>
+            <a:rect l="l" t="t" r="r" b="b"/>
             <a:pathLst>
-              <a:path extrusionOk="0" h="120000" w="120000">
+              <a:path w="120000" h="120000" extrusionOk="0">
                 <a:moveTo>
                   <a:pt x="0" y="0"/>
                 </a:moveTo>
@@ -855,9 +893,11 @@
       <p:sp>
         <p:nvSpPr>
           <p:cNvPr id="58" name="Google Shape;58;ga4ea708229_0_0:notes"/>
-          <p:cNvSpPr txBox="1"/>
+          <p:cNvSpPr txBox="1">
+            <a:spLocks noGrp="1"/>
+          </p:cNvSpPr>
           <p:nvPr>
-            <p:ph idx="1" type="body"/>
+            <p:ph type="body" idx="1"/>
           </p:nvPr>
         </p:nvSpPr>
         <p:spPr>
@@ -870,12 +910,12 @@
           </a:prstGeom>
         </p:spPr>
         <p:txBody>
-          <a:bodyPr anchorCtr="0" anchor="t" bIns="91425" lIns="91425" spcFirstLastPara="1" rIns="91425" wrap="square" tIns="91425">
+          <a:bodyPr spcFirstLastPara="1" wrap="square" lIns="91425" tIns="91425" rIns="91425" bIns="91425" anchor="t" anchorCtr="0">
             <a:noAutofit/>
           </a:bodyPr>
           <a:lstStyle/>
           <a:p>
-            <a:pPr indent="0" lvl="0" marL="0" rtl="0" algn="l">
+            <a:pPr marL="0" lvl="0" indent="0" algn="l" rtl="0">
               <a:spcBef>
                 <a:spcPts val="0"/>
               </a:spcBef>
@@ -884,9 +924,6 @@
               </a:spcAft>
               <a:buNone/>
             </a:pPr>
-            <a:r>
-              <a:t/>
-            </a:r>
             <a:endParaRPr/>
           </a:p>
         </p:txBody>
@@ -900,11 +937,11 @@
 </file>
 
 <file path=ppt/notesSlides/notesSlide3.xml><?xml version="1.0" encoding="utf-8"?>
-<p:notes xmlns:a="http://schemas.openxmlformats.org/drawingml/2006/main" xmlns:r="http://schemas.openxmlformats.org/officeDocument/2006/relationships" xmlns:mc="http://schemas.openxmlformats.org/markup-compatibility/2006" xmlns:mv="urn:schemas-microsoft-com:mac:vml" xmlns:p="http://schemas.openxmlformats.org/presentationml/2006/main" xmlns:c="http://schemas.openxmlformats.org/drawingml/2006/chart" xmlns:dgm="http://schemas.openxmlformats.org/drawingml/2006/diagram" xmlns:o="urn:schemas-microsoft-com:office:office" xmlns:v="urn:schemas-microsoft-com:vml" xmlns:pvml="urn:schemas-microsoft-com:office:powerpoint" xmlns:com="http://schemas.openxmlformats.org/drawingml/2006/compatibility" xmlns:p14="http://schemas.microsoft.com/office/powerpoint/2010/main" xmlns:p15="http://schemas.microsoft.com/office/powerpoint/2012/main" xmlns:ahyp="http://schemas.microsoft.com/office/drawing/2018/hyperlinkcolor" showMasterPhAnim="0" showMasterSp="0">
+<p:notes xmlns:a="http://schemas.openxmlformats.org/drawingml/2006/main" xmlns:r="http://schemas.openxmlformats.org/officeDocument/2006/relationships" xmlns:p="http://schemas.openxmlformats.org/presentationml/2006/main" showMasterSp="0" showMasterPhAnim="0">
   <p:cSld>
     <p:spTree>
       <p:nvGrpSpPr>
-        <p:cNvPr id="62" name="Shape 62"/>
+        <p:cNvPr id="1" name="Shape 62"/>
         <p:cNvGrpSpPr/>
         <p:nvPr/>
       </p:nvGrpSpPr>
@@ -919,9 +956,11 @@
       <p:sp>
         <p:nvSpPr>
           <p:cNvPr id="63" name="Google Shape;63;ga4ea708229_0_5:notes"/>
-          <p:cNvSpPr/>
+          <p:cNvSpPr>
+            <a:spLocks noGrp="1" noRot="1" noChangeAspect="1"/>
+          </p:cNvSpPr>
           <p:nvPr>
-            <p:ph idx="2" type="sldImg"/>
+            <p:ph type="sldImg" idx="2"/>
           </p:nvPr>
         </p:nvSpPr>
         <p:spPr>
@@ -930,9 +969,13 @@
             <a:ext cx="6096000" cy="3429000"/>
           </a:xfrm>
           <a:custGeom>
-            <a:rect b="b" l="l" r="r" t="t"/>
+            <a:avLst/>
+            <a:gdLst/>
+            <a:ahLst/>
+            <a:cxnLst/>
+            <a:rect l="l" t="t" r="r" b="b"/>
             <a:pathLst>
-              <a:path extrusionOk="0" h="120000" w="120000">
+              <a:path w="120000" h="120000" extrusionOk="0">
                 <a:moveTo>
                   <a:pt x="0" y="0"/>
                 </a:moveTo>
@@ -954,9 +997,11 @@
       <p:sp>
         <p:nvSpPr>
           <p:cNvPr id="64" name="Google Shape;64;ga4ea708229_0_5:notes"/>
-          <p:cNvSpPr txBox="1"/>
+          <p:cNvSpPr txBox="1">
+            <a:spLocks noGrp="1"/>
+          </p:cNvSpPr>
           <p:nvPr>
-            <p:ph idx="1" type="body"/>
+            <p:ph type="body" idx="1"/>
           </p:nvPr>
         </p:nvSpPr>
         <p:spPr>
@@ -969,12 +1014,12 @@
           </a:prstGeom>
         </p:spPr>
         <p:txBody>
-          <a:bodyPr anchorCtr="0" anchor="t" bIns="91425" lIns="91425" spcFirstLastPara="1" rIns="91425" wrap="square" tIns="91425">
+          <a:bodyPr spcFirstLastPara="1" wrap="square" lIns="91425" tIns="91425" rIns="91425" bIns="91425" anchor="t" anchorCtr="0">
             <a:noAutofit/>
           </a:bodyPr>
           <a:lstStyle/>
           <a:p>
-            <a:pPr indent="0" lvl="0" marL="0" rtl="0" algn="l">
+            <a:pPr marL="0" lvl="0" indent="0" algn="l" rtl="0">
               <a:spcBef>
                 <a:spcPts val="0"/>
               </a:spcBef>
@@ -983,9 +1028,6 @@
               </a:spcAft>
               <a:buNone/>
             </a:pPr>
-            <a:r>
-              <a:t/>
-            </a:r>
             <a:endParaRPr/>
           </a:p>
         </p:txBody>
@@ -999,11 +1041,11 @@
 </file>
 
 <file path=ppt/notesSlides/notesSlide4.xml><?xml version="1.0" encoding="utf-8"?>
-<p:notes xmlns:a="http://schemas.openxmlformats.org/drawingml/2006/main" xmlns:r="http://schemas.openxmlformats.org/officeDocument/2006/relationships" xmlns:mc="http://schemas.openxmlformats.org/markup-compatibility/2006" xmlns:mv="urn:schemas-microsoft-com:mac:vml" xmlns:p="http://schemas.openxmlformats.org/presentationml/2006/main" xmlns:c="http://schemas.openxmlformats.org/drawingml/2006/chart" xmlns:dgm="http://schemas.openxmlformats.org/drawingml/2006/diagram" xmlns:o="urn:schemas-microsoft-com:office:office" xmlns:v="urn:schemas-microsoft-com:vml" xmlns:pvml="urn:schemas-microsoft-com:office:powerpoint" xmlns:com="http://schemas.openxmlformats.org/drawingml/2006/compatibility" xmlns:p14="http://schemas.microsoft.com/office/powerpoint/2010/main" xmlns:p15="http://schemas.microsoft.com/office/powerpoint/2012/main" xmlns:ahyp="http://schemas.microsoft.com/office/drawing/2018/hyperlinkcolor" showMasterPhAnim="0" showMasterSp="0">
+<p:notes xmlns:a="http://schemas.openxmlformats.org/drawingml/2006/main" xmlns:r="http://schemas.openxmlformats.org/officeDocument/2006/relationships" xmlns:p="http://schemas.openxmlformats.org/presentationml/2006/main" showMasterSp="0" showMasterPhAnim="0">
   <p:cSld>
     <p:spTree>
       <p:nvGrpSpPr>
-        <p:cNvPr id="68" name="Shape 68"/>
+        <p:cNvPr id="1" name="Shape 68"/>
         <p:cNvGrpSpPr/>
         <p:nvPr/>
       </p:nvGrpSpPr>
@@ -1018,9 +1060,11 @@
       <p:sp>
         <p:nvSpPr>
           <p:cNvPr id="69" name="Google Shape;69;ga4ea708229_0_20:notes"/>
-          <p:cNvSpPr/>
+          <p:cNvSpPr>
+            <a:spLocks noGrp="1" noRot="1" noChangeAspect="1"/>
+          </p:cNvSpPr>
           <p:nvPr>
-            <p:ph idx="2" type="sldImg"/>
+            <p:ph type="sldImg" idx="2"/>
           </p:nvPr>
         </p:nvSpPr>
         <p:spPr>
@@ -1029,9 +1073,13 @@
             <a:ext cx="6096000" cy="3429000"/>
           </a:xfrm>
           <a:custGeom>
-            <a:rect b="b" l="l" r="r" t="t"/>
+            <a:avLst/>
+            <a:gdLst/>
+            <a:ahLst/>
+            <a:cxnLst/>
+            <a:rect l="l" t="t" r="r" b="b"/>
             <a:pathLst>
-              <a:path extrusionOk="0" h="120000" w="120000">
+              <a:path w="120000" h="120000" extrusionOk="0">
                 <a:moveTo>
                   <a:pt x="0" y="0"/>
                 </a:moveTo>
@@ -1053,9 +1101,11 @@
       <p:sp>
         <p:nvSpPr>
           <p:cNvPr id="70" name="Google Shape;70;ga4ea708229_0_20:notes"/>
-          <p:cNvSpPr txBox="1"/>
+          <p:cNvSpPr txBox="1">
+            <a:spLocks noGrp="1"/>
+          </p:cNvSpPr>
           <p:nvPr>
-            <p:ph idx="1" type="body"/>
+            <p:ph type="body" idx="1"/>
           </p:nvPr>
         </p:nvSpPr>
         <p:spPr>
@@ -1068,12 +1118,12 @@
           </a:prstGeom>
         </p:spPr>
         <p:txBody>
-          <a:bodyPr anchorCtr="0" anchor="t" bIns="91425" lIns="91425" spcFirstLastPara="1" rIns="91425" wrap="square" tIns="91425">
+          <a:bodyPr spcFirstLastPara="1" wrap="square" lIns="91425" tIns="91425" rIns="91425" bIns="91425" anchor="t" anchorCtr="0">
             <a:noAutofit/>
           </a:bodyPr>
           <a:lstStyle/>
           <a:p>
-            <a:pPr indent="0" lvl="0" marL="0" rtl="0" algn="l">
+            <a:pPr marL="0" lvl="0" indent="0" algn="l" rtl="0">
               <a:spcBef>
                 <a:spcPts val="0"/>
               </a:spcBef>
@@ -1082,9 +1132,6 @@
               </a:spcAft>
               <a:buNone/>
             </a:pPr>
-            <a:r>
-              <a:t/>
-            </a:r>
             <a:endParaRPr/>
           </a:p>
         </p:txBody>
@@ -1098,11 +1145,11 @@
 </file>
 
 <file path=ppt/notesSlides/notesSlide5.xml><?xml version="1.0" encoding="utf-8"?>
-<p:notes xmlns:a="http://schemas.openxmlformats.org/drawingml/2006/main" xmlns:r="http://schemas.openxmlformats.org/officeDocument/2006/relationships" xmlns:mc="http://schemas.openxmlformats.org/markup-compatibility/2006" xmlns:mv="urn:schemas-microsoft-com:mac:vml" xmlns:p="http://schemas.openxmlformats.org/presentationml/2006/main" xmlns:c="http://schemas.openxmlformats.org/drawingml/2006/chart" xmlns:dgm="http://schemas.openxmlformats.org/drawingml/2006/diagram" xmlns:o="urn:schemas-microsoft-com:office:office" xmlns:v="urn:schemas-microsoft-com:vml" xmlns:pvml="urn:schemas-microsoft-com:office:powerpoint" xmlns:com="http://schemas.openxmlformats.org/drawingml/2006/compatibility" xmlns:p14="http://schemas.microsoft.com/office/powerpoint/2010/main" xmlns:p15="http://schemas.microsoft.com/office/powerpoint/2012/main" xmlns:ahyp="http://schemas.microsoft.com/office/drawing/2018/hyperlinkcolor" showMasterPhAnim="0" showMasterSp="0">
+<p:notes xmlns:a="http://schemas.openxmlformats.org/drawingml/2006/main" xmlns:r="http://schemas.openxmlformats.org/officeDocument/2006/relationships" xmlns:p="http://schemas.openxmlformats.org/presentationml/2006/main" showMasterSp="0" showMasterPhAnim="0">
   <p:cSld>
     <p:spTree>
       <p:nvGrpSpPr>
-        <p:cNvPr id="74" name="Shape 74"/>
+        <p:cNvPr id="1" name="Shape 74"/>
         <p:cNvGrpSpPr/>
         <p:nvPr/>
       </p:nvGrpSpPr>
@@ -1117,20 +1164,26 @@
       <p:sp>
         <p:nvSpPr>
           <p:cNvPr id="75" name="Google Shape;75;ga4ea708229_0_26:notes"/>
-          <p:cNvSpPr/>
+          <p:cNvSpPr>
+            <a:spLocks noGrp="1" noRot="1" noChangeAspect="1"/>
+          </p:cNvSpPr>
           <p:nvPr>
-            <p:ph idx="2" type="sldImg"/>
+            <p:ph type="sldImg" idx="2"/>
           </p:nvPr>
         </p:nvSpPr>
         <p:spPr>
           <a:xfrm>
-            <a:off x="381300" y="685800"/>
+            <a:off x="381000" y="685800"/>
             <a:ext cx="6096000" cy="3429000"/>
           </a:xfrm>
           <a:custGeom>
-            <a:rect b="b" l="l" r="r" t="t"/>
+            <a:avLst/>
+            <a:gdLst/>
+            <a:ahLst/>
+            <a:cxnLst/>
+            <a:rect l="l" t="t" r="r" b="b"/>
             <a:pathLst>
-              <a:path extrusionOk="0" h="120000" w="120000">
+              <a:path w="120000" h="120000" extrusionOk="0">
                 <a:moveTo>
                   <a:pt x="0" y="0"/>
                 </a:moveTo>
@@ -1152,9 +1205,11 @@
       <p:sp>
         <p:nvSpPr>
           <p:cNvPr id="76" name="Google Shape;76;ga4ea708229_0_26:notes"/>
-          <p:cNvSpPr txBox="1"/>
+          <p:cNvSpPr txBox="1">
+            <a:spLocks noGrp="1"/>
+          </p:cNvSpPr>
           <p:nvPr>
-            <p:ph idx="1" type="body"/>
+            <p:ph type="body" idx="1"/>
           </p:nvPr>
         </p:nvSpPr>
         <p:spPr>
@@ -1167,12 +1222,12 @@
           </a:prstGeom>
         </p:spPr>
         <p:txBody>
-          <a:bodyPr anchorCtr="0" anchor="t" bIns="91425" lIns="91425" spcFirstLastPara="1" rIns="91425" wrap="square" tIns="91425">
+          <a:bodyPr spcFirstLastPara="1" wrap="square" lIns="91425" tIns="91425" rIns="91425" bIns="91425" anchor="t" anchorCtr="0">
             <a:noAutofit/>
           </a:bodyPr>
           <a:lstStyle/>
           <a:p>
-            <a:pPr indent="0" lvl="0" marL="0" rtl="0" algn="l">
+            <a:pPr marL="0" lvl="0" indent="0" algn="l" rtl="0">
               <a:spcBef>
                 <a:spcPts val="0"/>
               </a:spcBef>
@@ -1181,9 +1236,6 @@
               </a:spcAft>
               <a:buNone/>
             </a:pPr>
-            <a:r>
-              <a:t/>
-            </a:r>
             <a:endParaRPr/>
           </a:p>
         </p:txBody>
@@ -1197,11 +1249,11 @@
 </file>
 
 <file path=ppt/notesSlides/notesSlide6.xml><?xml version="1.0" encoding="utf-8"?>
-<p:notes xmlns:a="http://schemas.openxmlformats.org/drawingml/2006/main" xmlns:r="http://schemas.openxmlformats.org/officeDocument/2006/relationships" xmlns:mc="http://schemas.openxmlformats.org/markup-compatibility/2006" xmlns:mv="urn:schemas-microsoft-com:mac:vml" xmlns:p="http://schemas.openxmlformats.org/presentationml/2006/main" xmlns:c="http://schemas.openxmlformats.org/drawingml/2006/chart" xmlns:dgm="http://schemas.openxmlformats.org/drawingml/2006/diagram" xmlns:o="urn:schemas-microsoft-com:office:office" xmlns:v="urn:schemas-microsoft-com:vml" xmlns:pvml="urn:schemas-microsoft-com:office:powerpoint" xmlns:com="http://schemas.openxmlformats.org/drawingml/2006/compatibility" xmlns:p14="http://schemas.microsoft.com/office/powerpoint/2010/main" xmlns:p15="http://schemas.microsoft.com/office/powerpoint/2012/main" xmlns:ahyp="http://schemas.microsoft.com/office/drawing/2018/hyperlinkcolor" showMasterPhAnim="0" showMasterSp="0">
+<p:notes xmlns:a="http://schemas.openxmlformats.org/drawingml/2006/main" xmlns:r="http://schemas.openxmlformats.org/officeDocument/2006/relationships" xmlns:p="http://schemas.openxmlformats.org/presentationml/2006/main" showMasterSp="0" showMasterPhAnim="0">
   <p:cSld>
     <p:spTree>
       <p:nvGrpSpPr>
-        <p:cNvPr id="80" name="Shape 80"/>
+        <p:cNvPr id="1" name="Shape 80"/>
         <p:cNvGrpSpPr/>
         <p:nvPr/>
       </p:nvGrpSpPr>
@@ -1216,9 +1268,11 @@
       <p:sp>
         <p:nvSpPr>
           <p:cNvPr id="81" name="Google Shape;81;ga4ea708229_0_35:notes"/>
-          <p:cNvSpPr/>
+          <p:cNvSpPr>
+            <a:spLocks noGrp="1" noRot="1" noChangeAspect="1"/>
+          </p:cNvSpPr>
           <p:nvPr>
-            <p:ph idx="2" type="sldImg"/>
+            <p:ph type="sldImg" idx="2"/>
           </p:nvPr>
         </p:nvSpPr>
         <p:spPr>
@@ -1227,9 +1281,13 @@
             <a:ext cx="6096000" cy="3429000"/>
           </a:xfrm>
           <a:custGeom>
-            <a:rect b="b" l="l" r="r" t="t"/>
+            <a:avLst/>
+            <a:gdLst/>
+            <a:ahLst/>
+            <a:cxnLst/>
+            <a:rect l="l" t="t" r="r" b="b"/>
             <a:pathLst>
-              <a:path extrusionOk="0" h="120000" w="120000">
+              <a:path w="120000" h="120000" extrusionOk="0">
                 <a:moveTo>
                   <a:pt x="0" y="0"/>
                 </a:moveTo>
@@ -1251,9 +1309,11 @@
       <p:sp>
         <p:nvSpPr>
           <p:cNvPr id="82" name="Google Shape;82;ga4ea708229_0_35:notes"/>
-          <p:cNvSpPr txBox="1"/>
+          <p:cNvSpPr txBox="1">
+            <a:spLocks noGrp="1"/>
+          </p:cNvSpPr>
           <p:nvPr>
-            <p:ph idx="1" type="body"/>
+            <p:ph type="body" idx="1"/>
           </p:nvPr>
         </p:nvSpPr>
         <p:spPr>
@@ -1266,12 +1326,12 @@
           </a:prstGeom>
         </p:spPr>
         <p:txBody>
-          <a:bodyPr anchorCtr="0" anchor="t" bIns="91425" lIns="91425" spcFirstLastPara="1" rIns="91425" wrap="square" tIns="91425">
+          <a:bodyPr spcFirstLastPara="1" wrap="square" lIns="91425" tIns="91425" rIns="91425" bIns="91425" anchor="t" anchorCtr="0">
             <a:noAutofit/>
           </a:bodyPr>
           <a:lstStyle/>
           <a:p>
-            <a:pPr indent="0" lvl="0" marL="0" rtl="0" algn="l">
+            <a:pPr marL="0" lvl="0" indent="0" algn="l" rtl="0">
               <a:spcBef>
                 <a:spcPts val="0"/>
               </a:spcBef>
@@ -1280,9 +1340,6 @@
               </a:spcAft>
               <a:buNone/>
             </a:pPr>
-            <a:r>
-              <a:t/>
-            </a:r>
             <a:endParaRPr/>
           </a:p>
         </p:txBody>
@@ -1296,11 +1353,11 @@
 </file>
 
 <file path=ppt/notesSlides/notesSlide7.xml><?xml version="1.0" encoding="utf-8"?>
-<p:notes xmlns:a="http://schemas.openxmlformats.org/drawingml/2006/main" xmlns:r="http://schemas.openxmlformats.org/officeDocument/2006/relationships" xmlns:mc="http://schemas.openxmlformats.org/markup-compatibility/2006" xmlns:mv="urn:schemas-microsoft-com:mac:vml" xmlns:p="http://schemas.openxmlformats.org/presentationml/2006/main" xmlns:c="http://schemas.openxmlformats.org/drawingml/2006/chart" xmlns:dgm="http://schemas.openxmlformats.org/drawingml/2006/diagram" xmlns:o="urn:schemas-microsoft-com:office:office" xmlns:v="urn:schemas-microsoft-com:vml" xmlns:pvml="urn:schemas-microsoft-com:office:powerpoint" xmlns:com="http://schemas.openxmlformats.org/drawingml/2006/compatibility" xmlns:p14="http://schemas.microsoft.com/office/powerpoint/2010/main" xmlns:p15="http://schemas.microsoft.com/office/powerpoint/2012/main" xmlns:ahyp="http://schemas.microsoft.com/office/drawing/2018/hyperlinkcolor" showMasterPhAnim="0" showMasterSp="0">
+<p:notes xmlns:a="http://schemas.openxmlformats.org/drawingml/2006/main" xmlns:r="http://schemas.openxmlformats.org/officeDocument/2006/relationships" xmlns:p="http://schemas.openxmlformats.org/presentationml/2006/main" showMasterSp="0" showMasterPhAnim="0">
   <p:cSld>
     <p:spTree>
       <p:nvGrpSpPr>
-        <p:cNvPr id="86" name="Shape 86"/>
+        <p:cNvPr id="1" name="Shape 86"/>
         <p:cNvGrpSpPr/>
         <p:nvPr/>
       </p:nvGrpSpPr>
@@ -1315,9 +1372,11 @@
       <p:sp>
         <p:nvSpPr>
           <p:cNvPr id="87" name="Google Shape;87;ga4ea708229_0_11:notes"/>
-          <p:cNvSpPr/>
+          <p:cNvSpPr>
+            <a:spLocks noGrp="1" noRot="1" noChangeAspect="1"/>
+          </p:cNvSpPr>
           <p:nvPr>
-            <p:ph idx="2" type="sldImg"/>
+            <p:ph type="sldImg" idx="2"/>
           </p:nvPr>
         </p:nvSpPr>
         <p:spPr>
@@ -1326,9 +1385,13 @@
             <a:ext cx="6096000" cy="3429000"/>
           </a:xfrm>
           <a:custGeom>
-            <a:rect b="b" l="l" r="r" t="t"/>
+            <a:avLst/>
+            <a:gdLst/>
+            <a:ahLst/>
+            <a:cxnLst/>
+            <a:rect l="l" t="t" r="r" b="b"/>
             <a:pathLst>
-              <a:path extrusionOk="0" h="120000" w="120000">
+              <a:path w="120000" h="120000" extrusionOk="0">
                 <a:moveTo>
                   <a:pt x="0" y="0"/>
                 </a:moveTo>
@@ -1350,9 +1413,11 @@
       <p:sp>
         <p:nvSpPr>
           <p:cNvPr id="88" name="Google Shape;88;ga4ea708229_0_11:notes"/>
-          <p:cNvSpPr txBox="1"/>
+          <p:cNvSpPr txBox="1">
+            <a:spLocks noGrp="1"/>
+          </p:cNvSpPr>
           <p:nvPr>
-            <p:ph idx="1" type="body"/>
+            <p:ph type="body" idx="1"/>
           </p:nvPr>
         </p:nvSpPr>
         <p:spPr>
@@ -1365,12 +1430,12 @@
           </a:prstGeom>
         </p:spPr>
         <p:txBody>
-          <a:bodyPr anchorCtr="0" anchor="t" bIns="91425" lIns="91425" spcFirstLastPara="1" rIns="91425" wrap="square" tIns="91425">
+          <a:bodyPr spcFirstLastPara="1" wrap="square" lIns="91425" tIns="91425" rIns="91425" bIns="91425" anchor="t" anchorCtr="0">
             <a:noAutofit/>
           </a:bodyPr>
           <a:lstStyle/>
           <a:p>
-            <a:pPr indent="0" lvl="0" marL="0" rtl="0" algn="l">
+            <a:pPr marL="0" lvl="0" indent="0" algn="l" rtl="0">
               <a:spcBef>
                 <a:spcPts val="0"/>
               </a:spcBef>
@@ -1379,9 +1444,6 @@
               </a:spcAft>
               <a:buNone/>
             </a:pPr>
-            <a:r>
-              <a:t/>
-            </a:r>
             <a:endParaRPr/>
           </a:p>
         </p:txBody>
@@ -1395,11 +1457,11 @@
 </file>
 
 <file path=ppt/slideLayouts/slideLayout1.xml><?xml version="1.0" encoding="utf-8"?>
-<p:sldLayout xmlns:a="http://schemas.openxmlformats.org/drawingml/2006/main" xmlns:r="http://schemas.openxmlformats.org/officeDocument/2006/relationships" xmlns:mc="http://schemas.openxmlformats.org/markup-compatibility/2006" xmlns:mv="urn:schemas-microsoft-com:mac:vml" xmlns:p="http://schemas.openxmlformats.org/presentationml/2006/main" xmlns:c="http://schemas.openxmlformats.org/drawingml/2006/chart" xmlns:dgm="http://schemas.openxmlformats.org/drawingml/2006/diagram" xmlns:o="urn:schemas-microsoft-com:office:office" xmlns:v="urn:schemas-microsoft-com:vml" xmlns:pvml="urn:schemas-microsoft-com:office:powerpoint" xmlns:com="http://schemas.openxmlformats.org/drawingml/2006/compatibility" xmlns:p14="http://schemas.microsoft.com/office/powerpoint/2010/main" xmlns:p15="http://schemas.microsoft.com/office/powerpoint/2012/main" xmlns:ahyp="http://schemas.microsoft.com/office/drawing/2018/hyperlinkcolor" matchingName="Title slide" type="title">
+<p:sldLayout xmlns:a="http://schemas.openxmlformats.org/drawingml/2006/main" xmlns:r="http://schemas.openxmlformats.org/officeDocument/2006/relationships" xmlns:p="http://schemas.openxmlformats.org/presentationml/2006/main" matchingName="Title slide" type="title">
   <p:cSld name="TITLE">
     <p:spTree>
       <p:nvGrpSpPr>
-        <p:cNvPr id="9" name="Shape 9"/>
+        <p:cNvPr id="1" name="Shape 9"/>
         <p:cNvGrpSpPr/>
         <p:nvPr/>
       </p:nvGrpSpPr>
@@ -1414,7 +1476,9 @@
       <p:sp>
         <p:nvSpPr>
           <p:cNvPr id="10" name="Google Shape;10;p2"/>
-          <p:cNvSpPr txBox="1"/>
+          <p:cNvSpPr txBox="1">
+            <a:spLocks noGrp="1"/>
+          </p:cNvSpPr>
           <p:nvPr>
             <p:ph type="ctrTitle"/>
           </p:nvPr>
@@ -1429,7 +1493,7 @@
           </a:prstGeom>
         </p:spPr>
         <p:txBody>
-          <a:bodyPr anchorCtr="0" anchor="b" bIns="91425" lIns="91425" spcFirstLastPara="1" rIns="91425" wrap="square" tIns="91425">
+          <a:bodyPr spcFirstLastPara="1" wrap="square" lIns="91425" tIns="91425" rIns="91425" bIns="91425" anchor="b" anchorCtr="0">
             <a:noAutofit/>
           </a:bodyPr>
           <a:lstStyle>
@@ -1533,15 +1597,19 @@
               <a:defRPr sz="5200"/>
             </a:lvl9pPr>
           </a:lstStyle>
-          <a:p/>
+          <a:p>
+            <a:endParaRPr/>
+          </a:p>
         </p:txBody>
       </p:sp>
       <p:sp>
         <p:nvSpPr>
           <p:cNvPr id="11" name="Google Shape;11;p2"/>
-          <p:cNvSpPr txBox="1"/>
+          <p:cNvSpPr txBox="1">
+            <a:spLocks noGrp="1"/>
+          </p:cNvSpPr>
           <p:nvPr>
-            <p:ph idx="1" type="subTitle"/>
+            <p:ph type="subTitle" idx="1"/>
           </p:nvPr>
         </p:nvSpPr>
         <p:spPr>
@@ -1554,7 +1622,7 @@
           </a:prstGeom>
         </p:spPr>
         <p:txBody>
-          <a:bodyPr anchorCtr="0" anchor="t" bIns="91425" lIns="91425" spcFirstLastPara="1" rIns="91425" wrap="square" tIns="91425">
+          <a:bodyPr spcFirstLastPara="1" wrap="square" lIns="91425" tIns="91425" rIns="91425" bIns="91425" anchor="t" anchorCtr="0">
             <a:noAutofit/>
           </a:bodyPr>
           <a:lstStyle>
@@ -1685,15 +1753,19 @@
               <a:defRPr sz="2800"/>
             </a:lvl9pPr>
           </a:lstStyle>
-          <a:p/>
+          <a:p>
+            <a:endParaRPr/>
+          </a:p>
         </p:txBody>
       </p:sp>
       <p:sp>
         <p:nvSpPr>
           <p:cNvPr id="12" name="Google Shape;12;p2"/>
-          <p:cNvSpPr txBox="1"/>
+          <p:cNvSpPr txBox="1">
+            <a:spLocks noGrp="1"/>
+          </p:cNvSpPr>
           <p:nvPr>
-            <p:ph idx="12" type="sldNum"/>
+            <p:ph type="sldNum" idx="12"/>
           </p:nvPr>
         </p:nvSpPr>
         <p:spPr>
@@ -1706,7 +1778,7 @@
           </a:prstGeom>
         </p:spPr>
         <p:txBody>
-          <a:bodyPr anchorCtr="0" anchor="ctr" bIns="91425" lIns="91425" spcFirstLastPara="1" rIns="91425" wrap="square" tIns="91425">
+          <a:bodyPr spcFirstLastPara="1" wrap="square" lIns="91425" tIns="91425" rIns="91425" bIns="91425" anchor="ctr" anchorCtr="0">
             <a:noAutofit/>
           </a:bodyPr>
           <a:lstStyle>
@@ -1748,7 +1820,7 @@
             </a:lvl9pPr>
           </a:lstStyle>
           <a:p>
-            <a:pPr indent="0" lvl="0" marL="0" rtl="0" algn="r">
+            <a:pPr marL="0" lvl="0" indent="0" algn="r" rtl="0">
               <a:spcBef>
                 <a:spcPts val="0"/>
               </a:spcBef>
@@ -1774,11 +1846,11 @@
 </file>
 
 <file path=ppt/slideLayouts/slideLayout10.xml><?xml version="1.0" encoding="utf-8"?>
-<p:sldLayout xmlns:a="http://schemas.openxmlformats.org/drawingml/2006/main" xmlns:r="http://schemas.openxmlformats.org/officeDocument/2006/relationships" xmlns:mc="http://schemas.openxmlformats.org/markup-compatibility/2006" xmlns:mv="urn:schemas-microsoft-com:mac:vml" xmlns:p="http://schemas.openxmlformats.org/presentationml/2006/main" xmlns:c="http://schemas.openxmlformats.org/drawingml/2006/chart" xmlns:dgm="http://schemas.openxmlformats.org/drawingml/2006/diagram" xmlns:o="urn:schemas-microsoft-com:office:office" xmlns:v="urn:schemas-microsoft-com:vml" xmlns:pvml="urn:schemas-microsoft-com:office:powerpoint" xmlns:com="http://schemas.openxmlformats.org/drawingml/2006/compatibility" xmlns:p14="http://schemas.microsoft.com/office/powerpoint/2010/main" xmlns:p15="http://schemas.microsoft.com/office/powerpoint/2012/main" xmlns:ahyp="http://schemas.microsoft.com/office/drawing/2018/hyperlinkcolor" matchingName="Big number">
+<p:sldLayout xmlns:a="http://schemas.openxmlformats.org/drawingml/2006/main" xmlns:r="http://schemas.openxmlformats.org/officeDocument/2006/relationships" xmlns:p="http://schemas.openxmlformats.org/presentationml/2006/main" matchingName="Big number">
   <p:cSld name="BIG_NUMBER">
     <p:spTree>
       <p:nvGrpSpPr>
-        <p:cNvPr id="44" name="Shape 44"/>
+        <p:cNvPr id="1" name="Shape 44"/>
         <p:cNvGrpSpPr/>
         <p:nvPr/>
       </p:nvGrpSpPr>
@@ -1793,9 +1865,11 @@
       <p:sp>
         <p:nvSpPr>
           <p:cNvPr id="45" name="Google Shape;45;p11"/>
-          <p:cNvSpPr txBox="1"/>
+          <p:cNvSpPr txBox="1">
+            <a:spLocks noGrp="1"/>
+          </p:cNvSpPr>
           <p:nvPr>
-            <p:ph hasCustomPrompt="1" type="title"/>
+            <p:ph type="title" hasCustomPrompt="1"/>
           </p:nvPr>
         </p:nvSpPr>
         <p:spPr>
@@ -1808,7 +1882,7 @@
           </a:prstGeom>
         </p:spPr>
         <p:txBody>
-          <a:bodyPr anchorCtr="0" anchor="b" bIns="91425" lIns="91425" spcFirstLastPara="1" rIns="91425" wrap="square" tIns="91425">
+          <a:bodyPr spcFirstLastPara="1" wrap="square" lIns="91425" tIns="91425" rIns="91425" bIns="91425" anchor="b" anchorCtr="0">
             <a:noAutofit/>
           </a:bodyPr>
           <a:lstStyle>
@@ -1922,9 +1996,11 @@
       <p:sp>
         <p:nvSpPr>
           <p:cNvPr id="46" name="Google Shape;46;p11"/>
-          <p:cNvSpPr txBox="1"/>
+          <p:cNvSpPr txBox="1">
+            <a:spLocks noGrp="1"/>
+          </p:cNvSpPr>
           <p:nvPr>
-            <p:ph idx="1" type="body"/>
+            <p:ph type="body" idx="1"/>
           </p:nvPr>
         </p:nvSpPr>
         <p:spPr>
@@ -1937,11 +2013,11 @@
           </a:prstGeom>
         </p:spPr>
         <p:txBody>
-          <a:bodyPr anchorCtr="0" anchor="t" bIns="91425" lIns="91425" spcFirstLastPara="1" rIns="91425" wrap="square" tIns="91425">
+          <a:bodyPr spcFirstLastPara="1" wrap="square" lIns="91425" tIns="91425" rIns="91425" bIns="91425" anchor="t" anchorCtr="0">
             <a:noAutofit/>
           </a:bodyPr>
           <a:lstStyle>
-            <a:lvl1pPr indent="-342900" lvl="0" marL="457200" algn="ctr">
+            <a:lvl1pPr marL="457200" lvl="0" indent="-342900" algn="ctr">
               <a:spcBef>
                 <a:spcPts val="0"/>
               </a:spcBef>
@@ -1952,7 +2028,7 @@
               <a:buChar char="●"/>
               <a:defRPr/>
             </a:lvl1pPr>
-            <a:lvl2pPr indent="-317500" lvl="1" marL="914400" algn="ctr">
+            <a:lvl2pPr marL="914400" lvl="1" indent="-317500" algn="ctr">
               <a:spcBef>
                 <a:spcPts val="1600"/>
               </a:spcBef>
@@ -1963,7 +2039,7 @@
               <a:buChar char="○"/>
               <a:defRPr/>
             </a:lvl2pPr>
-            <a:lvl3pPr indent="-317500" lvl="2" marL="1371600" algn="ctr">
+            <a:lvl3pPr marL="1371600" lvl="2" indent="-317500" algn="ctr">
               <a:spcBef>
                 <a:spcPts val="1600"/>
               </a:spcBef>
@@ -1974,7 +2050,7 @@
               <a:buChar char="■"/>
               <a:defRPr/>
             </a:lvl3pPr>
-            <a:lvl4pPr indent="-317500" lvl="3" marL="1828800" algn="ctr">
+            <a:lvl4pPr marL="1828800" lvl="3" indent="-317500" algn="ctr">
               <a:spcBef>
                 <a:spcPts val="1600"/>
               </a:spcBef>
@@ -1985,7 +2061,7 @@
               <a:buChar char="●"/>
               <a:defRPr/>
             </a:lvl4pPr>
-            <a:lvl5pPr indent="-317500" lvl="4" marL="2286000" algn="ctr">
+            <a:lvl5pPr marL="2286000" lvl="4" indent="-317500" algn="ctr">
               <a:spcBef>
                 <a:spcPts val="1600"/>
               </a:spcBef>
@@ -1996,7 +2072,7 @@
               <a:buChar char="○"/>
               <a:defRPr/>
             </a:lvl5pPr>
-            <a:lvl6pPr indent="-317500" lvl="5" marL="2743200" algn="ctr">
+            <a:lvl6pPr marL="2743200" lvl="5" indent="-317500" algn="ctr">
               <a:spcBef>
                 <a:spcPts val="1600"/>
               </a:spcBef>
@@ -2007,7 +2083,7 @@
               <a:buChar char="■"/>
               <a:defRPr/>
             </a:lvl6pPr>
-            <a:lvl7pPr indent="-317500" lvl="6" marL="3200400" algn="ctr">
+            <a:lvl7pPr marL="3200400" lvl="6" indent="-317500" algn="ctr">
               <a:spcBef>
                 <a:spcPts val="1600"/>
               </a:spcBef>
@@ -2018,7 +2094,7 @@
               <a:buChar char="●"/>
               <a:defRPr/>
             </a:lvl7pPr>
-            <a:lvl8pPr indent="-317500" lvl="7" marL="3657600" algn="ctr">
+            <a:lvl8pPr marL="3657600" lvl="7" indent="-317500" algn="ctr">
               <a:spcBef>
                 <a:spcPts val="1600"/>
               </a:spcBef>
@@ -2029,7 +2105,7 @@
               <a:buChar char="○"/>
               <a:defRPr/>
             </a:lvl8pPr>
-            <a:lvl9pPr indent="-317500" lvl="8" marL="4114800" algn="ctr">
+            <a:lvl9pPr marL="4114800" lvl="8" indent="-317500" algn="ctr">
               <a:spcBef>
                 <a:spcPts val="1600"/>
               </a:spcBef>
@@ -2041,15 +2117,19 @@
               <a:defRPr/>
             </a:lvl9pPr>
           </a:lstStyle>
-          <a:p/>
+          <a:p>
+            <a:endParaRPr/>
+          </a:p>
         </p:txBody>
       </p:sp>
       <p:sp>
         <p:nvSpPr>
           <p:cNvPr id="47" name="Google Shape;47;p11"/>
-          <p:cNvSpPr txBox="1"/>
+          <p:cNvSpPr txBox="1">
+            <a:spLocks noGrp="1"/>
+          </p:cNvSpPr>
           <p:nvPr>
-            <p:ph idx="12" type="sldNum"/>
+            <p:ph type="sldNum" idx="12"/>
           </p:nvPr>
         </p:nvSpPr>
         <p:spPr>
@@ -2062,7 +2142,7 @@
           </a:prstGeom>
         </p:spPr>
         <p:txBody>
-          <a:bodyPr anchorCtr="0" anchor="ctr" bIns="91425" lIns="91425" spcFirstLastPara="1" rIns="91425" wrap="square" tIns="91425">
+          <a:bodyPr spcFirstLastPara="1" wrap="square" lIns="91425" tIns="91425" rIns="91425" bIns="91425" anchor="ctr" anchorCtr="0">
             <a:noAutofit/>
           </a:bodyPr>
           <a:lstStyle>
@@ -2104,7 +2184,7 @@
             </a:lvl9pPr>
           </a:lstStyle>
           <a:p>
-            <a:pPr indent="0" lvl="0" marL="0" rtl="0" algn="r">
+            <a:pPr marL="0" lvl="0" indent="0" algn="r" rtl="0">
               <a:spcBef>
                 <a:spcPts val="0"/>
               </a:spcBef>
@@ -2130,11 +2210,11 @@
 </file>
 
 <file path=ppt/slideLayouts/slideLayout11.xml><?xml version="1.0" encoding="utf-8"?>
-<p:sldLayout xmlns:a="http://schemas.openxmlformats.org/drawingml/2006/main" xmlns:r="http://schemas.openxmlformats.org/officeDocument/2006/relationships" xmlns:mc="http://schemas.openxmlformats.org/markup-compatibility/2006" xmlns:mv="urn:schemas-microsoft-com:mac:vml" xmlns:p="http://schemas.openxmlformats.org/presentationml/2006/main" xmlns:c="http://schemas.openxmlformats.org/drawingml/2006/chart" xmlns:dgm="http://schemas.openxmlformats.org/drawingml/2006/diagram" xmlns:o="urn:schemas-microsoft-com:office:office" xmlns:v="urn:schemas-microsoft-com:vml" xmlns:pvml="urn:schemas-microsoft-com:office:powerpoint" xmlns:com="http://schemas.openxmlformats.org/drawingml/2006/compatibility" xmlns:p14="http://schemas.microsoft.com/office/powerpoint/2010/main" xmlns:p15="http://schemas.microsoft.com/office/powerpoint/2012/main" xmlns:ahyp="http://schemas.microsoft.com/office/drawing/2018/hyperlinkcolor" matchingName="Blank" type="blank">
+<p:sldLayout xmlns:a="http://schemas.openxmlformats.org/drawingml/2006/main" xmlns:r="http://schemas.openxmlformats.org/officeDocument/2006/relationships" xmlns:p="http://schemas.openxmlformats.org/presentationml/2006/main" matchingName="Blank" type="blank">
   <p:cSld name="BLANK">
     <p:spTree>
       <p:nvGrpSpPr>
-        <p:cNvPr id="48" name="Shape 48"/>
+        <p:cNvPr id="1" name="Shape 48"/>
         <p:cNvGrpSpPr/>
         <p:nvPr/>
       </p:nvGrpSpPr>
@@ -2149,9 +2229,11 @@
       <p:sp>
         <p:nvSpPr>
           <p:cNvPr id="49" name="Google Shape;49;p12"/>
-          <p:cNvSpPr txBox="1"/>
+          <p:cNvSpPr txBox="1">
+            <a:spLocks noGrp="1"/>
+          </p:cNvSpPr>
           <p:nvPr>
-            <p:ph idx="12" type="sldNum"/>
+            <p:ph type="sldNum" idx="12"/>
           </p:nvPr>
         </p:nvSpPr>
         <p:spPr>
@@ -2164,7 +2246,7 @@
           </a:prstGeom>
         </p:spPr>
         <p:txBody>
-          <a:bodyPr anchorCtr="0" anchor="ctr" bIns="91425" lIns="91425" spcFirstLastPara="1" rIns="91425" wrap="square" tIns="91425">
+          <a:bodyPr spcFirstLastPara="1" wrap="square" lIns="91425" tIns="91425" rIns="91425" bIns="91425" anchor="ctr" anchorCtr="0">
             <a:noAutofit/>
           </a:bodyPr>
           <a:lstStyle>
@@ -2206,7 +2288,7 @@
             </a:lvl9pPr>
           </a:lstStyle>
           <a:p>
-            <a:pPr indent="0" lvl="0" marL="0" rtl="0" algn="r">
+            <a:pPr marL="0" lvl="0" indent="0" algn="r" rtl="0">
               <a:spcBef>
                 <a:spcPts val="0"/>
               </a:spcBef>
@@ -2232,11 +2314,11 @@
 </file>
 
 <file path=ppt/slideLayouts/slideLayout2.xml><?xml version="1.0" encoding="utf-8"?>
-<p:sldLayout xmlns:a="http://schemas.openxmlformats.org/drawingml/2006/main" xmlns:r="http://schemas.openxmlformats.org/officeDocument/2006/relationships" xmlns:mc="http://schemas.openxmlformats.org/markup-compatibility/2006" xmlns:mv="urn:schemas-microsoft-com:mac:vml" xmlns:p="http://schemas.openxmlformats.org/presentationml/2006/main" xmlns:c="http://schemas.openxmlformats.org/drawingml/2006/chart" xmlns:dgm="http://schemas.openxmlformats.org/drawingml/2006/diagram" xmlns:o="urn:schemas-microsoft-com:office:office" xmlns:v="urn:schemas-microsoft-com:vml" xmlns:pvml="urn:schemas-microsoft-com:office:powerpoint" xmlns:com="http://schemas.openxmlformats.org/drawingml/2006/compatibility" xmlns:p14="http://schemas.microsoft.com/office/powerpoint/2010/main" xmlns:p15="http://schemas.microsoft.com/office/powerpoint/2012/main" xmlns:ahyp="http://schemas.microsoft.com/office/drawing/2018/hyperlinkcolor" matchingName="Section header" type="secHead">
+<p:sldLayout xmlns:a="http://schemas.openxmlformats.org/drawingml/2006/main" xmlns:r="http://schemas.openxmlformats.org/officeDocument/2006/relationships" xmlns:p="http://schemas.openxmlformats.org/presentationml/2006/main" matchingName="Section header" type="secHead">
   <p:cSld name="SECTION_HEADER">
     <p:spTree>
       <p:nvGrpSpPr>
-        <p:cNvPr id="13" name="Shape 13"/>
+        <p:cNvPr id="1" name="Shape 13"/>
         <p:cNvGrpSpPr/>
         <p:nvPr/>
       </p:nvGrpSpPr>
@@ -2251,7 +2333,9 @@
       <p:sp>
         <p:nvSpPr>
           <p:cNvPr id="14" name="Google Shape;14;p3"/>
-          <p:cNvSpPr txBox="1"/>
+          <p:cNvSpPr txBox="1">
+            <a:spLocks noGrp="1"/>
+          </p:cNvSpPr>
           <p:nvPr>
             <p:ph type="title"/>
           </p:nvPr>
@@ -2266,7 +2350,7 @@
           </a:prstGeom>
         </p:spPr>
         <p:txBody>
-          <a:bodyPr anchorCtr="0" anchor="ctr" bIns="91425" lIns="91425" spcFirstLastPara="1" rIns="91425" wrap="square" tIns="91425">
+          <a:bodyPr spcFirstLastPara="1" wrap="square" lIns="91425" tIns="91425" rIns="91425" bIns="91425" anchor="ctr" anchorCtr="0">
             <a:noAutofit/>
           </a:bodyPr>
           <a:lstStyle>
@@ -2370,15 +2454,19 @@
               <a:defRPr sz="3600"/>
             </a:lvl9pPr>
           </a:lstStyle>
-          <a:p/>
+          <a:p>
+            <a:endParaRPr/>
+          </a:p>
         </p:txBody>
       </p:sp>
       <p:sp>
         <p:nvSpPr>
           <p:cNvPr id="15" name="Google Shape;15;p3"/>
-          <p:cNvSpPr txBox="1"/>
+          <p:cNvSpPr txBox="1">
+            <a:spLocks noGrp="1"/>
+          </p:cNvSpPr>
           <p:nvPr>
-            <p:ph idx="12" type="sldNum"/>
+            <p:ph type="sldNum" idx="12"/>
           </p:nvPr>
         </p:nvSpPr>
         <p:spPr>
@@ -2391,7 +2479,7 @@
           </a:prstGeom>
         </p:spPr>
         <p:txBody>
-          <a:bodyPr anchorCtr="0" anchor="ctr" bIns="91425" lIns="91425" spcFirstLastPara="1" rIns="91425" wrap="square" tIns="91425">
+          <a:bodyPr spcFirstLastPara="1" wrap="square" lIns="91425" tIns="91425" rIns="91425" bIns="91425" anchor="ctr" anchorCtr="0">
             <a:noAutofit/>
           </a:bodyPr>
           <a:lstStyle>
@@ -2433,7 +2521,7 @@
             </a:lvl9pPr>
           </a:lstStyle>
           <a:p>
-            <a:pPr indent="0" lvl="0" marL="0" rtl="0" algn="r">
+            <a:pPr marL="0" lvl="0" indent="0" algn="r" rtl="0">
               <a:spcBef>
                 <a:spcPts val="0"/>
               </a:spcBef>
@@ -2459,11 +2547,11 @@
 </file>
 
 <file path=ppt/slideLayouts/slideLayout3.xml><?xml version="1.0" encoding="utf-8"?>
-<p:sldLayout xmlns:a="http://schemas.openxmlformats.org/drawingml/2006/main" xmlns:r="http://schemas.openxmlformats.org/officeDocument/2006/relationships" xmlns:mc="http://schemas.openxmlformats.org/markup-compatibility/2006" xmlns:mv="urn:schemas-microsoft-com:mac:vml" xmlns:p="http://schemas.openxmlformats.org/presentationml/2006/main" xmlns:c="http://schemas.openxmlformats.org/drawingml/2006/chart" xmlns:dgm="http://schemas.openxmlformats.org/drawingml/2006/diagram" xmlns:o="urn:schemas-microsoft-com:office:office" xmlns:v="urn:schemas-microsoft-com:vml" xmlns:pvml="urn:schemas-microsoft-com:office:powerpoint" xmlns:com="http://schemas.openxmlformats.org/drawingml/2006/compatibility" xmlns:p14="http://schemas.microsoft.com/office/powerpoint/2010/main" xmlns:p15="http://schemas.microsoft.com/office/powerpoint/2012/main" xmlns:ahyp="http://schemas.microsoft.com/office/drawing/2018/hyperlinkcolor" matchingName="Title and body" type="tx">
+<p:sldLayout xmlns:a="http://schemas.openxmlformats.org/drawingml/2006/main" xmlns:r="http://schemas.openxmlformats.org/officeDocument/2006/relationships" xmlns:p="http://schemas.openxmlformats.org/presentationml/2006/main" matchingName="Title and body" type="tx">
   <p:cSld name="TITLE_AND_BODY">
     <p:spTree>
       <p:nvGrpSpPr>
-        <p:cNvPr id="16" name="Shape 16"/>
+        <p:cNvPr id="1" name="Shape 16"/>
         <p:cNvGrpSpPr/>
         <p:nvPr/>
       </p:nvGrpSpPr>
@@ -2478,7 +2566,9 @@
       <p:sp>
         <p:nvSpPr>
           <p:cNvPr id="17" name="Google Shape;17;p4"/>
-          <p:cNvSpPr txBox="1"/>
+          <p:cNvSpPr txBox="1">
+            <a:spLocks noGrp="1"/>
+          </p:cNvSpPr>
           <p:nvPr>
             <p:ph type="title"/>
           </p:nvPr>
@@ -2493,7 +2583,7 @@
           </a:prstGeom>
         </p:spPr>
         <p:txBody>
-          <a:bodyPr anchorCtr="0" anchor="t" bIns="91425" lIns="91425" spcFirstLastPara="1" rIns="91425" wrap="square" tIns="91425">
+          <a:bodyPr spcFirstLastPara="1" wrap="square" lIns="91425" tIns="91425" rIns="91425" bIns="91425" anchor="t" anchorCtr="0">
             <a:noAutofit/>
           </a:bodyPr>
           <a:lstStyle>
@@ -2597,15 +2687,19 @@
               <a:defRPr/>
             </a:lvl9pPr>
           </a:lstStyle>
-          <a:p/>
+          <a:p>
+            <a:endParaRPr/>
+          </a:p>
         </p:txBody>
       </p:sp>
       <p:sp>
         <p:nvSpPr>
           <p:cNvPr id="18" name="Google Shape;18;p4"/>
-          <p:cNvSpPr txBox="1"/>
+          <p:cNvSpPr txBox="1">
+            <a:spLocks noGrp="1"/>
+          </p:cNvSpPr>
           <p:nvPr>
-            <p:ph idx="1" type="body"/>
+            <p:ph type="body" idx="1"/>
           </p:nvPr>
         </p:nvSpPr>
         <p:spPr>
@@ -2618,11 +2712,11 @@
           </a:prstGeom>
         </p:spPr>
         <p:txBody>
-          <a:bodyPr anchorCtr="0" anchor="t" bIns="91425" lIns="91425" spcFirstLastPara="1" rIns="91425" wrap="square" tIns="91425">
+          <a:bodyPr spcFirstLastPara="1" wrap="square" lIns="91425" tIns="91425" rIns="91425" bIns="91425" anchor="t" anchorCtr="0">
             <a:noAutofit/>
           </a:bodyPr>
           <a:lstStyle>
-            <a:lvl1pPr indent="-342900" lvl="0" marL="457200">
+            <a:lvl1pPr marL="457200" lvl="0" indent="-342900">
               <a:spcBef>
                 <a:spcPts val="0"/>
               </a:spcBef>
@@ -2633,7 +2727,7 @@
               <a:buChar char="●"/>
               <a:defRPr/>
             </a:lvl1pPr>
-            <a:lvl2pPr indent="-317500" lvl="1" marL="914400">
+            <a:lvl2pPr marL="914400" lvl="1" indent="-317500">
               <a:spcBef>
                 <a:spcPts val="1600"/>
               </a:spcBef>
@@ -2644,7 +2738,7 @@
               <a:buChar char="○"/>
               <a:defRPr/>
             </a:lvl2pPr>
-            <a:lvl3pPr indent="-317500" lvl="2" marL="1371600">
+            <a:lvl3pPr marL="1371600" lvl="2" indent="-317500">
               <a:spcBef>
                 <a:spcPts val="1600"/>
               </a:spcBef>
@@ -2655,7 +2749,7 @@
               <a:buChar char="■"/>
               <a:defRPr/>
             </a:lvl3pPr>
-            <a:lvl4pPr indent="-317500" lvl="3" marL="1828800">
+            <a:lvl4pPr marL="1828800" lvl="3" indent="-317500">
               <a:spcBef>
                 <a:spcPts val="1600"/>
               </a:spcBef>
@@ -2666,7 +2760,7 @@
               <a:buChar char="●"/>
               <a:defRPr/>
             </a:lvl4pPr>
-            <a:lvl5pPr indent="-317500" lvl="4" marL="2286000">
+            <a:lvl5pPr marL="2286000" lvl="4" indent="-317500">
               <a:spcBef>
                 <a:spcPts val="1600"/>
               </a:spcBef>
@@ -2677,7 +2771,7 @@
               <a:buChar char="○"/>
               <a:defRPr/>
             </a:lvl5pPr>
-            <a:lvl6pPr indent="-317500" lvl="5" marL="2743200">
+            <a:lvl6pPr marL="2743200" lvl="5" indent="-317500">
               <a:spcBef>
                 <a:spcPts val="1600"/>
               </a:spcBef>
@@ -2688,7 +2782,7 @@
               <a:buChar char="■"/>
               <a:defRPr/>
             </a:lvl6pPr>
-            <a:lvl7pPr indent="-317500" lvl="6" marL="3200400">
+            <a:lvl7pPr marL="3200400" lvl="6" indent="-317500">
               <a:spcBef>
                 <a:spcPts val="1600"/>
               </a:spcBef>
@@ -2699,7 +2793,7 @@
               <a:buChar char="●"/>
               <a:defRPr/>
             </a:lvl7pPr>
-            <a:lvl8pPr indent="-317500" lvl="7" marL="3657600">
+            <a:lvl8pPr marL="3657600" lvl="7" indent="-317500">
               <a:spcBef>
                 <a:spcPts val="1600"/>
               </a:spcBef>
@@ -2710,7 +2804,7 @@
               <a:buChar char="○"/>
               <a:defRPr/>
             </a:lvl8pPr>
-            <a:lvl9pPr indent="-317500" lvl="8" marL="4114800">
+            <a:lvl9pPr marL="4114800" lvl="8" indent="-317500">
               <a:spcBef>
                 <a:spcPts val="1600"/>
               </a:spcBef>
@@ -2722,15 +2816,19 @@
               <a:defRPr/>
             </a:lvl9pPr>
           </a:lstStyle>
-          <a:p/>
+          <a:p>
+            <a:endParaRPr/>
+          </a:p>
         </p:txBody>
       </p:sp>
       <p:sp>
         <p:nvSpPr>
           <p:cNvPr id="19" name="Google Shape;19;p4"/>
-          <p:cNvSpPr txBox="1"/>
+          <p:cNvSpPr txBox="1">
+            <a:spLocks noGrp="1"/>
+          </p:cNvSpPr>
           <p:nvPr>
-            <p:ph idx="12" type="sldNum"/>
+            <p:ph type="sldNum" idx="12"/>
           </p:nvPr>
         </p:nvSpPr>
         <p:spPr>
@@ -2743,7 +2841,7 @@
           </a:prstGeom>
         </p:spPr>
         <p:txBody>
-          <a:bodyPr anchorCtr="0" anchor="ctr" bIns="91425" lIns="91425" spcFirstLastPara="1" rIns="91425" wrap="square" tIns="91425">
+          <a:bodyPr spcFirstLastPara="1" wrap="square" lIns="91425" tIns="91425" rIns="91425" bIns="91425" anchor="ctr" anchorCtr="0">
             <a:noAutofit/>
           </a:bodyPr>
           <a:lstStyle>
@@ -2785,7 +2883,7 @@
             </a:lvl9pPr>
           </a:lstStyle>
           <a:p>
-            <a:pPr indent="0" lvl="0" marL="0" rtl="0" algn="r">
+            <a:pPr marL="0" lvl="0" indent="0" algn="r" rtl="0">
               <a:spcBef>
                 <a:spcPts val="0"/>
               </a:spcBef>
@@ -2811,11 +2909,11 @@
 </file>
 
 <file path=ppt/slideLayouts/slideLayout4.xml><?xml version="1.0" encoding="utf-8"?>
-<p:sldLayout xmlns:a="http://schemas.openxmlformats.org/drawingml/2006/main" xmlns:r="http://schemas.openxmlformats.org/officeDocument/2006/relationships" xmlns:mc="http://schemas.openxmlformats.org/markup-compatibility/2006" xmlns:mv="urn:schemas-microsoft-com:mac:vml" xmlns:p="http://schemas.openxmlformats.org/presentationml/2006/main" xmlns:c="http://schemas.openxmlformats.org/drawingml/2006/chart" xmlns:dgm="http://schemas.openxmlformats.org/drawingml/2006/diagram" xmlns:o="urn:schemas-microsoft-com:office:office" xmlns:v="urn:schemas-microsoft-com:vml" xmlns:pvml="urn:schemas-microsoft-com:office:powerpoint" xmlns:com="http://schemas.openxmlformats.org/drawingml/2006/compatibility" xmlns:p14="http://schemas.microsoft.com/office/powerpoint/2010/main" xmlns:p15="http://schemas.microsoft.com/office/powerpoint/2012/main" xmlns:ahyp="http://schemas.microsoft.com/office/drawing/2018/hyperlinkcolor" matchingName="Title and two columns" type="twoColTx">
+<p:sldLayout xmlns:a="http://schemas.openxmlformats.org/drawingml/2006/main" xmlns:r="http://schemas.openxmlformats.org/officeDocument/2006/relationships" xmlns:p="http://schemas.openxmlformats.org/presentationml/2006/main" matchingName="Title and two columns" type="twoColTx">
   <p:cSld name="TITLE_AND_TWO_COLUMNS">
     <p:spTree>
       <p:nvGrpSpPr>
-        <p:cNvPr id="20" name="Shape 20"/>
+        <p:cNvPr id="1" name="Shape 20"/>
         <p:cNvGrpSpPr/>
         <p:nvPr/>
       </p:nvGrpSpPr>
@@ -2830,7 +2928,9 @@
       <p:sp>
         <p:nvSpPr>
           <p:cNvPr id="21" name="Google Shape;21;p5"/>
-          <p:cNvSpPr txBox="1"/>
+          <p:cNvSpPr txBox="1">
+            <a:spLocks noGrp="1"/>
+          </p:cNvSpPr>
           <p:nvPr>
             <p:ph type="title"/>
           </p:nvPr>
@@ -2845,7 +2945,7 @@
           </a:prstGeom>
         </p:spPr>
         <p:txBody>
-          <a:bodyPr anchorCtr="0" anchor="t" bIns="91425" lIns="91425" spcFirstLastPara="1" rIns="91425" wrap="square" tIns="91425">
+          <a:bodyPr spcFirstLastPara="1" wrap="square" lIns="91425" tIns="91425" rIns="91425" bIns="91425" anchor="t" anchorCtr="0">
             <a:noAutofit/>
           </a:bodyPr>
           <a:lstStyle>
@@ -2949,15 +3049,19 @@
               <a:defRPr/>
             </a:lvl9pPr>
           </a:lstStyle>
-          <a:p/>
+          <a:p>
+            <a:endParaRPr/>
+          </a:p>
         </p:txBody>
       </p:sp>
       <p:sp>
         <p:nvSpPr>
           <p:cNvPr id="22" name="Google Shape;22;p5"/>
-          <p:cNvSpPr txBox="1"/>
+          <p:cNvSpPr txBox="1">
+            <a:spLocks noGrp="1"/>
+          </p:cNvSpPr>
           <p:nvPr>
-            <p:ph idx="1" type="body"/>
+            <p:ph type="body" idx="1"/>
           </p:nvPr>
         </p:nvSpPr>
         <p:spPr>
@@ -2970,11 +3074,11 @@
           </a:prstGeom>
         </p:spPr>
         <p:txBody>
-          <a:bodyPr anchorCtr="0" anchor="t" bIns="91425" lIns="91425" spcFirstLastPara="1" rIns="91425" wrap="square" tIns="91425">
+          <a:bodyPr spcFirstLastPara="1" wrap="square" lIns="91425" tIns="91425" rIns="91425" bIns="91425" anchor="t" anchorCtr="0">
             <a:noAutofit/>
           </a:bodyPr>
           <a:lstStyle>
-            <a:lvl1pPr indent="-317500" lvl="0" marL="457200">
+            <a:lvl1pPr marL="457200" lvl="0" indent="-317500">
               <a:spcBef>
                 <a:spcPts val="0"/>
               </a:spcBef>
@@ -2985,7 +3089,7 @@
               <a:buChar char="●"/>
               <a:defRPr sz="1400"/>
             </a:lvl1pPr>
-            <a:lvl2pPr indent="-304800" lvl="1" marL="914400">
+            <a:lvl2pPr marL="914400" lvl="1" indent="-304800">
               <a:spcBef>
                 <a:spcPts val="1600"/>
               </a:spcBef>
@@ -2996,7 +3100,7 @@
               <a:buChar char="○"/>
               <a:defRPr sz="1200"/>
             </a:lvl2pPr>
-            <a:lvl3pPr indent="-304800" lvl="2" marL="1371600">
+            <a:lvl3pPr marL="1371600" lvl="2" indent="-304800">
               <a:spcBef>
                 <a:spcPts val="1600"/>
               </a:spcBef>
@@ -3007,7 +3111,7 @@
               <a:buChar char="■"/>
               <a:defRPr sz="1200"/>
             </a:lvl3pPr>
-            <a:lvl4pPr indent="-304800" lvl="3" marL="1828800">
+            <a:lvl4pPr marL="1828800" lvl="3" indent="-304800">
               <a:spcBef>
                 <a:spcPts val="1600"/>
               </a:spcBef>
@@ -3018,7 +3122,7 @@
               <a:buChar char="●"/>
               <a:defRPr sz="1200"/>
             </a:lvl4pPr>
-            <a:lvl5pPr indent="-304800" lvl="4" marL="2286000">
+            <a:lvl5pPr marL="2286000" lvl="4" indent="-304800">
               <a:spcBef>
                 <a:spcPts val="1600"/>
               </a:spcBef>
@@ -3029,7 +3133,7 @@
               <a:buChar char="○"/>
               <a:defRPr sz="1200"/>
             </a:lvl5pPr>
-            <a:lvl6pPr indent="-304800" lvl="5" marL="2743200">
+            <a:lvl6pPr marL="2743200" lvl="5" indent="-304800">
               <a:spcBef>
                 <a:spcPts val="1600"/>
               </a:spcBef>
@@ -3040,7 +3144,7 @@
               <a:buChar char="■"/>
               <a:defRPr sz="1200"/>
             </a:lvl6pPr>
-            <a:lvl7pPr indent="-304800" lvl="6" marL="3200400">
+            <a:lvl7pPr marL="3200400" lvl="6" indent="-304800">
               <a:spcBef>
                 <a:spcPts val="1600"/>
               </a:spcBef>
@@ -3051,7 +3155,7 @@
               <a:buChar char="●"/>
               <a:defRPr sz="1200"/>
             </a:lvl7pPr>
-            <a:lvl8pPr indent="-304800" lvl="7" marL="3657600">
+            <a:lvl8pPr marL="3657600" lvl="7" indent="-304800">
               <a:spcBef>
                 <a:spcPts val="1600"/>
               </a:spcBef>
@@ -3062,7 +3166,7 @@
               <a:buChar char="○"/>
               <a:defRPr sz="1200"/>
             </a:lvl8pPr>
-            <a:lvl9pPr indent="-304800" lvl="8" marL="4114800">
+            <a:lvl9pPr marL="4114800" lvl="8" indent="-304800">
               <a:spcBef>
                 <a:spcPts val="1600"/>
               </a:spcBef>
@@ -3074,15 +3178,19 @@
               <a:defRPr sz="1200"/>
             </a:lvl9pPr>
           </a:lstStyle>
-          <a:p/>
+          <a:p>
+            <a:endParaRPr/>
+          </a:p>
         </p:txBody>
       </p:sp>
       <p:sp>
         <p:nvSpPr>
           <p:cNvPr id="23" name="Google Shape;23;p5"/>
-          <p:cNvSpPr txBox="1"/>
+          <p:cNvSpPr txBox="1">
+            <a:spLocks noGrp="1"/>
+          </p:cNvSpPr>
           <p:nvPr>
-            <p:ph idx="2" type="body"/>
+            <p:ph type="body" idx="2"/>
           </p:nvPr>
         </p:nvSpPr>
         <p:spPr>
@@ -3095,11 +3203,11 @@
           </a:prstGeom>
         </p:spPr>
         <p:txBody>
-          <a:bodyPr anchorCtr="0" anchor="t" bIns="91425" lIns="91425" spcFirstLastPara="1" rIns="91425" wrap="square" tIns="91425">
+          <a:bodyPr spcFirstLastPara="1" wrap="square" lIns="91425" tIns="91425" rIns="91425" bIns="91425" anchor="t" anchorCtr="0">
             <a:noAutofit/>
           </a:bodyPr>
           <a:lstStyle>
-            <a:lvl1pPr indent="-317500" lvl="0" marL="457200">
+            <a:lvl1pPr marL="457200" lvl="0" indent="-317500">
               <a:spcBef>
                 <a:spcPts val="0"/>
               </a:spcBef>
@@ -3110,7 +3218,7 @@
               <a:buChar char="●"/>
               <a:defRPr sz="1400"/>
             </a:lvl1pPr>
-            <a:lvl2pPr indent="-304800" lvl="1" marL="914400">
+            <a:lvl2pPr marL="914400" lvl="1" indent="-304800">
               <a:spcBef>
                 <a:spcPts val="1600"/>
               </a:spcBef>
@@ -3121,7 +3229,7 @@
               <a:buChar char="○"/>
               <a:defRPr sz="1200"/>
             </a:lvl2pPr>
-            <a:lvl3pPr indent="-304800" lvl="2" marL="1371600">
+            <a:lvl3pPr marL="1371600" lvl="2" indent="-304800">
               <a:spcBef>
                 <a:spcPts val="1600"/>
               </a:spcBef>
@@ -3132,7 +3240,7 @@
               <a:buChar char="■"/>
               <a:defRPr sz="1200"/>
             </a:lvl3pPr>
-            <a:lvl4pPr indent="-304800" lvl="3" marL="1828800">
+            <a:lvl4pPr marL="1828800" lvl="3" indent="-304800">
               <a:spcBef>
                 <a:spcPts val="1600"/>
               </a:spcBef>
@@ -3143,7 +3251,7 @@
               <a:buChar char="●"/>
               <a:defRPr sz="1200"/>
             </a:lvl4pPr>
-            <a:lvl5pPr indent="-304800" lvl="4" marL="2286000">
+            <a:lvl5pPr marL="2286000" lvl="4" indent="-304800">
               <a:spcBef>
                 <a:spcPts val="1600"/>
               </a:spcBef>
@@ -3154,7 +3262,7 @@
               <a:buChar char="○"/>
               <a:defRPr sz="1200"/>
             </a:lvl5pPr>
-            <a:lvl6pPr indent="-304800" lvl="5" marL="2743200">
+            <a:lvl6pPr marL="2743200" lvl="5" indent="-304800">
               <a:spcBef>
                 <a:spcPts val="1600"/>
               </a:spcBef>
@@ -3165,7 +3273,7 @@
               <a:buChar char="■"/>
               <a:defRPr sz="1200"/>
             </a:lvl6pPr>
-            <a:lvl7pPr indent="-304800" lvl="6" marL="3200400">
+            <a:lvl7pPr marL="3200400" lvl="6" indent="-304800">
               <a:spcBef>
                 <a:spcPts val="1600"/>
               </a:spcBef>
@@ -3176,7 +3284,7 @@
               <a:buChar char="●"/>
               <a:defRPr sz="1200"/>
             </a:lvl7pPr>
-            <a:lvl8pPr indent="-304800" lvl="7" marL="3657600">
+            <a:lvl8pPr marL="3657600" lvl="7" indent="-304800">
               <a:spcBef>
                 <a:spcPts val="1600"/>
               </a:spcBef>
@@ -3187,7 +3295,7 @@
               <a:buChar char="○"/>
               <a:defRPr sz="1200"/>
             </a:lvl8pPr>
-            <a:lvl9pPr indent="-304800" lvl="8" marL="4114800">
+            <a:lvl9pPr marL="4114800" lvl="8" indent="-304800">
               <a:spcBef>
                 <a:spcPts val="1600"/>
               </a:spcBef>
@@ -3199,15 +3307,19 @@
               <a:defRPr sz="1200"/>
             </a:lvl9pPr>
           </a:lstStyle>
-          <a:p/>
+          <a:p>
+            <a:endParaRPr/>
+          </a:p>
         </p:txBody>
       </p:sp>
       <p:sp>
         <p:nvSpPr>
           <p:cNvPr id="24" name="Google Shape;24;p5"/>
-          <p:cNvSpPr txBox="1"/>
+          <p:cNvSpPr txBox="1">
+            <a:spLocks noGrp="1"/>
+          </p:cNvSpPr>
           <p:nvPr>
-            <p:ph idx="12" type="sldNum"/>
+            <p:ph type="sldNum" idx="12"/>
           </p:nvPr>
         </p:nvSpPr>
         <p:spPr>
@@ -3220,7 +3332,7 @@
           </a:prstGeom>
         </p:spPr>
         <p:txBody>
-          <a:bodyPr anchorCtr="0" anchor="ctr" bIns="91425" lIns="91425" spcFirstLastPara="1" rIns="91425" wrap="square" tIns="91425">
+          <a:bodyPr spcFirstLastPara="1" wrap="square" lIns="91425" tIns="91425" rIns="91425" bIns="91425" anchor="ctr" anchorCtr="0">
             <a:noAutofit/>
           </a:bodyPr>
           <a:lstStyle>
@@ -3262,7 +3374,7 @@
             </a:lvl9pPr>
           </a:lstStyle>
           <a:p>
-            <a:pPr indent="0" lvl="0" marL="0" rtl="0" algn="r">
+            <a:pPr marL="0" lvl="0" indent="0" algn="r" rtl="0">
               <a:spcBef>
                 <a:spcPts val="0"/>
               </a:spcBef>
@@ -3288,11 +3400,11 @@
 </file>
 
 <file path=ppt/slideLayouts/slideLayout5.xml><?xml version="1.0" encoding="utf-8"?>
-<p:sldLayout xmlns:a="http://schemas.openxmlformats.org/drawingml/2006/main" xmlns:r="http://schemas.openxmlformats.org/officeDocument/2006/relationships" xmlns:mc="http://schemas.openxmlformats.org/markup-compatibility/2006" xmlns:mv="urn:schemas-microsoft-com:mac:vml" xmlns:p="http://schemas.openxmlformats.org/presentationml/2006/main" xmlns:c="http://schemas.openxmlformats.org/drawingml/2006/chart" xmlns:dgm="http://schemas.openxmlformats.org/drawingml/2006/diagram" xmlns:o="urn:schemas-microsoft-com:office:office" xmlns:v="urn:schemas-microsoft-com:vml" xmlns:pvml="urn:schemas-microsoft-com:office:powerpoint" xmlns:com="http://schemas.openxmlformats.org/drawingml/2006/compatibility" xmlns:p14="http://schemas.microsoft.com/office/powerpoint/2010/main" xmlns:p15="http://schemas.microsoft.com/office/powerpoint/2012/main" xmlns:ahyp="http://schemas.microsoft.com/office/drawing/2018/hyperlinkcolor" matchingName="Title only" type="titleOnly">
+<p:sldLayout xmlns:a="http://schemas.openxmlformats.org/drawingml/2006/main" xmlns:r="http://schemas.openxmlformats.org/officeDocument/2006/relationships" xmlns:p="http://schemas.openxmlformats.org/presentationml/2006/main" matchingName="Title only" type="titleOnly">
   <p:cSld name="TITLE_ONLY">
     <p:spTree>
       <p:nvGrpSpPr>
-        <p:cNvPr id="25" name="Shape 25"/>
+        <p:cNvPr id="1" name="Shape 25"/>
         <p:cNvGrpSpPr/>
         <p:nvPr/>
       </p:nvGrpSpPr>
@@ -3307,7 +3419,9 @@
       <p:sp>
         <p:nvSpPr>
           <p:cNvPr id="26" name="Google Shape;26;p6"/>
-          <p:cNvSpPr txBox="1"/>
+          <p:cNvSpPr txBox="1">
+            <a:spLocks noGrp="1"/>
+          </p:cNvSpPr>
           <p:nvPr>
             <p:ph type="title"/>
           </p:nvPr>
@@ -3322,7 +3436,7 @@
           </a:prstGeom>
         </p:spPr>
         <p:txBody>
-          <a:bodyPr anchorCtr="0" anchor="t" bIns="91425" lIns="91425" spcFirstLastPara="1" rIns="91425" wrap="square" tIns="91425">
+          <a:bodyPr spcFirstLastPara="1" wrap="square" lIns="91425" tIns="91425" rIns="91425" bIns="91425" anchor="t" anchorCtr="0">
             <a:noAutofit/>
           </a:bodyPr>
           <a:lstStyle>
@@ -3426,15 +3540,19 @@
               <a:defRPr/>
             </a:lvl9pPr>
           </a:lstStyle>
-          <a:p/>
+          <a:p>
+            <a:endParaRPr/>
+          </a:p>
         </p:txBody>
       </p:sp>
       <p:sp>
         <p:nvSpPr>
           <p:cNvPr id="27" name="Google Shape;27;p6"/>
-          <p:cNvSpPr txBox="1"/>
+          <p:cNvSpPr txBox="1">
+            <a:spLocks noGrp="1"/>
+          </p:cNvSpPr>
           <p:nvPr>
-            <p:ph idx="12" type="sldNum"/>
+            <p:ph type="sldNum" idx="12"/>
           </p:nvPr>
         </p:nvSpPr>
         <p:spPr>
@@ -3447,7 +3565,7 @@
           </a:prstGeom>
         </p:spPr>
         <p:txBody>
-          <a:bodyPr anchorCtr="0" anchor="ctr" bIns="91425" lIns="91425" spcFirstLastPara="1" rIns="91425" wrap="square" tIns="91425">
+          <a:bodyPr spcFirstLastPara="1" wrap="square" lIns="91425" tIns="91425" rIns="91425" bIns="91425" anchor="ctr" anchorCtr="0">
             <a:noAutofit/>
           </a:bodyPr>
           <a:lstStyle>
@@ -3489,7 +3607,7 @@
             </a:lvl9pPr>
           </a:lstStyle>
           <a:p>
-            <a:pPr indent="0" lvl="0" marL="0" rtl="0" algn="r">
+            <a:pPr marL="0" lvl="0" indent="0" algn="r" rtl="0">
               <a:spcBef>
                 <a:spcPts val="0"/>
               </a:spcBef>
@@ -3515,11 +3633,11 @@
 </file>
 
 <file path=ppt/slideLayouts/slideLayout6.xml><?xml version="1.0" encoding="utf-8"?>
-<p:sldLayout xmlns:a="http://schemas.openxmlformats.org/drawingml/2006/main" xmlns:r="http://schemas.openxmlformats.org/officeDocument/2006/relationships" xmlns:mc="http://schemas.openxmlformats.org/markup-compatibility/2006" xmlns:mv="urn:schemas-microsoft-com:mac:vml" xmlns:p="http://schemas.openxmlformats.org/presentationml/2006/main" xmlns:c="http://schemas.openxmlformats.org/drawingml/2006/chart" xmlns:dgm="http://schemas.openxmlformats.org/drawingml/2006/diagram" xmlns:o="urn:schemas-microsoft-com:office:office" xmlns:v="urn:schemas-microsoft-com:vml" xmlns:pvml="urn:schemas-microsoft-com:office:powerpoint" xmlns:com="http://schemas.openxmlformats.org/drawingml/2006/compatibility" xmlns:p14="http://schemas.microsoft.com/office/powerpoint/2010/main" xmlns:p15="http://schemas.microsoft.com/office/powerpoint/2012/main" xmlns:ahyp="http://schemas.microsoft.com/office/drawing/2018/hyperlinkcolor" matchingName="One column text">
+<p:sldLayout xmlns:a="http://schemas.openxmlformats.org/drawingml/2006/main" xmlns:r="http://schemas.openxmlformats.org/officeDocument/2006/relationships" xmlns:p="http://schemas.openxmlformats.org/presentationml/2006/main" matchingName="One column text">
   <p:cSld name="ONE_COLUMN_TEXT">
     <p:spTree>
       <p:nvGrpSpPr>
-        <p:cNvPr id="28" name="Shape 28"/>
+        <p:cNvPr id="1" name="Shape 28"/>
         <p:cNvGrpSpPr/>
         <p:nvPr/>
       </p:nvGrpSpPr>
@@ -3534,7 +3652,9 @@
       <p:sp>
         <p:nvSpPr>
           <p:cNvPr id="29" name="Google Shape;29;p7"/>
-          <p:cNvSpPr txBox="1"/>
+          <p:cNvSpPr txBox="1">
+            <a:spLocks noGrp="1"/>
+          </p:cNvSpPr>
           <p:nvPr>
             <p:ph type="title"/>
           </p:nvPr>
@@ -3549,7 +3669,7 @@
           </a:prstGeom>
         </p:spPr>
         <p:txBody>
-          <a:bodyPr anchorCtr="0" anchor="b" bIns="91425" lIns="91425" spcFirstLastPara="1" rIns="91425" wrap="square" tIns="91425">
+          <a:bodyPr spcFirstLastPara="1" wrap="square" lIns="91425" tIns="91425" rIns="91425" bIns="91425" anchor="b" anchorCtr="0">
             <a:noAutofit/>
           </a:bodyPr>
           <a:lstStyle>
@@ -3653,15 +3773,19 @@
               <a:defRPr sz="2400"/>
             </a:lvl9pPr>
           </a:lstStyle>
-          <a:p/>
+          <a:p>
+            <a:endParaRPr/>
+          </a:p>
         </p:txBody>
       </p:sp>
       <p:sp>
         <p:nvSpPr>
           <p:cNvPr id="30" name="Google Shape;30;p7"/>
-          <p:cNvSpPr txBox="1"/>
+          <p:cNvSpPr txBox="1">
+            <a:spLocks noGrp="1"/>
+          </p:cNvSpPr>
           <p:nvPr>
-            <p:ph idx="1" type="body"/>
+            <p:ph type="body" idx="1"/>
           </p:nvPr>
         </p:nvSpPr>
         <p:spPr>
@@ -3674,11 +3798,11 @@
           </a:prstGeom>
         </p:spPr>
         <p:txBody>
-          <a:bodyPr anchorCtr="0" anchor="t" bIns="91425" lIns="91425" spcFirstLastPara="1" rIns="91425" wrap="square" tIns="91425">
+          <a:bodyPr spcFirstLastPara="1" wrap="square" lIns="91425" tIns="91425" rIns="91425" bIns="91425" anchor="t" anchorCtr="0">
             <a:noAutofit/>
           </a:bodyPr>
           <a:lstStyle>
-            <a:lvl1pPr indent="-304800" lvl="0" marL="457200">
+            <a:lvl1pPr marL="457200" lvl="0" indent="-304800">
               <a:spcBef>
                 <a:spcPts val="0"/>
               </a:spcBef>
@@ -3689,7 +3813,7 @@
               <a:buChar char="●"/>
               <a:defRPr sz="1200"/>
             </a:lvl1pPr>
-            <a:lvl2pPr indent="-304800" lvl="1" marL="914400">
+            <a:lvl2pPr marL="914400" lvl="1" indent="-304800">
               <a:spcBef>
                 <a:spcPts val="1600"/>
               </a:spcBef>
@@ -3700,7 +3824,7 @@
               <a:buChar char="○"/>
               <a:defRPr sz="1200"/>
             </a:lvl2pPr>
-            <a:lvl3pPr indent="-304800" lvl="2" marL="1371600">
+            <a:lvl3pPr marL="1371600" lvl="2" indent="-304800">
               <a:spcBef>
                 <a:spcPts val="1600"/>
               </a:spcBef>
@@ -3711,7 +3835,7 @@
               <a:buChar char="■"/>
               <a:defRPr sz="1200"/>
             </a:lvl3pPr>
-            <a:lvl4pPr indent="-304800" lvl="3" marL="1828800">
+            <a:lvl4pPr marL="1828800" lvl="3" indent="-304800">
               <a:spcBef>
                 <a:spcPts val="1600"/>
               </a:spcBef>
@@ -3722,7 +3846,7 @@
               <a:buChar char="●"/>
               <a:defRPr sz="1200"/>
             </a:lvl4pPr>
-            <a:lvl5pPr indent="-304800" lvl="4" marL="2286000">
+            <a:lvl5pPr marL="2286000" lvl="4" indent="-304800">
               <a:spcBef>
                 <a:spcPts val="1600"/>
               </a:spcBef>
@@ -3733,7 +3857,7 @@
               <a:buChar char="○"/>
               <a:defRPr sz="1200"/>
             </a:lvl5pPr>
-            <a:lvl6pPr indent="-304800" lvl="5" marL="2743200">
+            <a:lvl6pPr marL="2743200" lvl="5" indent="-304800">
               <a:spcBef>
                 <a:spcPts val="1600"/>
               </a:spcBef>
@@ -3744,7 +3868,7 @@
               <a:buChar char="■"/>
               <a:defRPr sz="1200"/>
             </a:lvl6pPr>
-            <a:lvl7pPr indent="-304800" lvl="6" marL="3200400">
+            <a:lvl7pPr marL="3200400" lvl="6" indent="-304800">
               <a:spcBef>
                 <a:spcPts val="1600"/>
               </a:spcBef>
@@ -3755,7 +3879,7 @@
               <a:buChar char="●"/>
               <a:defRPr sz="1200"/>
             </a:lvl7pPr>
-            <a:lvl8pPr indent="-304800" lvl="7" marL="3657600">
+            <a:lvl8pPr marL="3657600" lvl="7" indent="-304800">
               <a:spcBef>
                 <a:spcPts val="1600"/>
               </a:spcBef>
@@ -3766,7 +3890,7 @@
               <a:buChar char="○"/>
               <a:defRPr sz="1200"/>
             </a:lvl8pPr>
-            <a:lvl9pPr indent="-304800" lvl="8" marL="4114800">
+            <a:lvl9pPr marL="4114800" lvl="8" indent="-304800">
               <a:spcBef>
                 <a:spcPts val="1600"/>
               </a:spcBef>
@@ -3778,15 +3902,19 @@
               <a:defRPr sz="1200"/>
             </a:lvl9pPr>
           </a:lstStyle>
-          <a:p/>
+          <a:p>
+            <a:endParaRPr/>
+          </a:p>
         </p:txBody>
       </p:sp>
       <p:sp>
         <p:nvSpPr>
           <p:cNvPr id="31" name="Google Shape;31;p7"/>
-          <p:cNvSpPr txBox="1"/>
+          <p:cNvSpPr txBox="1">
+            <a:spLocks noGrp="1"/>
+          </p:cNvSpPr>
           <p:nvPr>
-            <p:ph idx="12" type="sldNum"/>
+            <p:ph type="sldNum" idx="12"/>
           </p:nvPr>
         </p:nvSpPr>
         <p:spPr>
@@ -3799,7 +3927,7 @@
           </a:prstGeom>
         </p:spPr>
         <p:txBody>
-          <a:bodyPr anchorCtr="0" anchor="ctr" bIns="91425" lIns="91425" spcFirstLastPara="1" rIns="91425" wrap="square" tIns="91425">
+          <a:bodyPr spcFirstLastPara="1" wrap="square" lIns="91425" tIns="91425" rIns="91425" bIns="91425" anchor="ctr" anchorCtr="0">
             <a:noAutofit/>
           </a:bodyPr>
           <a:lstStyle>
@@ -3841,7 +3969,7 @@
             </a:lvl9pPr>
           </a:lstStyle>
           <a:p>
-            <a:pPr indent="0" lvl="0" marL="0" rtl="0" algn="r">
+            <a:pPr marL="0" lvl="0" indent="0" algn="r" rtl="0">
               <a:spcBef>
                 <a:spcPts val="0"/>
               </a:spcBef>
@@ -3867,11 +3995,11 @@
 </file>
 
 <file path=ppt/slideLayouts/slideLayout7.xml><?xml version="1.0" encoding="utf-8"?>
-<p:sldLayout xmlns:a="http://schemas.openxmlformats.org/drawingml/2006/main" xmlns:r="http://schemas.openxmlformats.org/officeDocument/2006/relationships" xmlns:mc="http://schemas.openxmlformats.org/markup-compatibility/2006" xmlns:mv="urn:schemas-microsoft-com:mac:vml" xmlns:p="http://schemas.openxmlformats.org/presentationml/2006/main" xmlns:c="http://schemas.openxmlformats.org/drawingml/2006/chart" xmlns:dgm="http://schemas.openxmlformats.org/drawingml/2006/diagram" xmlns:o="urn:schemas-microsoft-com:office:office" xmlns:v="urn:schemas-microsoft-com:vml" xmlns:pvml="urn:schemas-microsoft-com:office:powerpoint" xmlns:com="http://schemas.openxmlformats.org/drawingml/2006/compatibility" xmlns:p14="http://schemas.microsoft.com/office/powerpoint/2010/main" xmlns:p15="http://schemas.microsoft.com/office/powerpoint/2012/main" xmlns:ahyp="http://schemas.microsoft.com/office/drawing/2018/hyperlinkcolor" matchingName="Main point">
+<p:sldLayout xmlns:a="http://schemas.openxmlformats.org/drawingml/2006/main" xmlns:r="http://schemas.openxmlformats.org/officeDocument/2006/relationships" xmlns:p="http://schemas.openxmlformats.org/presentationml/2006/main" matchingName="Main point">
   <p:cSld name="MAIN_POINT">
     <p:spTree>
       <p:nvGrpSpPr>
-        <p:cNvPr id="32" name="Shape 32"/>
+        <p:cNvPr id="1" name="Shape 32"/>
         <p:cNvGrpSpPr/>
         <p:nvPr/>
       </p:nvGrpSpPr>
@@ -3886,7 +4014,9 @@
       <p:sp>
         <p:nvSpPr>
           <p:cNvPr id="33" name="Google Shape;33;p8"/>
-          <p:cNvSpPr txBox="1"/>
+          <p:cNvSpPr txBox="1">
+            <a:spLocks noGrp="1"/>
+          </p:cNvSpPr>
           <p:nvPr>
             <p:ph type="title"/>
           </p:nvPr>
@@ -3901,7 +4031,7 @@
           </a:prstGeom>
         </p:spPr>
         <p:txBody>
-          <a:bodyPr anchorCtr="0" anchor="ctr" bIns="91425" lIns="91425" spcFirstLastPara="1" rIns="91425" wrap="square" tIns="91425">
+          <a:bodyPr spcFirstLastPara="1" wrap="square" lIns="91425" tIns="91425" rIns="91425" bIns="91425" anchor="ctr" anchorCtr="0">
             <a:noAutofit/>
           </a:bodyPr>
           <a:lstStyle>
@@ -4005,15 +4135,19 @@
               <a:defRPr sz="4800"/>
             </a:lvl9pPr>
           </a:lstStyle>
-          <a:p/>
+          <a:p>
+            <a:endParaRPr/>
+          </a:p>
         </p:txBody>
       </p:sp>
       <p:sp>
         <p:nvSpPr>
           <p:cNvPr id="34" name="Google Shape;34;p8"/>
-          <p:cNvSpPr txBox="1"/>
+          <p:cNvSpPr txBox="1">
+            <a:spLocks noGrp="1"/>
+          </p:cNvSpPr>
           <p:nvPr>
-            <p:ph idx="12" type="sldNum"/>
+            <p:ph type="sldNum" idx="12"/>
           </p:nvPr>
         </p:nvSpPr>
         <p:spPr>
@@ -4026,7 +4160,7 @@
           </a:prstGeom>
         </p:spPr>
         <p:txBody>
-          <a:bodyPr anchorCtr="0" anchor="ctr" bIns="91425" lIns="91425" spcFirstLastPara="1" rIns="91425" wrap="square" tIns="91425">
+          <a:bodyPr spcFirstLastPara="1" wrap="square" lIns="91425" tIns="91425" rIns="91425" bIns="91425" anchor="ctr" anchorCtr="0">
             <a:noAutofit/>
           </a:bodyPr>
           <a:lstStyle>
@@ -4068,7 +4202,7 @@
             </a:lvl9pPr>
           </a:lstStyle>
           <a:p>
-            <a:pPr indent="0" lvl="0" marL="0" rtl="0" algn="r">
+            <a:pPr marL="0" lvl="0" indent="0" algn="r" rtl="0">
               <a:spcBef>
                 <a:spcPts val="0"/>
               </a:spcBef>
@@ -4094,11 +4228,11 @@
 </file>
 
 <file path=ppt/slideLayouts/slideLayout8.xml><?xml version="1.0" encoding="utf-8"?>
-<p:sldLayout xmlns:a="http://schemas.openxmlformats.org/drawingml/2006/main" xmlns:r="http://schemas.openxmlformats.org/officeDocument/2006/relationships" xmlns:mc="http://schemas.openxmlformats.org/markup-compatibility/2006" xmlns:mv="urn:schemas-microsoft-com:mac:vml" xmlns:p="http://schemas.openxmlformats.org/presentationml/2006/main" xmlns:c="http://schemas.openxmlformats.org/drawingml/2006/chart" xmlns:dgm="http://schemas.openxmlformats.org/drawingml/2006/diagram" xmlns:o="urn:schemas-microsoft-com:office:office" xmlns:v="urn:schemas-microsoft-com:vml" xmlns:pvml="urn:schemas-microsoft-com:office:powerpoint" xmlns:com="http://schemas.openxmlformats.org/drawingml/2006/compatibility" xmlns:p14="http://schemas.microsoft.com/office/powerpoint/2010/main" xmlns:p15="http://schemas.microsoft.com/office/powerpoint/2012/main" xmlns:ahyp="http://schemas.microsoft.com/office/drawing/2018/hyperlinkcolor" matchingName="Section title and description">
+<p:sldLayout xmlns:a="http://schemas.openxmlformats.org/drawingml/2006/main" xmlns:r="http://schemas.openxmlformats.org/officeDocument/2006/relationships" xmlns:p="http://schemas.openxmlformats.org/presentationml/2006/main" matchingName="Section title and description">
   <p:cSld name="SECTION_TITLE_AND_DESCRIPTION">
     <p:spTree>
       <p:nvGrpSpPr>
-        <p:cNvPr id="35" name="Shape 35"/>
+        <p:cNvPr id="1" name="Shape 35"/>
         <p:cNvGrpSpPr/>
         <p:nvPr/>
       </p:nvGrpSpPr>
@@ -4132,12 +4266,12 @@
           </a:ln>
         </p:spPr>
         <p:txBody>
-          <a:bodyPr anchorCtr="0" anchor="ctr" bIns="91425" lIns="91425" spcFirstLastPara="1" rIns="91425" wrap="square" tIns="91425">
+          <a:bodyPr spcFirstLastPara="1" wrap="square" lIns="91425" tIns="91425" rIns="91425" bIns="91425" anchor="ctr" anchorCtr="0">
             <a:noAutofit/>
           </a:bodyPr>
           <a:lstStyle/>
           <a:p>
-            <a:pPr indent="0" lvl="0" marL="0" rtl="0" algn="l">
+            <a:pPr marL="0" lvl="0" indent="0" algn="l" rtl="0">
               <a:spcBef>
                 <a:spcPts val="0"/>
               </a:spcBef>
@@ -4146,9 +4280,6 @@
               </a:spcAft>
               <a:buNone/>
             </a:pPr>
-            <a:r>
-              <a:t/>
-            </a:r>
             <a:endParaRPr/>
           </a:p>
         </p:txBody>
@@ -4156,7 +4287,9 @@
       <p:sp>
         <p:nvSpPr>
           <p:cNvPr id="37" name="Google Shape;37;p9"/>
-          <p:cNvSpPr txBox="1"/>
+          <p:cNvSpPr txBox="1">
+            <a:spLocks noGrp="1"/>
+          </p:cNvSpPr>
           <p:nvPr>
             <p:ph type="title"/>
           </p:nvPr>
@@ -4171,7 +4304,7 @@
           </a:prstGeom>
         </p:spPr>
         <p:txBody>
-          <a:bodyPr anchorCtr="0" anchor="b" bIns="91425" lIns="91425" spcFirstLastPara="1" rIns="91425" wrap="square" tIns="91425">
+          <a:bodyPr spcFirstLastPara="1" wrap="square" lIns="91425" tIns="91425" rIns="91425" bIns="91425" anchor="b" anchorCtr="0">
             <a:noAutofit/>
           </a:bodyPr>
           <a:lstStyle>
@@ -4275,15 +4408,19 @@
               <a:defRPr sz="4200"/>
             </a:lvl9pPr>
           </a:lstStyle>
-          <a:p/>
+          <a:p>
+            <a:endParaRPr/>
+          </a:p>
         </p:txBody>
       </p:sp>
       <p:sp>
         <p:nvSpPr>
           <p:cNvPr id="38" name="Google Shape;38;p9"/>
-          <p:cNvSpPr txBox="1"/>
+          <p:cNvSpPr txBox="1">
+            <a:spLocks noGrp="1"/>
+          </p:cNvSpPr>
           <p:nvPr>
-            <p:ph idx="1" type="subTitle"/>
+            <p:ph type="subTitle" idx="1"/>
           </p:nvPr>
         </p:nvSpPr>
         <p:spPr>
@@ -4296,7 +4433,7 @@
           </a:prstGeom>
         </p:spPr>
         <p:txBody>
-          <a:bodyPr anchorCtr="0" anchor="t" bIns="91425" lIns="91425" spcFirstLastPara="1" rIns="91425" wrap="square" tIns="91425">
+          <a:bodyPr spcFirstLastPara="1" wrap="square" lIns="91425" tIns="91425" rIns="91425" bIns="91425" anchor="t" anchorCtr="0">
             <a:noAutofit/>
           </a:bodyPr>
           <a:lstStyle>
@@ -4427,15 +4564,19 @@
               <a:defRPr sz="2100"/>
             </a:lvl9pPr>
           </a:lstStyle>
-          <a:p/>
+          <a:p>
+            <a:endParaRPr/>
+          </a:p>
         </p:txBody>
       </p:sp>
       <p:sp>
         <p:nvSpPr>
           <p:cNvPr id="39" name="Google Shape;39;p9"/>
-          <p:cNvSpPr txBox="1"/>
+          <p:cNvSpPr txBox="1">
+            <a:spLocks noGrp="1"/>
+          </p:cNvSpPr>
           <p:nvPr>
-            <p:ph idx="2" type="body"/>
+            <p:ph type="body" idx="2"/>
           </p:nvPr>
         </p:nvSpPr>
         <p:spPr>
@@ -4448,11 +4589,11 @@
           </a:prstGeom>
         </p:spPr>
         <p:txBody>
-          <a:bodyPr anchorCtr="0" anchor="ctr" bIns="91425" lIns="91425" spcFirstLastPara="1" rIns="91425" wrap="square" tIns="91425">
+          <a:bodyPr spcFirstLastPara="1" wrap="square" lIns="91425" tIns="91425" rIns="91425" bIns="91425" anchor="ctr" anchorCtr="0">
             <a:noAutofit/>
           </a:bodyPr>
           <a:lstStyle>
-            <a:lvl1pPr indent="-342900" lvl="0" marL="457200">
+            <a:lvl1pPr marL="457200" lvl="0" indent="-342900">
               <a:spcBef>
                 <a:spcPts val="0"/>
               </a:spcBef>
@@ -4463,7 +4604,7 @@
               <a:buChar char="●"/>
               <a:defRPr/>
             </a:lvl1pPr>
-            <a:lvl2pPr indent="-317500" lvl="1" marL="914400">
+            <a:lvl2pPr marL="914400" lvl="1" indent="-317500">
               <a:spcBef>
                 <a:spcPts val="1600"/>
               </a:spcBef>
@@ -4474,7 +4615,7 @@
               <a:buChar char="○"/>
               <a:defRPr/>
             </a:lvl2pPr>
-            <a:lvl3pPr indent="-317500" lvl="2" marL="1371600">
+            <a:lvl3pPr marL="1371600" lvl="2" indent="-317500">
               <a:spcBef>
                 <a:spcPts val="1600"/>
               </a:spcBef>
@@ -4485,7 +4626,7 @@
               <a:buChar char="■"/>
               <a:defRPr/>
             </a:lvl3pPr>
-            <a:lvl4pPr indent="-317500" lvl="3" marL="1828800">
+            <a:lvl4pPr marL="1828800" lvl="3" indent="-317500">
               <a:spcBef>
                 <a:spcPts val="1600"/>
               </a:spcBef>
@@ -4496,7 +4637,7 @@
               <a:buChar char="●"/>
               <a:defRPr/>
             </a:lvl4pPr>
-            <a:lvl5pPr indent="-317500" lvl="4" marL="2286000">
+            <a:lvl5pPr marL="2286000" lvl="4" indent="-317500">
               <a:spcBef>
                 <a:spcPts val="1600"/>
               </a:spcBef>
@@ -4507,7 +4648,7 @@
               <a:buChar char="○"/>
               <a:defRPr/>
             </a:lvl5pPr>
-            <a:lvl6pPr indent="-317500" lvl="5" marL="2743200">
+            <a:lvl6pPr marL="2743200" lvl="5" indent="-317500">
               <a:spcBef>
                 <a:spcPts val="1600"/>
               </a:spcBef>
@@ -4518,7 +4659,7 @@
               <a:buChar char="■"/>
               <a:defRPr/>
             </a:lvl6pPr>
-            <a:lvl7pPr indent="-317500" lvl="6" marL="3200400">
+            <a:lvl7pPr marL="3200400" lvl="6" indent="-317500">
               <a:spcBef>
                 <a:spcPts val="1600"/>
               </a:spcBef>
@@ -4529,7 +4670,7 @@
               <a:buChar char="●"/>
               <a:defRPr/>
             </a:lvl7pPr>
-            <a:lvl8pPr indent="-317500" lvl="7" marL="3657600">
+            <a:lvl8pPr marL="3657600" lvl="7" indent="-317500">
               <a:spcBef>
                 <a:spcPts val="1600"/>
               </a:spcBef>
@@ -4540,7 +4681,7 @@
               <a:buChar char="○"/>
               <a:defRPr/>
             </a:lvl8pPr>
-            <a:lvl9pPr indent="-317500" lvl="8" marL="4114800">
+            <a:lvl9pPr marL="4114800" lvl="8" indent="-317500">
               <a:spcBef>
                 <a:spcPts val="1600"/>
               </a:spcBef>
@@ -4552,15 +4693,19 @@
               <a:defRPr/>
             </a:lvl9pPr>
           </a:lstStyle>
-          <a:p/>
+          <a:p>
+            <a:endParaRPr/>
+          </a:p>
         </p:txBody>
       </p:sp>
       <p:sp>
         <p:nvSpPr>
           <p:cNvPr id="40" name="Google Shape;40;p9"/>
-          <p:cNvSpPr txBox="1"/>
+          <p:cNvSpPr txBox="1">
+            <a:spLocks noGrp="1"/>
+          </p:cNvSpPr>
           <p:nvPr>
-            <p:ph idx="12" type="sldNum"/>
+            <p:ph type="sldNum" idx="12"/>
           </p:nvPr>
         </p:nvSpPr>
         <p:spPr>
@@ -4573,7 +4718,7 @@
           </a:prstGeom>
         </p:spPr>
         <p:txBody>
-          <a:bodyPr anchorCtr="0" anchor="ctr" bIns="91425" lIns="91425" spcFirstLastPara="1" rIns="91425" wrap="square" tIns="91425">
+          <a:bodyPr spcFirstLastPara="1" wrap="square" lIns="91425" tIns="91425" rIns="91425" bIns="91425" anchor="ctr" anchorCtr="0">
             <a:noAutofit/>
           </a:bodyPr>
           <a:lstStyle>
@@ -4615,7 +4760,7 @@
             </a:lvl9pPr>
           </a:lstStyle>
           <a:p>
-            <a:pPr indent="0" lvl="0" marL="0" rtl="0" algn="r">
+            <a:pPr marL="0" lvl="0" indent="0" algn="r" rtl="0">
               <a:spcBef>
                 <a:spcPts val="0"/>
               </a:spcBef>
@@ -4641,11 +4786,11 @@
 </file>
 
 <file path=ppt/slideLayouts/slideLayout9.xml><?xml version="1.0" encoding="utf-8"?>
-<p:sldLayout xmlns:a="http://schemas.openxmlformats.org/drawingml/2006/main" xmlns:r="http://schemas.openxmlformats.org/officeDocument/2006/relationships" xmlns:mc="http://schemas.openxmlformats.org/markup-compatibility/2006" xmlns:mv="urn:schemas-microsoft-com:mac:vml" xmlns:p="http://schemas.openxmlformats.org/presentationml/2006/main" xmlns:c="http://schemas.openxmlformats.org/drawingml/2006/chart" xmlns:dgm="http://schemas.openxmlformats.org/drawingml/2006/diagram" xmlns:o="urn:schemas-microsoft-com:office:office" xmlns:v="urn:schemas-microsoft-com:vml" xmlns:pvml="urn:schemas-microsoft-com:office:powerpoint" xmlns:com="http://schemas.openxmlformats.org/drawingml/2006/compatibility" xmlns:p14="http://schemas.microsoft.com/office/powerpoint/2010/main" xmlns:p15="http://schemas.microsoft.com/office/powerpoint/2012/main" xmlns:ahyp="http://schemas.microsoft.com/office/drawing/2018/hyperlinkcolor" matchingName="Caption">
+<p:sldLayout xmlns:a="http://schemas.openxmlformats.org/drawingml/2006/main" xmlns:r="http://schemas.openxmlformats.org/officeDocument/2006/relationships" xmlns:p="http://schemas.openxmlformats.org/presentationml/2006/main" matchingName="Caption">
   <p:cSld name="CAPTION_ONLY">
     <p:spTree>
       <p:nvGrpSpPr>
-        <p:cNvPr id="41" name="Shape 41"/>
+        <p:cNvPr id="1" name="Shape 41"/>
         <p:cNvGrpSpPr/>
         <p:nvPr/>
       </p:nvGrpSpPr>
@@ -4660,9 +4805,11 @@
       <p:sp>
         <p:nvSpPr>
           <p:cNvPr id="42" name="Google Shape;42;p10"/>
-          <p:cNvSpPr txBox="1"/>
+          <p:cNvSpPr txBox="1">
+            <a:spLocks noGrp="1"/>
+          </p:cNvSpPr>
           <p:nvPr>
-            <p:ph idx="1" type="body"/>
+            <p:ph type="body" idx="1"/>
           </p:nvPr>
         </p:nvSpPr>
         <p:spPr>
@@ -4675,11 +4822,11 @@
           </a:prstGeom>
         </p:spPr>
         <p:txBody>
-          <a:bodyPr anchorCtr="0" anchor="ctr" bIns="91425" lIns="91425" spcFirstLastPara="1" rIns="91425" wrap="square" tIns="91425">
+          <a:bodyPr spcFirstLastPara="1" wrap="square" lIns="91425" tIns="91425" rIns="91425" bIns="91425" anchor="ctr" anchorCtr="0">
             <a:noAutofit/>
           </a:bodyPr>
           <a:lstStyle>
-            <a:lvl1pPr indent="-228600" lvl="0" marL="457200">
+            <a:lvl1pPr marL="457200" lvl="0" indent="-228600">
               <a:lnSpc>
                 <a:spcPct val="100000"/>
               </a:lnSpc>
@@ -4694,15 +4841,19 @@
               <a:defRPr/>
             </a:lvl1pPr>
           </a:lstStyle>
-          <a:p/>
+          <a:p>
+            <a:endParaRPr/>
+          </a:p>
         </p:txBody>
       </p:sp>
       <p:sp>
         <p:nvSpPr>
           <p:cNvPr id="43" name="Google Shape;43;p10"/>
-          <p:cNvSpPr txBox="1"/>
+          <p:cNvSpPr txBox="1">
+            <a:spLocks noGrp="1"/>
+          </p:cNvSpPr>
           <p:nvPr>
-            <p:ph idx="12" type="sldNum"/>
+            <p:ph type="sldNum" idx="12"/>
           </p:nvPr>
         </p:nvSpPr>
         <p:spPr>
@@ -4715,7 +4866,7 @@
           </a:prstGeom>
         </p:spPr>
         <p:txBody>
-          <a:bodyPr anchorCtr="0" anchor="ctr" bIns="91425" lIns="91425" spcFirstLastPara="1" rIns="91425" wrap="square" tIns="91425">
+          <a:bodyPr spcFirstLastPara="1" wrap="square" lIns="91425" tIns="91425" rIns="91425" bIns="91425" anchor="ctr" anchorCtr="0">
             <a:noAutofit/>
           </a:bodyPr>
           <a:lstStyle>
@@ -4757,7 +4908,7 @@
             </a:lvl9pPr>
           </a:lstStyle>
           <a:p>
-            <a:pPr indent="0" lvl="0" marL="0" rtl="0" algn="r">
+            <a:pPr marL="0" lvl="0" indent="0" algn="r" rtl="0">
               <a:spcBef>
                 <a:spcPts val="0"/>
               </a:spcBef>
@@ -4783,18 +4934,19 @@
 </file>
 
 <file path=ppt/slideMasters/slideMaster1.xml><?xml version="1.0" encoding="utf-8"?>
-<p:sldMaster xmlns:a="http://schemas.openxmlformats.org/drawingml/2006/main" xmlns:r="http://schemas.openxmlformats.org/officeDocument/2006/relationships" xmlns:mc="http://schemas.openxmlformats.org/markup-compatibility/2006" xmlns:mv="urn:schemas-microsoft-com:mac:vml" xmlns:p="http://schemas.openxmlformats.org/presentationml/2006/main" xmlns:c="http://schemas.openxmlformats.org/drawingml/2006/chart" xmlns:dgm="http://schemas.openxmlformats.org/drawingml/2006/diagram" xmlns:o="urn:schemas-microsoft-com:office:office" xmlns:v="urn:schemas-microsoft-com:vml" xmlns:pvml="urn:schemas-microsoft-com:office:powerpoint" xmlns:com="http://schemas.openxmlformats.org/drawingml/2006/compatibility" xmlns:p14="http://schemas.microsoft.com/office/powerpoint/2010/main" xmlns:p15="http://schemas.microsoft.com/office/powerpoint/2012/main" xmlns:ahyp="http://schemas.microsoft.com/office/drawing/2018/hyperlinkcolor">
+<p:sldMaster xmlns:a="http://schemas.openxmlformats.org/drawingml/2006/main" xmlns:r="http://schemas.openxmlformats.org/officeDocument/2006/relationships" xmlns:p="http://schemas.openxmlformats.org/presentationml/2006/main">
   <p:cSld name="simple-light-2">
     <p:bg>
       <p:bgPr>
         <a:solidFill>
           <a:schemeClr val="lt1"/>
         </a:solidFill>
+        <a:effectLst/>
       </p:bgPr>
     </p:bg>
     <p:spTree>
       <p:nvGrpSpPr>
-        <p:cNvPr id="5" name="Shape 5"/>
+        <p:cNvPr id="1" name="Shape 5"/>
         <p:cNvGrpSpPr/>
         <p:nvPr/>
       </p:nvGrpSpPr>
@@ -4809,7 +4961,9 @@
       <p:sp>
         <p:nvSpPr>
           <p:cNvPr id="6" name="Google Shape;6;p1"/>
-          <p:cNvSpPr txBox="1"/>
+          <p:cNvSpPr txBox="1">
+            <a:spLocks noGrp="1"/>
+          </p:cNvSpPr>
           <p:nvPr>
             <p:ph type="title"/>
           </p:nvPr>
@@ -4828,7 +4982,7 @@
           </a:ln>
         </p:spPr>
         <p:txBody>
-          <a:bodyPr anchorCtr="0" anchor="t" bIns="91425" lIns="91425" spcFirstLastPara="1" rIns="91425" wrap="square" tIns="91425">
+          <a:bodyPr spcFirstLastPara="1" wrap="square" lIns="91425" tIns="91425" rIns="91425" bIns="91425" anchor="t" anchorCtr="0">
             <a:noAutofit/>
           </a:bodyPr>
           <a:lstStyle>
@@ -4995,15 +5149,19 @@
               </a:defRPr>
             </a:lvl9pPr>
           </a:lstStyle>
-          <a:p/>
+          <a:p>
+            <a:endParaRPr/>
+          </a:p>
         </p:txBody>
       </p:sp>
       <p:sp>
         <p:nvSpPr>
           <p:cNvPr id="7" name="Google Shape;7;p1"/>
-          <p:cNvSpPr txBox="1"/>
+          <p:cNvSpPr txBox="1">
+            <a:spLocks noGrp="1"/>
+          </p:cNvSpPr>
           <p:nvPr>
-            <p:ph idx="1" type="body"/>
+            <p:ph type="body" idx="1"/>
           </p:nvPr>
         </p:nvSpPr>
         <p:spPr>
@@ -5020,11 +5178,11 @@
           </a:ln>
         </p:spPr>
         <p:txBody>
-          <a:bodyPr anchorCtr="0" anchor="t" bIns="91425" lIns="91425" spcFirstLastPara="1" rIns="91425" wrap="square" tIns="91425">
+          <a:bodyPr spcFirstLastPara="1" wrap="square" lIns="91425" tIns="91425" rIns="91425" bIns="91425" anchor="t" anchorCtr="0">
             <a:noAutofit/>
           </a:bodyPr>
           <a:lstStyle>
-            <a:lvl1pPr indent="-342900" lvl="0" marL="457200">
+            <a:lvl1pPr marL="457200" lvl="0" indent="-342900">
               <a:lnSpc>
                 <a:spcPct val="115000"/>
               </a:lnSpc>
@@ -5045,7 +5203,7 @@
                 </a:solidFill>
               </a:defRPr>
             </a:lvl1pPr>
-            <a:lvl2pPr indent="-317500" lvl="1" marL="914400">
+            <a:lvl2pPr marL="914400" lvl="1" indent="-317500">
               <a:lnSpc>
                 <a:spcPct val="115000"/>
               </a:lnSpc>
@@ -5066,7 +5224,7 @@
                 </a:solidFill>
               </a:defRPr>
             </a:lvl2pPr>
-            <a:lvl3pPr indent="-317500" lvl="2" marL="1371600">
+            <a:lvl3pPr marL="1371600" lvl="2" indent="-317500">
               <a:lnSpc>
                 <a:spcPct val="115000"/>
               </a:lnSpc>
@@ -5087,7 +5245,7 @@
                 </a:solidFill>
               </a:defRPr>
             </a:lvl3pPr>
-            <a:lvl4pPr indent="-317500" lvl="3" marL="1828800">
+            <a:lvl4pPr marL="1828800" lvl="3" indent="-317500">
               <a:lnSpc>
                 <a:spcPct val="115000"/>
               </a:lnSpc>
@@ -5108,7 +5266,7 @@
                 </a:solidFill>
               </a:defRPr>
             </a:lvl4pPr>
-            <a:lvl5pPr indent="-317500" lvl="4" marL="2286000">
+            <a:lvl5pPr marL="2286000" lvl="4" indent="-317500">
               <a:lnSpc>
                 <a:spcPct val="115000"/>
               </a:lnSpc>
@@ -5129,7 +5287,7 @@
                 </a:solidFill>
               </a:defRPr>
             </a:lvl5pPr>
-            <a:lvl6pPr indent="-317500" lvl="5" marL="2743200">
+            <a:lvl6pPr marL="2743200" lvl="5" indent="-317500">
               <a:lnSpc>
                 <a:spcPct val="115000"/>
               </a:lnSpc>
@@ -5150,7 +5308,7 @@
                 </a:solidFill>
               </a:defRPr>
             </a:lvl6pPr>
-            <a:lvl7pPr indent="-317500" lvl="6" marL="3200400">
+            <a:lvl7pPr marL="3200400" lvl="6" indent="-317500">
               <a:lnSpc>
                 <a:spcPct val="115000"/>
               </a:lnSpc>
@@ -5171,7 +5329,7 @@
                 </a:solidFill>
               </a:defRPr>
             </a:lvl7pPr>
-            <a:lvl8pPr indent="-317500" lvl="7" marL="3657600">
+            <a:lvl8pPr marL="3657600" lvl="7" indent="-317500">
               <a:lnSpc>
                 <a:spcPct val="115000"/>
               </a:lnSpc>
@@ -5192,7 +5350,7 @@
                 </a:solidFill>
               </a:defRPr>
             </a:lvl8pPr>
-            <a:lvl9pPr indent="-317500" lvl="8" marL="4114800">
+            <a:lvl9pPr marL="4114800" lvl="8" indent="-317500">
               <a:lnSpc>
                 <a:spcPct val="115000"/>
               </a:lnSpc>
@@ -5214,15 +5372,19 @@
               </a:defRPr>
             </a:lvl9pPr>
           </a:lstStyle>
-          <a:p/>
+          <a:p>
+            <a:endParaRPr/>
+          </a:p>
         </p:txBody>
       </p:sp>
       <p:sp>
         <p:nvSpPr>
           <p:cNvPr id="8" name="Google Shape;8;p1"/>
-          <p:cNvSpPr txBox="1"/>
+          <p:cNvSpPr txBox="1">
+            <a:spLocks noGrp="1"/>
+          </p:cNvSpPr>
           <p:nvPr>
-            <p:ph idx="12" type="sldNum"/>
+            <p:ph type="sldNum" idx="12"/>
           </p:nvPr>
         </p:nvSpPr>
         <p:spPr>
@@ -5239,7 +5401,7 @@
           </a:ln>
         </p:spPr>
         <p:txBody>
-          <a:bodyPr anchorCtr="0" anchor="ctr" bIns="91425" lIns="91425" spcFirstLastPara="1" rIns="91425" wrap="square" tIns="91425">
+          <a:bodyPr spcFirstLastPara="1" wrap="square" lIns="91425" tIns="91425" rIns="91425" bIns="91425" anchor="ctr" anchorCtr="0">
             <a:noAutofit/>
           </a:bodyPr>
           <a:lstStyle>
@@ -5317,7 +5479,7 @@
             </a:lvl9pPr>
           </a:lstStyle>
           <a:p>
-            <a:pPr indent="0" lvl="0" marL="0" rtl="0" algn="r">
+            <a:pPr marL="0" lvl="0" indent="0" algn="r" rtl="0">
               <a:spcBef>
                 <a:spcPts val="0"/>
               </a:spcBef>
@@ -5336,7 +5498,7 @@
       </p:sp>
     </p:spTree>
   </p:cSld>
-  <p:clrMap accent1="accent1" accent2="accent2" accent3="accent3" accent4="accent4" accent5="accent5" accent6="accent6" bg1="lt1" bg2="dk2" tx1="dk1" tx2="lt2" folHlink="folHlink" hlink="hlink"/>
+  <p:clrMap bg1="lt1" tx1="dk1" bg2="dk2" tx2="lt2" accent1="accent1" accent2="accent2" accent3="accent3" accent4="accent4" accent5="accent5" accent6="accent6" hlink="hlink" folHlink="folHlink"/>
   <p:sldLayoutIdLst>
     <p:sldLayoutId id="2147483648" r:id="rId1"/>
     <p:sldLayoutId id="2147483649" r:id="rId2"/>
@@ -5350,10 +5512,10 @@
     <p:sldLayoutId id="2147483657" r:id="rId10"/>
     <p:sldLayoutId id="2147483658" r:id="rId11"/>
   </p:sldLayoutIdLst>
-  <p:hf dt="0" ftr="0" hdr="0" sldNum="0"/>
+  <p:hf sldNum="0" hdr="0" ftr="0" dt="0"/>
   <p:txStyles>
     <p:titleStyle>
-      <a:defPPr lvl="0" marR="0" rtl="0" algn="l">
+      <a:defPPr marR="0" lvl="0" algn="l" rtl="0">
         <a:lnSpc>
           <a:spcPct val="100000"/>
         </a:lnSpc>
@@ -5364,7 +5526,7 @@
           <a:spcPts val="0"/>
         </a:spcAft>
       </a:defPPr>
-      <a:lvl1pPr lvl="0" marR="0" rtl="0" algn="l">
+      <a:lvl1pPr marR="0" lvl="0" algn="l" rtl="0">
         <a:lnSpc>
           <a:spcPct val="100000"/>
         </a:lnSpc>
@@ -5378,7 +5540,7 @@
           <a:srgbClr val="000000"/>
         </a:buClr>
         <a:buFont typeface="Arial"/>
-        <a:defRPr b="0" i="0" sz="1400" u="none" cap="none" strike="noStrike">
+        <a:defRPr sz="1400" b="0" i="0" u="none" strike="noStrike" cap="none">
           <a:solidFill>
             <a:srgbClr val="000000"/>
           </a:solidFill>
@@ -5388,7 +5550,7 @@
           <a:sym typeface="Arial"/>
         </a:defRPr>
       </a:lvl1pPr>
-      <a:lvl2pPr lvl="1" marR="0" rtl="0" algn="l">
+      <a:lvl2pPr marR="0" lvl="1" algn="l" rtl="0">
         <a:lnSpc>
           <a:spcPct val="100000"/>
         </a:lnSpc>
@@ -5402,7 +5564,7 @@
           <a:srgbClr val="000000"/>
         </a:buClr>
         <a:buFont typeface="Arial"/>
-        <a:defRPr b="0" i="0" sz="1400" u="none" cap="none" strike="noStrike">
+        <a:defRPr sz="1400" b="0" i="0" u="none" strike="noStrike" cap="none">
           <a:solidFill>
             <a:srgbClr val="000000"/>
           </a:solidFill>
@@ -5412,7 +5574,7 @@
           <a:sym typeface="Arial"/>
         </a:defRPr>
       </a:lvl2pPr>
-      <a:lvl3pPr lvl="2" marR="0" rtl="0" algn="l">
+      <a:lvl3pPr marR="0" lvl="2" algn="l" rtl="0">
         <a:lnSpc>
           <a:spcPct val="100000"/>
         </a:lnSpc>
@@ -5426,7 +5588,7 @@
           <a:srgbClr val="000000"/>
         </a:buClr>
         <a:buFont typeface="Arial"/>
-        <a:defRPr b="0" i="0" sz="1400" u="none" cap="none" strike="noStrike">
+        <a:defRPr sz="1400" b="0" i="0" u="none" strike="noStrike" cap="none">
           <a:solidFill>
             <a:srgbClr val="000000"/>
           </a:solidFill>
@@ -5436,7 +5598,7 @@
           <a:sym typeface="Arial"/>
         </a:defRPr>
       </a:lvl3pPr>
-      <a:lvl4pPr lvl="3" marR="0" rtl="0" algn="l">
+      <a:lvl4pPr marR="0" lvl="3" algn="l" rtl="0">
         <a:lnSpc>
           <a:spcPct val="100000"/>
         </a:lnSpc>
@@ -5450,7 +5612,7 @@
           <a:srgbClr val="000000"/>
         </a:buClr>
         <a:buFont typeface="Arial"/>
-        <a:defRPr b="0" i="0" sz="1400" u="none" cap="none" strike="noStrike">
+        <a:defRPr sz="1400" b="0" i="0" u="none" strike="noStrike" cap="none">
           <a:solidFill>
             <a:srgbClr val="000000"/>
           </a:solidFill>
@@ -5460,7 +5622,7 @@
           <a:sym typeface="Arial"/>
         </a:defRPr>
       </a:lvl4pPr>
-      <a:lvl5pPr lvl="4" marR="0" rtl="0" algn="l">
+      <a:lvl5pPr marR="0" lvl="4" algn="l" rtl="0">
         <a:lnSpc>
           <a:spcPct val="100000"/>
         </a:lnSpc>
@@ -5474,7 +5636,7 @@
           <a:srgbClr val="000000"/>
         </a:buClr>
         <a:buFont typeface="Arial"/>
-        <a:defRPr b="0" i="0" sz="1400" u="none" cap="none" strike="noStrike">
+        <a:defRPr sz="1400" b="0" i="0" u="none" strike="noStrike" cap="none">
           <a:solidFill>
             <a:srgbClr val="000000"/>
           </a:solidFill>
@@ -5484,7 +5646,7 @@
           <a:sym typeface="Arial"/>
         </a:defRPr>
       </a:lvl5pPr>
-      <a:lvl6pPr lvl="5" marR="0" rtl="0" algn="l">
+      <a:lvl6pPr marR="0" lvl="5" algn="l" rtl="0">
         <a:lnSpc>
           <a:spcPct val="100000"/>
         </a:lnSpc>
@@ -5498,7 +5660,7 @@
           <a:srgbClr val="000000"/>
         </a:buClr>
         <a:buFont typeface="Arial"/>
-        <a:defRPr b="0" i="0" sz="1400" u="none" cap="none" strike="noStrike">
+        <a:defRPr sz="1400" b="0" i="0" u="none" strike="noStrike" cap="none">
           <a:solidFill>
             <a:srgbClr val="000000"/>
           </a:solidFill>
@@ -5508,7 +5670,7 @@
           <a:sym typeface="Arial"/>
         </a:defRPr>
       </a:lvl6pPr>
-      <a:lvl7pPr lvl="6" marR="0" rtl="0" algn="l">
+      <a:lvl7pPr marR="0" lvl="6" algn="l" rtl="0">
         <a:lnSpc>
           <a:spcPct val="100000"/>
         </a:lnSpc>
@@ -5522,7 +5684,7 @@
           <a:srgbClr val="000000"/>
         </a:buClr>
         <a:buFont typeface="Arial"/>
-        <a:defRPr b="0" i="0" sz="1400" u="none" cap="none" strike="noStrike">
+        <a:defRPr sz="1400" b="0" i="0" u="none" strike="noStrike" cap="none">
           <a:solidFill>
             <a:srgbClr val="000000"/>
           </a:solidFill>
@@ -5532,7 +5694,7 @@
           <a:sym typeface="Arial"/>
         </a:defRPr>
       </a:lvl7pPr>
-      <a:lvl8pPr lvl="7" marR="0" rtl="0" algn="l">
+      <a:lvl8pPr marR="0" lvl="7" algn="l" rtl="0">
         <a:lnSpc>
           <a:spcPct val="100000"/>
         </a:lnSpc>
@@ -5546,7 +5708,7 @@
           <a:srgbClr val="000000"/>
         </a:buClr>
         <a:buFont typeface="Arial"/>
-        <a:defRPr b="0" i="0" sz="1400" u="none" cap="none" strike="noStrike">
+        <a:defRPr sz="1400" b="0" i="0" u="none" strike="noStrike" cap="none">
           <a:solidFill>
             <a:srgbClr val="000000"/>
           </a:solidFill>
@@ -5556,7 +5718,7 @@
           <a:sym typeface="Arial"/>
         </a:defRPr>
       </a:lvl8pPr>
-      <a:lvl9pPr lvl="8" marR="0" rtl="0" algn="l">
+      <a:lvl9pPr marR="0" lvl="8" algn="l" rtl="0">
         <a:lnSpc>
           <a:spcPct val="100000"/>
         </a:lnSpc>
@@ -5570,7 +5732,7 @@
           <a:srgbClr val="000000"/>
         </a:buClr>
         <a:buFont typeface="Arial"/>
-        <a:defRPr b="0" i="0" sz="1400" u="none" cap="none" strike="noStrike">
+        <a:defRPr sz="1400" b="0" i="0" u="none" strike="noStrike" cap="none">
           <a:solidFill>
             <a:srgbClr val="000000"/>
           </a:solidFill>
@@ -5582,7 +5744,7 @@
       </a:lvl9pPr>
     </p:titleStyle>
     <p:bodyStyle>
-      <a:defPPr lvl="0" marR="0" rtl="0" algn="l">
+      <a:defPPr marR="0" lvl="0" algn="l" rtl="0">
         <a:lnSpc>
           <a:spcPct val="100000"/>
         </a:lnSpc>
@@ -5593,7 +5755,7 @@
           <a:spcPts val="0"/>
         </a:spcAft>
       </a:defPPr>
-      <a:lvl1pPr lvl="0" marR="0" rtl="0" algn="l">
+      <a:lvl1pPr marR="0" lvl="0" algn="l" rtl="0">
         <a:lnSpc>
           <a:spcPct val="100000"/>
         </a:lnSpc>
@@ -5607,7 +5769,7 @@
           <a:srgbClr val="000000"/>
         </a:buClr>
         <a:buFont typeface="Arial"/>
-        <a:defRPr b="0" i="0" sz="1400" u="none" cap="none" strike="noStrike">
+        <a:defRPr sz="1400" b="0" i="0" u="none" strike="noStrike" cap="none">
           <a:solidFill>
             <a:srgbClr val="000000"/>
           </a:solidFill>
@@ -5617,7 +5779,7 @@
           <a:sym typeface="Arial"/>
         </a:defRPr>
       </a:lvl1pPr>
-      <a:lvl2pPr lvl="1" marR="0" rtl="0" algn="l">
+      <a:lvl2pPr marR="0" lvl="1" algn="l" rtl="0">
         <a:lnSpc>
           <a:spcPct val="100000"/>
         </a:lnSpc>
@@ -5631,7 +5793,7 @@
           <a:srgbClr val="000000"/>
         </a:buClr>
         <a:buFont typeface="Arial"/>
-        <a:defRPr b="0" i="0" sz="1400" u="none" cap="none" strike="noStrike">
+        <a:defRPr sz="1400" b="0" i="0" u="none" strike="noStrike" cap="none">
           <a:solidFill>
             <a:srgbClr val="000000"/>
           </a:solidFill>
@@ -5641,7 +5803,7 @@
           <a:sym typeface="Arial"/>
         </a:defRPr>
       </a:lvl2pPr>
-      <a:lvl3pPr lvl="2" marR="0" rtl="0" algn="l">
+      <a:lvl3pPr marR="0" lvl="2" algn="l" rtl="0">
         <a:lnSpc>
           <a:spcPct val="100000"/>
         </a:lnSpc>
@@ -5655,7 +5817,7 @@
           <a:srgbClr val="000000"/>
         </a:buClr>
         <a:buFont typeface="Arial"/>
-        <a:defRPr b="0" i="0" sz="1400" u="none" cap="none" strike="noStrike">
+        <a:defRPr sz="1400" b="0" i="0" u="none" strike="noStrike" cap="none">
           <a:solidFill>
             <a:srgbClr val="000000"/>
           </a:solidFill>
@@ -5665,7 +5827,7 @@
           <a:sym typeface="Arial"/>
         </a:defRPr>
       </a:lvl3pPr>
-      <a:lvl4pPr lvl="3" marR="0" rtl="0" algn="l">
+      <a:lvl4pPr marR="0" lvl="3" algn="l" rtl="0">
         <a:lnSpc>
           <a:spcPct val="100000"/>
         </a:lnSpc>
@@ -5679,7 +5841,7 @@
           <a:srgbClr val="000000"/>
         </a:buClr>
         <a:buFont typeface="Arial"/>
-        <a:defRPr b="0" i="0" sz="1400" u="none" cap="none" strike="noStrike">
+        <a:defRPr sz="1400" b="0" i="0" u="none" strike="noStrike" cap="none">
           <a:solidFill>
             <a:srgbClr val="000000"/>
           </a:solidFill>
@@ -5689,7 +5851,7 @@
           <a:sym typeface="Arial"/>
         </a:defRPr>
       </a:lvl4pPr>
-      <a:lvl5pPr lvl="4" marR="0" rtl="0" algn="l">
+      <a:lvl5pPr marR="0" lvl="4" algn="l" rtl="0">
         <a:lnSpc>
           <a:spcPct val="100000"/>
         </a:lnSpc>
@@ -5703,7 +5865,7 @@
           <a:srgbClr val="000000"/>
         </a:buClr>
         <a:buFont typeface="Arial"/>
-        <a:defRPr b="0" i="0" sz="1400" u="none" cap="none" strike="noStrike">
+        <a:defRPr sz="1400" b="0" i="0" u="none" strike="noStrike" cap="none">
           <a:solidFill>
             <a:srgbClr val="000000"/>
           </a:solidFill>
@@ -5713,7 +5875,7 @@
           <a:sym typeface="Arial"/>
         </a:defRPr>
       </a:lvl5pPr>
-      <a:lvl6pPr lvl="5" marR="0" rtl="0" algn="l">
+      <a:lvl6pPr marR="0" lvl="5" algn="l" rtl="0">
         <a:lnSpc>
           <a:spcPct val="100000"/>
         </a:lnSpc>
@@ -5727,7 +5889,7 @@
           <a:srgbClr val="000000"/>
         </a:buClr>
         <a:buFont typeface="Arial"/>
-        <a:defRPr b="0" i="0" sz="1400" u="none" cap="none" strike="noStrike">
+        <a:defRPr sz="1400" b="0" i="0" u="none" strike="noStrike" cap="none">
           <a:solidFill>
             <a:srgbClr val="000000"/>
           </a:solidFill>
@@ -5737,7 +5899,7 @@
           <a:sym typeface="Arial"/>
         </a:defRPr>
       </a:lvl6pPr>
-      <a:lvl7pPr lvl="6" marR="0" rtl="0" algn="l">
+      <a:lvl7pPr marR="0" lvl="6" algn="l" rtl="0">
         <a:lnSpc>
           <a:spcPct val="100000"/>
         </a:lnSpc>
@@ -5751,7 +5913,7 @@
           <a:srgbClr val="000000"/>
         </a:buClr>
         <a:buFont typeface="Arial"/>
-        <a:defRPr b="0" i="0" sz="1400" u="none" cap="none" strike="noStrike">
+        <a:defRPr sz="1400" b="0" i="0" u="none" strike="noStrike" cap="none">
           <a:solidFill>
             <a:srgbClr val="000000"/>
           </a:solidFill>
@@ -5761,7 +5923,7 @@
           <a:sym typeface="Arial"/>
         </a:defRPr>
       </a:lvl7pPr>
-      <a:lvl8pPr lvl="7" marR="0" rtl="0" algn="l">
+      <a:lvl8pPr marR="0" lvl="7" algn="l" rtl="0">
         <a:lnSpc>
           <a:spcPct val="100000"/>
         </a:lnSpc>
@@ -5775,7 +5937,7 @@
           <a:srgbClr val="000000"/>
         </a:buClr>
         <a:buFont typeface="Arial"/>
-        <a:defRPr b="0" i="0" sz="1400" u="none" cap="none" strike="noStrike">
+        <a:defRPr sz="1400" b="0" i="0" u="none" strike="noStrike" cap="none">
           <a:solidFill>
             <a:srgbClr val="000000"/>
           </a:solidFill>
@@ -5785,7 +5947,7 @@
           <a:sym typeface="Arial"/>
         </a:defRPr>
       </a:lvl8pPr>
-      <a:lvl9pPr lvl="8" marR="0" rtl="0" algn="l">
+      <a:lvl9pPr marR="0" lvl="8" algn="l" rtl="0">
         <a:lnSpc>
           <a:spcPct val="100000"/>
         </a:lnSpc>
@@ -5799,7 +5961,7 @@
           <a:srgbClr val="000000"/>
         </a:buClr>
         <a:buFont typeface="Arial"/>
-        <a:defRPr b="0" i="0" sz="1400" u="none" cap="none" strike="noStrike">
+        <a:defRPr sz="1400" b="0" i="0" u="none" strike="noStrike" cap="none">
           <a:solidFill>
             <a:srgbClr val="000000"/>
           </a:solidFill>
@@ -5811,7 +5973,7 @@
       </a:lvl9pPr>
     </p:bodyStyle>
     <p:otherStyle>
-      <a:defPPr lvl="0" marR="0" rtl="0" algn="l">
+      <a:defPPr marR="0" lvl="0" algn="l" rtl="0">
         <a:lnSpc>
           <a:spcPct val="100000"/>
         </a:lnSpc>
@@ -5822,7 +5984,7 @@
           <a:spcPts val="0"/>
         </a:spcAft>
       </a:defPPr>
-      <a:lvl1pPr lvl="0" marR="0" rtl="0" algn="l">
+      <a:lvl1pPr marR="0" lvl="0" algn="l" rtl="0">
         <a:lnSpc>
           <a:spcPct val="100000"/>
         </a:lnSpc>
@@ -5836,7 +5998,7 @@
           <a:srgbClr val="000000"/>
         </a:buClr>
         <a:buFont typeface="Arial"/>
-        <a:defRPr b="0" i="0" sz="1400" u="none" cap="none" strike="noStrike">
+        <a:defRPr sz="1400" b="0" i="0" u="none" strike="noStrike" cap="none">
           <a:solidFill>
             <a:srgbClr val="000000"/>
           </a:solidFill>
@@ -5846,7 +6008,7 @@
           <a:sym typeface="Arial"/>
         </a:defRPr>
       </a:lvl1pPr>
-      <a:lvl2pPr lvl="1" marR="0" rtl="0" algn="l">
+      <a:lvl2pPr marR="0" lvl="1" algn="l" rtl="0">
         <a:lnSpc>
           <a:spcPct val="100000"/>
         </a:lnSpc>
@@ -5860,7 +6022,7 @@
           <a:srgbClr val="000000"/>
         </a:buClr>
         <a:buFont typeface="Arial"/>
-        <a:defRPr b="0" i="0" sz="1400" u="none" cap="none" strike="noStrike">
+        <a:defRPr sz="1400" b="0" i="0" u="none" strike="noStrike" cap="none">
           <a:solidFill>
             <a:srgbClr val="000000"/>
           </a:solidFill>
@@ -5870,7 +6032,7 @@
           <a:sym typeface="Arial"/>
         </a:defRPr>
       </a:lvl2pPr>
-      <a:lvl3pPr lvl="2" marR="0" rtl="0" algn="l">
+      <a:lvl3pPr marR="0" lvl="2" algn="l" rtl="0">
         <a:lnSpc>
           <a:spcPct val="100000"/>
         </a:lnSpc>
@@ -5884,7 +6046,7 @@
           <a:srgbClr val="000000"/>
         </a:buClr>
         <a:buFont typeface="Arial"/>
-        <a:defRPr b="0" i="0" sz="1400" u="none" cap="none" strike="noStrike">
+        <a:defRPr sz="1400" b="0" i="0" u="none" strike="noStrike" cap="none">
           <a:solidFill>
             <a:srgbClr val="000000"/>
           </a:solidFill>
@@ -5894,7 +6056,7 @@
           <a:sym typeface="Arial"/>
         </a:defRPr>
       </a:lvl3pPr>
-      <a:lvl4pPr lvl="3" marR="0" rtl="0" algn="l">
+      <a:lvl4pPr marR="0" lvl="3" algn="l" rtl="0">
         <a:lnSpc>
           <a:spcPct val="100000"/>
         </a:lnSpc>
@@ -5908,7 +6070,7 @@
           <a:srgbClr val="000000"/>
         </a:buClr>
         <a:buFont typeface="Arial"/>
-        <a:defRPr b="0" i="0" sz="1400" u="none" cap="none" strike="noStrike">
+        <a:defRPr sz="1400" b="0" i="0" u="none" strike="noStrike" cap="none">
           <a:solidFill>
             <a:srgbClr val="000000"/>
           </a:solidFill>
@@ -5918,7 +6080,7 @@
           <a:sym typeface="Arial"/>
         </a:defRPr>
       </a:lvl4pPr>
-      <a:lvl5pPr lvl="4" marR="0" rtl="0" algn="l">
+      <a:lvl5pPr marR="0" lvl="4" algn="l" rtl="0">
         <a:lnSpc>
           <a:spcPct val="100000"/>
         </a:lnSpc>
@@ -5932,7 +6094,7 @@
           <a:srgbClr val="000000"/>
         </a:buClr>
         <a:buFont typeface="Arial"/>
-        <a:defRPr b="0" i="0" sz="1400" u="none" cap="none" strike="noStrike">
+        <a:defRPr sz="1400" b="0" i="0" u="none" strike="noStrike" cap="none">
           <a:solidFill>
             <a:srgbClr val="000000"/>
           </a:solidFill>
@@ -5942,7 +6104,7 @@
           <a:sym typeface="Arial"/>
         </a:defRPr>
       </a:lvl5pPr>
-      <a:lvl6pPr lvl="5" marR="0" rtl="0" algn="l">
+      <a:lvl6pPr marR="0" lvl="5" algn="l" rtl="0">
         <a:lnSpc>
           <a:spcPct val="100000"/>
         </a:lnSpc>
@@ -5956,7 +6118,7 @@
           <a:srgbClr val="000000"/>
         </a:buClr>
         <a:buFont typeface="Arial"/>
-        <a:defRPr b="0" i="0" sz="1400" u="none" cap="none" strike="noStrike">
+        <a:defRPr sz="1400" b="0" i="0" u="none" strike="noStrike" cap="none">
           <a:solidFill>
             <a:srgbClr val="000000"/>
           </a:solidFill>
@@ -5966,7 +6128,7 @@
           <a:sym typeface="Arial"/>
         </a:defRPr>
       </a:lvl6pPr>
-      <a:lvl7pPr lvl="6" marR="0" rtl="0" algn="l">
+      <a:lvl7pPr marR="0" lvl="6" algn="l" rtl="0">
         <a:lnSpc>
           <a:spcPct val="100000"/>
         </a:lnSpc>
@@ -5980,7 +6142,7 @@
           <a:srgbClr val="000000"/>
         </a:buClr>
         <a:buFont typeface="Arial"/>
-        <a:defRPr b="0" i="0" sz="1400" u="none" cap="none" strike="noStrike">
+        <a:defRPr sz="1400" b="0" i="0" u="none" strike="noStrike" cap="none">
           <a:solidFill>
             <a:srgbClr val="000000"/>
           </a:solidFill>
@@ -5990,7 +6152,7 @@
           <a:sym typeface="Arial"/>
         </a:defRPr>
       </a:lvl7pPr>
-      <a:lvl8pPr lvl="7" marR="0" rtl="0" algn="l">
+      <a:lvl8pPr marR="0" lvl="7" algn="l" rtl="0">
         <a:lnSpc>
           <a:spcPct val="100000"/>
         </a:lnSpc>
@@ -6004,7 +6166,7 @@
           <a:srgbClr val="000000"/>
         </a:buClr>
         <a:buFont typeface="Arial"/>
-        <a:defRPr b="0" i="0" sz="1400" u="none" cap="none" strike="noStrike">
+        <a:defRPr sz="1400" b="0" i="0" u="none" strike="noStrike" cap="none">
           <a:solidFill>
             <a:srgbClr val="000000"/>
           </a:solidFill>
@@ -6014,7 +6176,7 @@
           <a:sym typeface="Arial"/>
         </a:defRPr>
       </a:lvl8pPr>
-      <a:lvl9pPr lvl="8" marR="0" rtl="0" algn="l">
+      <a:lvl9pPr marR="0" lvl="8" algn="l" rtl="0">
         <a:lnSpc>
           <a:spcPct val="100000"/>
         </a:lnSpc>
@@ -6028,7 +6190,7 @@
           <a:srgbClr val="000000"/>
         </a:buClr>
         <a:buFont typeface="Arial"/>
-        <a:defRPr b="0" i="0" sz="1400" u="none" cap="none" strike="noStrike">
+        <a:defRPr sz="1400" b="0" i="0" u="none" strike="noStrike" cap="none">
           <a:solidFill>
             <a:srgbClr val="000000"/>
           </a:solidFill>
@@ -6044,11 +6206,11 @@
 </file>
 
 <file path=ppt/slides/slide1.xml><?xml version="1.0" encoding="utf-8"?>
-<p:sld xmlns:a="http://schemas.openxmlformats.org/drawingml/2006/main" xmlns:r="http://schemas.openxmlformats.org/officeDocument/2006/relationships" xmlns:mc="http://schemas.openxmlformats.org/markup-compatibility/2006" xmlns:mv="urn:schemas-microsoft-com:mac:vml" xmlns:p="http://schemas.openxmlformats.org/presentationml/2006/main" xmlns:c="http://schemas.openxmlformats.org/drawingml/2006/chart" xmlns:dgm="http://schemas.openxmlformats.org/drawingml/2006/diagram" xmlns:o="urn:schemas-microsoft-com:office:office" xmlns:v="urn:schemas-microsoft-com:vml" xmlns:pvml="urn:schemas-microsoft-com:office:powerpoint" xmlns:com="http://schemas.openxmlformats.org/drawingml/2006/compatibility" xmlns:p14="http://schemas.microsoft.com/office/powerpoint/2010/main" xmlns:p15="http://schemas.microsoft.com/office/powerpoint/2012/main" xmlns:ahyp="http://schemas.microsoft.com/office/drawing/2018/hyperlinkcolor">
+<p:sld xmlns:a="http://schemas.openxmlformats.org/drawingml/2006/main" xmlns:r="http://schemas.openxmlformats.org/officeDocument/2006/relationships" xmlns:p="http://schemas.openxmlformats.org/presentationml/2006/main">
   <p:cSld>
     <p:spTree>
       <p:nvGrpSpPr>
-        <p:cNvPr id="53" name="Shape 53"/>
+        <p:cNvPr id="1" name="Shape 53"/>
         <p:cNvGrpSpPr/>
         <p:nvPr/>
       </p:nvGrpSpPr>
@@ -6063,7 +6225,9 @@
       <p:sp>
         <p:nvSpPr>
           <p:cNvPr id="54" name="Google Shape;54;p13"/>
-          <p:cNvSpPr txBox="1"/>
+          <p:cNvSpPr txBox="1">
+            <a:spLocks noGrp="1"/>
+          </p:cNvSpPr>
           <p:nvPr>
             <p:ph type="ctrTitle"/>
           </p:nvPr>
@@ -6078,12 +6242,12 @@
           </a:prstGeom>
         </p:spPr>
         <p:txBody>
-          <a:bodyPr anchorCtr="0" anchor="b" bIns="91425" lIns="91425" spcFirstLastPara="1" rIns="91425" wrap="square" tIns="91425">
+          <a:bodyPr spcFirstLastPara="1" wrap="square" lIns="91425" tIns="91425" rIns="91425" bIns="91425" anchor="b" anchorCtr="0">
             <a:noAutofit/>
           </a:bodyPr>
           <a:lstStyle/>
           <a:p>
-            <a:pPr indent="0" lvl="0" marL="0" rtl="0" algn="ctr">
+            <a:pPr marL="0" lvl="0" indent="0" algn="ctr" rtl="0">
               <a:spcBef>
                 <a:spcPts val="0"/>
               </a:spcBef>
@@ -6103,9 +6267,11 @@
       <p:sp>
         <p:nvSpPr>
           <p:cNvPr id="55" name="Google Shape;55;p13"/>
-          <p:cNvSpPr txBox="1"/>
+          <p:cNvSpPr txBox="1">
+            <a:spLocks noGrp="1"/>
+          </p:cNvSpPr>
           <p:nvPr>
-            <p:ph idx="1" type="subTitle"/>
+            <p:ph type="subTitle" idx="1"/>
           </p:nvPr>
         </p:nvSpPr>
         <p:spPr>
@@ -6118,12 +6284,12 @@
           </a:prstGeom>
         </p:spPr>
         <p:txBody>
-          <a:bodyPr anchorCtr="0" anchor="t" bIns="91425" lIns="91425" spcFirstLastPara="1" rIns="91425" wrap="square" tIns="91425">
+          <a:bodyPr spcFirstLastPara="1" wrap="square" lIns="91425" tIns="91425" rIns="91425" bIns="91425" anchor="t" anchorCtr="0">
             <a:noAutofit/>
           </a:bodyPr>
           <a:lstStyle/>
           <a:p>
-            <a:pPr indent="0" lvl="0" marL="0" rtl="0" algn="ctr">
+            <a:pPr marL="0" lvl="0" indent="0" algn="ctr" rtl="0">
               <a:spcBef>
                 <a:spcPts val="0"/>
               </a:spcBef>
@@ -6135,6 +6301,1370 @@
             <a:r>
               <a:rPr lang="en"/>
               <a:t>Ephraim Berkovitch, Jan 2021 / ZipRecruiter</a:t>
+            </a:r>
+            <a:endParaRPr/>
+          </a:p>
+        </p:txBody>
+      </p:sp>
+    </p:spTree>
+  </p:cSld>
+  <p:clrMapOvr>
+    <a:masterClrMapping/>
+  </p:clrMapOvr>
+</p:sld>
+</file>
+
+<file path=ppt/slides/slide10.xml><?xml version="1.0" encoding="utf-8"?>
+<p:sld xmlns:a="http://schemas.openxmlformats.org/drawingml/2006/main" xmlns:r="http://schemas.openxmlformats.org/officeDocument/2006/relationships" xmlns:p="http://schemas.openxmlformats.org/presentationml/2006/main">
+  <p:cSld>
+    <p:spTree>
+      <p:nvGrpSpPr>
+        <p:cNvPr id="1" name=""/>
+        <p:cNvGrpSpPr/>
+        <p:nvPr/>
+      </p:nvGrpSpPr>
+      <p:grpSpPr>
+        <a:xfrm>
+          <a:off x="0" y="0"/>
+          <a:ext cx="0" cy="0"/>
+          <a:chOff x="0" y="0"/>
+          <a:chExt cx="0" cy="0"/>
+        </a:xfrm>
+      </p:grpSpPr>
+      <p:sp>
+        <p:nvSpPr>
+          <p:cNvPr id="2" name="Title 1">
+            <a:extLst>
+              <a:ext uri="{FF2B5EF4-FFF2-40B4-BE49-F238E27FC236}">
+                <a16:creationId xmlns:a16="http://schemas.microsoft.com/office/drawing/2014/main" id="{25EDD99C-8B1B-8149-A84E-FA9A7308F657}"/>
+              </a:ext>
+            </a:extLst>
+          </p:cNvPr>
+          <p:cNvSpPr>
+            <a:spLocks noGrp="1"/>
+          </p:cNvSpPr>
+          <p:nvPr>
+            <p:ph type="title"/>
+          </p:nvPr>
+        </p:nvSpPr>
+        <p:spPr/>
+        <p:txBody>
+          <a:bodyPr/>
+          <a:lstStyle/>
+          <a:p>
+            <a:r>
+              <a:rPr lang="en-IL" dirty="0"/>
+              <a:t>Unsupervised Algorithms</a:t>
+            </a:r>
+          </a:p>
+        </p:txBody>
+      </p:sp>
+      <p:sp>
+        <p:nvSpPr>
+          <p:cNvPr id="3" name="Text Placeholder 2">
+            <a:extLst>
+              <a:ext uri="{FF2B5EF4-FFF2-40B4-BE49-F238E27FC236}">
+                <a16:creationId xmlns:a16="http://schemas.microsoft.com/office/drawing/2014/main" id="{A44695C2-6D72-AA44-AA4E-6DB315330A3E}"/>
+              </a:ext>
+            </a:extLst>
+          </p:cNvPr>
+          <p:cNvSpPr>
+            <a:spLocks noGrp="1"/>
+          </p:cNvSpPr>
+          <p:nvPr>
+            <p:ph type="body" idx="1"/>
+          </p:nvPr>
+        </p:nvSpPr>
+        <p:spPr/>
+        <p:txBody>
+          <a:bodyPr/>
+          <a:lstStyle/>
+          <a:p>
+            <a:r>
+              <a:rPr lang="en-US" dirty="0"/>
+              <a:t>C</a:t>
+            </a:r>
+            <a:r>
+              <a:rPr lang="en-IL" dirty="0"/>
+              <a:t>lustering</a:t>
+            </a:r>
+          </a:p>
+          <a:p>
+            <a:r>
+              <a:rPr lang="en-IL" dirty="0"/>
+              <a:t>PCA</a:t>
+            </a:r>
+          </a:p>
+          <a:p>
+            <a:endParaRPr lang="en-IL" dirty="0"/>
+          </a:p>
+        </p:txBody>
+      </p:sp>
+    </p:spTree>
+    <p:extLst>
+      <p:ext uri="{BB962C8B-B14F-4D97-AF65-F5344CB8AC3E}">
+        <p14:creationId xmlns:p14="http://schemas.microsoft.com/office/powerpoint/2010/main" val="2596404893"/>
+      </p:ext>
+    </p:extLst>
+  </p:cSld>
+  <p:clrMapOvr>
+    <a:masterClrMapping/>
+  </p:clrMapOvr>
+</p:sld>
+</file>
+
+<file path=ppt/slides/slide11.xml><?xml version="1.0" encoding="utf-8"?>
+<p:sld xmlns:a="http://schemas.openxmlformats.org/drawingml/2006/main" xmlns:r="http://schemas.openxmlformats.org/officeDocument/2006/relationships" xmlns:p="http://schemas.openxmlformats.org/presentationml/2006/main">
+  <p:cSld>
+    <p:spTree>
+      <p:nvGrpSpPr>
+        <p:cNvPr id="1" name=""/>
+        <p:cNvGrpSpPr/>
+        <p:nvPr/>
+      </p:nvGrpSpPr>
+      <p:grpSpPr>
+        <a:xfrm>
+          <a:off x="0" y="0"/>
+          <a:ext cx="0" cy="0"/>
+          <a:chOff x="0" y="0"/>
+          <a:chExt cx="0" cy="0"/>
+        </a:xfrm>
+      </p:grpSpPr>
+      <p:sp>
+        <p:nvSpPr>
+          <p:cNvPr id="2" name="Title 1">
+            <a:extLst>
+              <a:ext uri="{FF2B5EF4-FFF2-40B4-BE49-F238E27FC236}">
+                <a16:creationId xmlns:a16="http://schemas.microsoft.com/office/drawing/2014/main" id="{C4DD65B2-816E-B742-82BD-7C6807D583CC}"/>
+              </a:ext>
+            </a:extLst>
+          </p:cNvPr>
+          <p:cNvSpPr>
+            <a:spLocks noGrp="1"/>
+          </p:cNvSpPr>
+          <p:nvPr>
+            <p:ph type="title"/>
+          </p:nvPr>
+        </p:nvSpPr>
+        <p:spPr/>
+        <p:txBody>
+          <a:bodyPr/>
+          <a:lstStyle/>
+          <a:p>
+            <a:r>
+              <a:rPr lang="en-IL" dirty="0"/>
+              <a:t>Using pre-trained modules</a:t>
+            </a:r>
+          </a:p>
+        </p:txBody>
+      </p:sp>
+      <p:sp>
+        <p:nvSpPr>
+          <p:cNvPr id="3" name="Text Placeholder 2">
+            <a:extLst>
+              <a:ext uri="{FF2B5EF4-FFF2-40B4-BE49-F238E27FC236}">
+                <a16:creationId xmlns:a16="http://schemas.microsoft.com/office/drawing/2014/main" id="{ED2B1657-AF7F-5E47-9BD4-0B2B33EFCCDF}"/>
+              </a:ext>
+            </a:extLst>
+          </p:cNvPr>
+          <p:cNvSpPr>
+            <a:spLocks noGrp="1"/>
+          </p:cNvSpPr>
+          <p:nvPr>
+            <p:ph type="body" idx="1"/>
+          </p:nvPr>
+        </p:nvSpPr>
+        <p:spPr/>
+        <p:txBody>
+          <a:bodyPr/>
+          <a:lstStyle/>
+          <a:p>
+            <a:r>
+              <a:rPr lang="en-IL" dirty="0"/>
+              <a:t>TensorFlow for Go is not mature yet</a:t>
+            </a:r>
+          </a:p>
+          <a:p>
+            <a:pPr lvl="1"/>
+            <a:r>
+              <a:rPr lang="en-US" dirty="0">
+                <a:hlinkClick r:id="rId2"/>
+              </a:rPr>
+              <a:t>https://www.tensorflow.org/install/lang_go</a:t>
+            </a:r>
+            <a:r>
+              <a:rPr lang="en-US" dirty="0"/>
+              <a:t> - The TensorFlow Go API is </a:t>
+            </a:r>
+            <a:r>
+              <a:rPr lang="en-US" i="1" dirty="0"/>
+              <a:t>not</a:t>
+            </a:r>
+            <a:r>
+              <a:rPr lang="en-US" dirty="0"/>
+              <a:t> covered by the TensorFlow </a:t>
+            </a:r>
+            <a:r>
+              <a:rPr lang="en-US" u="sng" dirty="0">
+                <a:hlinkClick r:id="rId3"/>
+              </a:rPr>
+              <a:t>API stability guarantees</a:t>
+            </a:r>
+            <a:endParaRPr lang="en-IL" dirty="0"/>
+          </a:p>
+          <a:p>
+            <a:r>
+              <a:rPr lang="en-IL" dirty="0"/>
+              <a:t>There is a Gorgonia framework, written completely in Go - </a:t>
+            </a:r>
+            <a:r>
+              <a:rPr lang="en-US" dirty="0"/>
+              <a:t>low-level, like Theano, but has higher goals like </a:t>
+            </a:r>
+            <a:r>
+              <a:rPr lang="en-US" dirty="0" err="1"/>
+              <a:t>Tensorflow</a:t>
+            </a:r>
+            <a:endParaRPr lang="en-US" dirty="0"/>
+          </a:p>
+          <a:p>
+            <a:endParaRPr lang="en-IL" dirty="0"/>
+          </a:p>
+          <a:p>
+            <a:endParaRPr lang="en-IL" dirty="0"/>
+          </a:p>
+        </p:txBody>
+      </p:sp>
+    </p:spTree>
+    <p:extLst>
+      <p:ext uri="{BB962C8B-B14F-4D97-AF65-F5344CB8AC3E}">
+        <p14:creationId xmlns:p14="http://schemas.microsoft.com/office/powerpoint/2010/main" val="1598499459"/>
+      </p:ext>
+    </p:extLst>
+  </p:cSld>
+  <p:clrMapOvr>
+    <a:masterClrMapping/>
+  </p:clrMapOvr>
+</p:sld>
+</file>
+
+<file path=ppt/slides/slide12.xml><?xml version="1.0" encoding="utf-8"?>
+<p:sld xmlns:a="http://schemas.openxmlformats.org/drawingml/2006/main" xmlns:r="http://schemas.openxmlformats.org/officeDocument/2006/relationships" xmlns:p="http://schemas.openxmlformats.org/presentationml/2006/main">
+  <p:cSld>
+    <p:spTree>
+      <p:nvGrpSpPr>
+        <p:cNvPr id="1" name=""/>
+        <p:cNvGrpSpPr/>
+        <p:nvPr/>
+      </p:nvGrpSpPr>
+      <p:grpSpPr>
+        <a:xfrm>
+          <a:off x="0" y="0"/>
+          <a:ext cx="0" cy="0"/>
+          <a:chOff x="0" y="0"/>
+          <a:chExt cx="0" cy="0"/>
+        </a:xfrm>
+      </p:grpSpPr>
+      <p:sp>
+        <p:nvSpPr>
+          <p:cNvPr id="2" name="Title 1">
+            <a:extLst>
+              <a:ext uri="{FF2B5EF4-FFF2-40B4-BE49-F238E27FC236}">
+                <a16:creationId xmlns:a16="http://schemas.microsoft.com/office/drawing/2014/main" id="{9C822308-8A5D-CB48-B93F-2D6B4ABF2BE0}"/>
+              </a:ext>
+            </a:extLst>
+          </p:cNvPr>
+          <p:cNvSpPr>
+            <a:spLocks noGrp="1"/>
+          </p:cNvSpPr>
+          <p:nvPr>
+            <p:ph type="title"/>
+          </p:nvPr>
+        </p:nvSpPr>
+        <p:spPr/>
+        <p:txBody>
+          <a:bodyPr/>
+          <a:lstStyle/>
+          <a:p>
+            <a:r>
+              <a:rPr lang="en-IL" dirty="0"/>
+              <a:t>Using Python models	</a:t>
+            </a:r>
+          </a:p>
+        </p:txBody>
+      </p:sp>
+      <p:sp>
+        <p:nvSpPr>
+          <p:cNvPr id="3" name="Text Placeholder 2">
+            <a:extLst>
+              <a:ext uri="{FF2B5EF4-FFF2-40B4-BE49-F238E27FC236}">
+                <a16:creationId xmlns:a16="http://schemas.microsoft.com/office/drawing/2014/main" id="{5B85C85F-7378-9144-94F3-A934F6DF5E09}"/>
+              </a:ext>
+            </a:extLst>
+          </p:cNvPr>
+          <p:cNvSpPr>
+            <a:spLocks noGrp="1"/>
+          </p:cNvSpPr>
+          <p:nvPr>
+            <p:ph type="body" idx="1"/>
+          </p:nvPr>
+        </p:nvSpPr>
+        <p:spPr/>
+        <p:txBody>
+          <a:bodyPr/>
+          <a:lstStyle/>
+          <a:p>
+            <a:pPr>
+              <a:lnSpc>
+                <a:spcPct val="100000"/>
+              </a:lnSpc>
+            </a:pPr>
+            <a:r>
+              <a:rPr lang="en-US" dirty="0"/>
+              <a:t>W</a:t>
+            </a:r>
+            <a:r>
+              <a:rPr lang="en-IL" dirty="0"/>
+              <a:t>hen to adopt a polyglot approach</a:t>
+            </a:r>
+          </a:p>
+          <a:p>
+            <a:pPr lvl="1">
+              <a:lnSpc>
+                <a:spcPct val="100000"/>
+              </a:lnSpc>
+            </a:pPr>
+            <a:r>
+              <a:rPr lang="en-US" dirty="0"/>
+              <a:t>P</a:t>
+            </a:r>
+            <a:r>
+              <a:rPr lang="en-IL" dirty="0"/>
+              <a:t>olyglot – use Python-only libraries like Keras in Python, reduce amount of code and in some cases, better performance, multi-team cooperation, leverage pre-existing models; more </a:t>
+            </a:r>
+            <a:r>
+              <a:rPr lang="en-IL" u="sng" dirty="0"/>
+              <a:t>complex problems, deep learning, computer vision</a:t>
+            </a:r>
+          </a:p>
+          <a:p>
+            <a:pPr lvl="1">
+              <a:lnSpc>
+                <a:spcPct val="100000"/>
+              </a:lnSpc>
+            </a:pPr>
+            <a:r>
+              <a:rPr lang="en-IL" dirty="0"/>
+              <a:t>Go-only - </a:t>
+            </a:r>
+            <a:r>
+              <a:rPr lang="en-US" dirty="0"/>
+              <a:t>e</a:t>
+            </a:r>
+            <a:r>
+              <a:rPr lang="en-IL" dirty="0"/>
+              <a:t>asier to maintain, less dependencies, less complexities in component interactions; </a:t>
+            </a:r>
+            <a:r>
+              <a:rPr lang="en-IL" u="sng" dirty="0"/>
+              <a:t>when existing Go libraries offer what you need</a:t>
+            </a:r>
+          </a:p>
+        </p:txBody>
+      </p:sp>
+    </p:spTree>
+    <p:extLst>
+      <p:ext uri="{BB962C8B-B14F-4D97-AF65-F5344CB8AC3E}">
+        <p14:creationId xmlns:p14="http://schemas.microsoft.com/office/powerpoint/2010/main" val="2521634324"/>
+      </p:ext>
+    </p:extLst>
+  </p:cSld>
+  <p:clrMapOvr>
+    <a:masterClrMapping/>
+  </p:clrMapOvr>
+</p:sld>
+</file>
+
+<file path=ppt/slides/slide13.xml><?xml version="1.0" encoding="utf-8"?>
+<p:sld xmlns:a="http://schemas.openxmlformats.org/drawingml/2006/main" xmlns:r="http://schemas.openxmlformats.org/officeDocument/2006/relationships" xmlns:p="http://schemas.openxmlformats.org/presentationml/2006/main">
+  <p:cSld>
+    <p:spTree>
+      <p:nvGrpSpPr>
+        <p:cNvPr id="1" name=""/>
+        <p:cNvGrpSpPr/>
+        <p:nvPr/>
+      </p:nvGrpSpPr>
+      <p:grpSpPr>
+        <a:xfrm>
+          <a:off x="0" y="0"/>
+          <a:ext cx="0" cy="0"/>
+          <a:chOff x="0" y="0"/>
+          <a:chExt cx="0" cy="0"/>
+        </a:xfrm>
+      </p:grpSpPr>
+      <p:sp>
+        <p:nvSpPr>
+          <p:cNvPr id="2" name="Title 1">
+            <a:extLst>
+              <a:ext uri="{FF2B5EF4-FFF2-40B4-BE49-F238E27FC236}">
+                <a16:creationId xmlns:a16="http://schemas.microsoft.com/office/drawing/2014/main" id="{4F5FDF9A-4633-4549-B6FF-E20DABC5032A}"/>
+              </a:ext>
+            </a:extLst>
+          </p:cNvPr>
+          <p:cNvSpPr>
+            <a:spLocks noGrp="1"/>
+          </p:cNvSpPr>
+          <p:nvPr>
+            <p:ph type="title"/>
+          </p:nvPr>
+        </p:nvSpPr>
+        <p:spPr/>
+        <p:txBody>
+          <a:bodyPr/>
+          <a:lstStyle/>
+          <a:p>
+            <a:r>
+              <a:rPr lang="en-IL" dirty="0"/>
+              <a:t>Invoke Python model using os/exec</a:t>
+            </a:r>
+            <a:br>
+              <a:rPr lang="en-IL" dirty="0"/>
+            </a:br>
+            <a:endParaRPr lang="en-IL" dirty="0"/>
+          </a:p>
+        </p:txBody>
+      </p:sp>
+      <p:sp>
+        <p:nvSpPr>
+          <p:cNvPr id="3" name="Text Placeholder 2">
+            <a:extLst>
+              <a:ext uri="{FF2B5EF4-FFF2-40B4-BE49-F238E27FC236}">
+                <a16:creationId xmlns:a16="http://schemas.microsoft.com/office/drawing/2014/main" id="{C8AC5E91-8FDF-864D-BA45-87ADA8DAD036}"/>
+              </a:ext>
+            </a:extLst>
+          </p:cNvPr>
+          <p:cNvSpPr>
+            <a:spLocks noGrp="1"/>
+          </p:cNvSpPr>
+          <p:nvPr>
+            <p:ph type="body" idx="1"/>
+          </p:nvPr>
+        </p:nvSpPr>
+        <p:spPr/>
+        <p:txBody>
+          <a:bodyPr/>
+          <a:lstStyle/>
+          <a:p>
+            <a:r>
+              <a:rPr lang="en-US" dirty="0"/>
+              <a:t>Model is on the same machine</a:t>
+            </a:r>
+          </a:p>
+          <a:p>
+            <a:r>
+              <a:rPr lang="en-US" dirty="0"/>
+              <a:t>use command-line arguments to pass inputs to the model and read the model's prediction from standard output (STDOUT)</a:t>
+            </a:r>
+          </a:p>
+          <a:p>
+            <a:r>
+              <a:rPr lang="en-US" dirty="0"/>
+              <a:t>JSON for data exchange</a:t>
+            </a:r>
+          </a:p>
+          <a:p>
+            <a:r>
+              <a:rPr lang="en-US" dirty="0"/>
+              <a:t>Load dataset to </a:t>
+            </a:r>
+            <a:r>
+              <a:rPr lang="en-US" dirty="0" err="1"/>
+              <a:t>dataframe</a:t>
+            </a:r>
+            <a:endParaRPr lang="en-US" dirty="0"/>
+          </a:p>
+          <a:p>
+            <a:r>
+              <a:rPr lang="en-US" dirty="0" err="1"/>
+              <a:t>stdout</a:t>
+            </a:r>
+            <a:r>
+              <a:rPr lang="en-US" dirty="0"/>
+              <a:t>, err := </a:t>
+            </a:r>
+            <a:r>
+              <a:rPr lang="en-US" dirty="0" err="1"/>
+              <a:t>cmd.StdoutPipe</a:t>
+            </a:r>
+            <a:r>
+              <a:rPr lang="en-US" dirty="0"/>
+              <a:t>()</a:t>
+            </a:r>
+          </a:p>
+          <a:p>
+            <a:r>
+              <a:rPr lang="en-US" dirty="0"/>
+              <a:t>b, err = </a:t>
+            </a:r>
+            <a:r>
+              <a:rPr lang="en-US" dirty="0" err="1"/>
+              <a:t>InvokeAndWait</a:t>
+            </a:r>
+            <a:r>
+              <a:rPr lang="en-US" dirty="0"/>
+              <a:t>("</a:t>
+            </a:r>
+            <a:r>
+              <a:rPr lang="en-US" dirty="0" err="1"/>
+              <a:t>model.py</a:t>
+            </a:r>
+            <a:r>
+              <a:rPr lang="en-US" dirty="0"/>
+              <a:t>", "predict", string(b))</a:t>
+            </a:r>
+          </a:p>
+          <a:p>
+            <a:r>
+              <a:rPr lang="en-US" u="sng" dirty="0"/>
+              <a:t>Cons</a:t>
+            </a:r>
+            <a:r>
+              <a:rPr lang="en-US" dirty="0"/>
+              <a:t> – start a new Python process to handle every</a:t>
+            </a:r>
+          </a:p>
+          <a:p>
+            <a:pPr marL="114300" indent="0">
+              <a:buNone/>
+            </a:pPr>
+            <a:r>
+              <a:rPr lang="en-US" dirty="0"/>
+              <a:t>request, coupling with Python</a:t>
+            </a:r>
+          </a:p>
+          <a:p>
+            <a:r>
+              <a:rPr lang="en-US" u="sng" dirty="0"/>
+              <a:t>Pros</a:t>
+            </a:r>
+            <a:r>
+              <a:rPr lang="en-US" dirty="0"/>
+              <a:t> – small effort</a:t>
+            </a:r>
+          </a:p>
+          <a:p>
+            <a:endParaRPr lang="en-IL" dirty="0"/>
+          </a:p>
+        </p:txBody>
+      </p:sp>
+      <p:pic>
+        <p:nvPicPr>
+          <p:cNvPr id="5" name="Picture 4" descr="Diagram&#10;&#10;Description automatically generated">
+            <a:extLst>
+              <a:ext uri="{FF2B5EF4-FFF2-40B4-BE49-F238E27FC236}">
+                <a16:creationId xmlns:a16="http://schemas.microsoft.com/office/drawing/2014/main" id="{D46BB707-9066-6741-BDFC-85E0C1A41E22}"/>
+              </a:ext>
+            </a:extLst>
+          </p:cNvPr>
+          <p:cNvPicPr>
+            <a:picLocks noChangeAspect="1"/>
+          </p:cNvPicPr>
+          <p:nvPr/>
+        </p:nvPicPr>
+        <p:blipFill>
+          <a:blip r:embed="rId2"/>
+          <a:stretch>
+            <a:fillRect/>
+          </a:stretch>
+        </p:blipFill>
+        <p:spPr>
+          <a:xfrm>
+            <a:off x="6343100" y="1753815"/>
+            <a:ext cx="2489200" cy="3035300"/>
+          </a:xfrm>
+          <a:prstGeom prst="rect">
+            <a:avLst/>
+          </a:prstGeom>
+        </p:spPr>
+      </p:pic>
+    </p:spTree>
+    <p:extLst>
+      <p:ext uri="{BB962C8B-B14F-4D97-AF65-F5344CB8AC3E}">
+        <p14:creationId xmlns:p14="http://schemas.microsoft.com/office/powerpoint/2010/main" val="3077731116"/>
+      </p:ext>
+    </p:extLst>
+  </p:cSld>
+  <p:clrMapOvr>
+    <a:masterClrMapping/>
+  </p:clrMapOvr>
+</p:sld>
+</file>
+
+<file path=ppt/slides/slide14.xml><?xml version="1.0" encoding="utf-8"?>
+<p:sld xmlns:a="http://schemas.openxmlformats.org/drawingml/2006/main" xmlns:r="http://schemas.openxmlformats.org/officeDocument/2006/relationships" xmlns:p="http://schemas.openxmlformats.org/presentationml/2006/main">
+  <p:cSld>
+    <p:spTree>
+      <p:nvGrpSpPr>
+        <p:cNvPr id="1" name=""/>
+        <p:cNvGrpSpPr/>
+        <p:nvPr/>
+      </p:nvGrpSpPr>
+      <p:grpSpPr>
+        <a:xfrm>
+          <a:off x="0" y="0"/>
+          <a:ext cx="0" cy="0"/>
+          <a:chOff x="0" y="0"/>
+          <a:chExt cx="0" cy="0"/>
+        </a:xfrm>
+      </p:grpSpPr>
+      <p:sp>
+        <p:nvSpPr>
+          <p:cNvPr id="2" name="Title 1">
+            <a:extLst>
+              <a:ext uri="{FF2B5EF4-FFF2-40B4-BE49-F238E27FC236}">
+                <a16:creationId xmlns:a16="http://schemas.microsoft.com/office/drawing/2014/main" id="{11C8A24B-A625-1740-9B1C-E0EFBCBEF023}"/>
+              </a:ext>
+            </a:extLst>
+          </p:cNvPr>
+          <p:cNvSpPr>
+            <a:spLocks noGrp="1"/>
+          </p:cNvSpPr>
+          <p:nvPr>
+            <p:ph type="title"/>
+          </p:nvPr>
+        </p:nvSpPr>
+        <p:spPr/>
+        <p:txBody>
+          <a:bodyPr/>
+          <a:lstStyle/>
+          <a:p>
+            <a:r>
+              <a:rPr lang="en-IL" dirty="0"/>
+              <a:t>Invoke Python models using HTTP</a:t>
+            </a:r>
+            <a:br>
+              <a:rPr lang="en-IL" dirty="0"/>
+            </a:br>
+            <a:endParaRPr lang="en-IL" dirty="0"/>
+          </a:p>
+        </p:txBody>
+      </p:sp>
+      <p:sp>
+        <p:nvSpPr>
+          <p:cNvPr id="3" name="Text Placeholder 2">
+            <a:extLst>
+              <a:ext uri="{FF2B5EF4-FFF2-40B4-BE49-F238E27FC236}">
+                <a16:creationId xmlns:a16="http://schemas.microsoft.com/office/drawing/2014/main" id="{21152E36-423D-4340-8443-7CF0E52594F5}"/>
+              </a:ext>
+            </a:extLst>
+          </p:cNvPr>
+          <p:cNvSpPr>
+            <a:spLocks noGrp="1"/>
+          </p:cNvSpPr>
+          <p:nvPr>
+            <p:ph type="body" idx="1"/>
+          </p:nvPr>
+        </p:nvSpPr>
+        <p:spPr/>
+        <p:txBody>
+          <a:bodyPr/>
+          <a:lstStyle/>
+          <a:p>
+            <a:r>
+              <a:rPr lang="en-US" dirty="0"/>
+              <a:t>M</a:t>
+            </a:r>
+            <a:r>
+              <a:rPr lang="en-IL" dirty="0"/>
+              <a:t>odel is running as a service on different machine</a:t>
+            </a:r>
+          </a:p>
+          <a:p>
+            <a:endParaRPr lang="en-IL" dirty="0"/>
+          </a:p>
+        </p:txBody>
+      </p:sp>
+      <p:pic>
+        <p:nvPicPr>
+          <p:cNvPr id="5" name="Picture 4" descr="Diagram&#10;&#10;Description automatically generated">
+            <a:extLst>
+              <a:ext uri="{FF2B5EF4-FFF2-40B4-BE49-F238E27FC236}">
+                <a16:creationId xmlns:a16="http://schemas.microsoft.com/office/drawing/2014/main" id="{15BC85C2-905F-1141-8487-7E5EAD6695BF}"/>
+              </a:ext>
+            </a:extLst>
+          </p:cNvPr>
+          <p:cNvPicPr>
+            <a:picLocks noChangeAspect="1"/>
+          </p:cNvPicPr>
+          <p:nvPr/>
+        </p:nvPicPr>
+        <p:blipFill>
+          <a:blip r:embed="rId2"/>
+          <a:stretch>
+            <a:fillRect/>
+          </a:stretch>
+        </p:blipFill>
+        <p:spPr>
+          <a:xfrm>
+            <a:off x="270063" y="2098620"/>
+            <a:ext cx="8562237" cy="2322305"/>
+          </a:xfrm>
+          <a:prstGeom prst="rect">
+            <a:avLst/>
+          </a:prstGeom>
+        </p:spPr>
+      </p:pic>
+    </p:spTree>
+    <p:extLst>
+      <p:ext uri="{BB962C8B-B14F-4D97-AF65-F5344CB8AC3E}">
+        <p14:creationId xmlns:p14="http://schemas.microsoft.com/office/powerpoint/2010/main" val="1071828744"/>
+      </p:ext>
+    </p:extLst>
+  </p:cSld>
+  <p:clrMapOvr>
+    <a:masterClrMapping/>
+  </p:clrMapOvr>
+</p:sld>
+</file>
+
+<file path=ppt/slides/slide15.xml><?xml version="1.0" encoding="utf-8"?>
+<p:sld xmlns:a="http://schemas.openxmlformats.org/drawingml/2006/main" xmlns:r="http://schemas.openxmlformats.org/officeDocument/2006/relationships" xmlns:p="http://schemas.openxmlformats.org/presentationml/2006/main">
+  <p:cSld>
+    <p:spTree>
+      <p:nvGrpSpPr>
+        <p:cNvPr id="1" name=""/>
+        <p:cNvGrpSpPr/>
+        <p:nvPr/>
+      </p:nvGrpSpPr>
+      <p:grpSpPr>
+        <a:xfrm>
+          <a:off x="0" y="0"/>
+          <a:ext cx="0" cy="0"/>
+          <a:chOff x="0" y="0"/>
+          <a:chExt cx="0" cy="0"/>
+        </a:xfrm>
+      </p:grpSpPr>
+      <p:sp>
+        <p:nvSpPr>
+          <p:cNvPr id="2" name="Title 1">
+            <a:extLst>
+              <a:ext uri="{FF2B5EF4-FFF2-40B4-BE49-F238E27FC236}">
+                <a16:creationId xmlns:a16="http://schemas.microsoft.com/office/drawing/2014/main" id="{AE59A861-01AE-104E-A70A-4C896C90CC6C}"/>
+              </a:ext>
+            </a:extLst>
+          </p:cNvPr>
+          <p:cNvSpPr>
+            <a:spLocks noGrp="1"/>
+          </p:cNvSpPr>
+          <p:nvPr>
+            <p:ph type="title"/>
+          </p:nvPr>
+        </p:nvSpPr>
+        <p:spPr/>
+        <p:txBody>
+          <a:bodyPr/>
+          <a:lstStyle/>
+          <a:p>
+            <a:r>
+              <a:rPr lang="en-IL" dirty="0"/>
+              <a:t>Go bindings of TensorFlow</a:t>
+            </a:r>
+          </a:p>
+        </p:txBody>
+      </p:sp>
+      <p:sp>
+        <p:nvSpPr>
+          <p:cNvPr id="3" name="Text Placeholder 2">
+            <a:extLst>
+              <a:ext uri="{FF2B5EF4-FFF2-40B4-BE49-F238E27FC236}">
+                <a16:creationId xmlns:a16="http://schemas.microsoft.com/office/drawing/2014/main" id="{B3E04111-A69F-E447-A91D-5DAC7E78B14A}"/>
+              </a:ext>
+            </a:extLst>
+          </p:cNvPr>
+          <p:cNvSpPr>
+            <a:spLocks noGrp="1"/>
+          </p:cNvSpPr>
+          <p:nvPr>
+            <p:ph type="body" idx="1"/>
+          </p:nvPr>
+        </p:nvSpPr>
+        <p:spPr/>
+        <p:txBody>
+          <a:bodyPr/>
+          <a:lstStyle/>
+          <a:p>
+            <a:r>
+              <a:rPr lang="en-IL" dirty="0"/>
+              <a:t>Install TensorFlow as a docker</a:t>
+            </a:r>
+          </a:p>
+          <a:p>
+            <a:r>
+              <a:rPr lang="en-US" dirty="0"/>
+              <a:t>I</a:t>
+            </a:r>
+            <a:r>
+              <a:rPr lang="en-IL" dirty="0"/>
+              <a:t>mport pre-trained TensorFlow model</a:t>
+            </a:r>
+          </a:p>
+          <a:p>
+            <a:pPr marL="596900" lvl="1" indent="0">
+              <a:buNone/>
+            </a:pPr>
+            <a:r>
+              <a:rPr lang="en-US" dirty="0" err="1"/>
+              <a:t>savedModel</a:t>
+            </a:r>
+            <a:r>
+              <a:rPr lang="en-US" dirty="0"/>
+              <a:t>, err := </a:t>
+            </a:r>
+            <a:r>
+              <a:rPr lang="en-US" dirty="0" err="1"/>
+              <a:t>tf.LoadSavedModel</a:t>
+            </a:r>
+            <a:r>
+              <a:rPr lang="en-US" dirty="0"/>
+              <a:t>("./</a:t>
+            </a:r>
+            <a:r>
+              <a:rPr lang="en-US" dirty="0" err="1"/>
+              <a:t>saved_model</a:t>
+            </a:r>
+            <a:r>
+              <a:rPr lang="en-US" dirty="0"/>
+              <a:t>", []string{"serve"}, nil)</a:t>
+            </a:r>
+          </a:p>
+          <a:p>
+            <a:pPr marL="596900" lvl="1" indent="0">
+              <a:buNone/>
+            </a:pPr>
+            <a:r>
+              <a:rPr lang="en-US" dirty="0"/>
+              <a:t>if err != nil {</a:t>
+            </a:r>
+          </a:p>
+          <a:p>
+            <a:pPr marL="596900" lvl="1" indent="0">
+              <a:buNone/>
+            </a:pPr>
+            <a:r>
+              <a:rPr lang="en-US" dirty="0"/>
+              <a:t>    </a:t>
+            </a:r>
+            <a:r>
+              <a:rPr lang="en-US" dirty="0" err="1"/>
+              <a:t>log.Fatalf</a:t>
+            </a:r>
+            <a:r>
+              <a:rPr lang="en-US" dirty="0"/>
+              <a:t>("failed to load model: %v", err)</a:t>
+            </a:r>
+          </a:p>
+          <a:p>
+            <a:pPr marL="596900" lvl="1" indent="0">
+              <a:buNone/>
+            </a:pPr>
+            <a:r>
+              <a:rPr lang="en-US" dirty="0"/>
+              <a:t>}</a:t>
+            </a:r>
+          </a:p>
+          <a:p>
+            <a:endParaRPr lang="en-IL" dirty="0"/>
+          </a:p>
+        </p:txBody>
+      </p:sp>
+    </p:spTree>
+    <p:extLst>
+      <p:ext uri="{BB962C8B-B14F-4D97-AF65-F5344CB8AC3E}">
+        <p14:creationId xmlns:p14="http://schemas.microsoft.com/office/powerpoint/2010/main" val="2777667886"/>
+      </p:ext>
+    </p:extLst>
+  </p:cSld>
+  <p:clrMapOvr>
+    <a:masterClrMapping/>
+  </p:clrMapOvr>
+</p:sld>
+</file>
+
+<file path=ppt/slides/slide16.xml><?xml version="1.0" encoding="utf-8"?>
+<p:sld xmlns:a="http://schemas.openxmlformats.org/drawingml/2006/main" xmlns:r="http://schemas.openxmlformats.org/officeDocument/2006/relationships" xmlns:p="http://schemas.openxmlformats.org/presentationml/2006/main">
+  <p:cSld>
+    <p:spTree>
+      <p:nvGrpSpPr>
+        <p:cNvPr id="1" name=""/>
+        <p:cNvGrpSpPr/>
+        <p:nvPr/>
+      </p:nvGrpSpPr>
+      <p:grpSpPr>
+        <a:xfrm>
+          <a:off x="0" y="0"/>
+          <a:ext cx="0" cy="0"/>
+          <a:chOff x="0" y="0"/>
+          <a:chExt cx="0" cy="0"/>
+        </a:xfrm>
+      </p:grpSpPr>
+      <p:sp>
+        <p:nvSpPr>
+          <p:cNvPr id="2" name="Title 1">
+            <a:extLst>
+              <a:ext uri="{FF2B5EF4-FFF2-40B4-BE49-F238E27FC236}">
+                <a16:creationId xmlns:a16="http://schemas.microsoft.com/office/drawing/2014/main" id="{4E0EA8F0-82A9-4A47-964A-D5176D00FB23}"/>
+              </a:ext>
+            </a:extLst>
+          </p:cNvPr>
+          <p:cNvSpPr>
+            <a:spLocks noGrp="1"/>
+          </p:cNvSpPr>
+          <p:nvPr>
+            <p:ph type="title"/>
+          </p:nvPr>
+        </p:nvSpPr>
+        <p:spPr/>
+        <p:txBody>
+          <a:bodyPr/>
+          <a:lstStyle/>
+          <a:p>
+            <a:r>
+              <a:rPr lang="en-IL" dirty="0"/>
+              <a:t>Deployment</a:t>
+            </a:r>
+          </a:p>
+        </p:txBody>
+      </p:sp>
+      <p:sp>
+        <p:nvSpPr>
+          <p:cNvPr id="3" name="Text Placeholder 2">
+            <a:extLst>
+              <a:ext uri="{FF2B5EF4-FFF2-40B4-BE49-F238E27FC236}">
+                <a16:creationId xmlns:a16="http://schemas.microsoft.com/office/drawing/2014/main" id="{F27E811E-384D-FC4B-BB65-7AEC5916BC6E}"/>
+              </a:ext>
+            </a:extLst>
+          </p:cNvPr>
+          <p:cNvSpPr>
+            <a:spLocks noGrp="1"/>
+          </p:cNvSpPr>
+          <p:nvPr>
+            <p:ph type="body" idx="1"/>
+          </p:nvPr>
+        </p:nvSpPr>
+        <p:spPr/>
+        <p:txBody>
+          <a:bodyPr/>
+          <a:lstStyle/>
+          <a:p>
+            <a:endParaRPr lang="en-IL"/>
+          </a:p>
+        </p:txBody>
+      </p:sp>
+    </p:spTree>
+    <p:extLst>
+      <p:ext uri="{BB962C8B-B14F-4D97-AF65-F5344CB8AC3E}">
+        <p14:creationId xmlns:p14="http://schemas.microsoft.com/office/powerpoint/2010/main" val="2587434354"/>
+      </p:ext>
+    </p:extLst>
+  </p:cSld>
+  <p:clrMapOvr>
+    <a:masterClrMapping/>
+  </p:clrMapOvr>
+</p:sld>
+</file>
+
+<file path=ppt/slides/slide17.xml><?xml version="1.0" encoding="utf-8"?>
+<p:sld xmlns:a="http://schemas.openxmlformats.org/drawingml/2006/main" xmlns:r="http://schemas.openxmlformats.org/officeDocument/2006/relationships" xmlns:p="http://schemas.openxmlformats.org/presentationml/2006/main">
+  <p:cSld>
+    <p:spTree>
+      <p:nvGrpSpPr>
+        <p:cNvPr id="1" name=""/>
+        <p:cNvGrpSpPr/>
+        <p:nvPr/>
+      </p:nvGrpSpPr>
+      <p:grpSpPr>
+        <a:xfrm>
+          <a:off x="0" y="0"/>
+          <a:ext cx="0" cy="0"/>
+          <a:chOff x="0" y="0"/>
+          <a:chExt cx="0" cy="0"/>
+        </a:xfrm>
+      </p:grpSpPr>
+      <p:sp>
+        <p:nvSpPr>
+          <p:cNvPr id="2" name="Title 1">
+            <a:extLst>
+              <a:ext uri="{FF2B5EF4-FFF2-40B4-BE49-F238E27FC236}">
+                <a16:creationId xmlns:a16="http://schemas.microsoft.com/office/drawing/2014/main" id="{462AA118-9506-4E4E-BC8A-6D1F00FBAAFB}"/>
+              </a:ext>
+            </a:extLst>
+          </p:cNvPr>
+          <p:cNvSpPr>
+            <a:spLocks noGrp="1"/>
+          </p:cNvSpPr>
+          <p:nvPr>
+            <p:ph type="title"/>
+          </p:nvPr>
+        </p:nvSpPr>
+        <p:spPr/>
+        <p:txBody>
+          <a:bodyPr/>
+          <a:lstStyle/>
+          <a:p>
+            <a:r>
+              <a:rPr lang="en-IL" dirty="0"/>
+              <a:t>When and where to use ML</a:t>
+            </a:r>
+          </a:p>
+        </p:txBody>
+      </p:sp>
+      <p:sp>
+        <p:nvSpPr>
+          <p:cNvPr id="3" name="Text Placeholder 2">
+            <a:extLst>
+              <a:ext uri="{FF2B5EF4-FFF2-40B4-BE49-F238E27FC236}">
+                <a16:creationId xmlns:a16="http://schemas.microsoft.com/office/drawing/2014/main" id="{9C0503C4-8502-8249-B262-735C758E3CB6}"/>
+              </a:ext>
+            </a:extLst>
+          </p:cNvPr>
+          <p:cNvSpPr>
+            <a:spLocks noGrp="1"/>
+          </p:cNvSpPr>
+          <p:nvPr>
+            <p:ph type="body" idx="1"/>
+          </p:nvPr>
+        </p:nvSpPr>
+        <p:spPr/>
+        <p:txBody>
+          <a:bodyPr/>
+          <a:lstStyle/>
+          <a:p>
+            <a:r>
+              <a:rPr lang="en-US" dirty="0"/>
+              <a:t>T</a:t>
+            </a:r>
+            <a:r>
+              <a:rPr lang="en-IL" dirty="0"/>
+              <a:t>ypical stages in ML project</a:t>
+            </a:r>
+          </a:p>
+          <a:p>
+            <a:endParaRPr lang="en-IL" dirty="0"/>
+          </a:p>
+        </p:txBody>
+      </p:sp>
+    </p:spTree>
+    <p:extLst>
+      <p:ext uri="{BB962C8B-B14F-4D97-AF65-F5344CB8AC3E}">
+        <p14:creationId xmlns:p14="http://schemas.microsoft.com/office/powerpoint/2010/main" val="2959360826"/>
+      </p:ext>
+    </p:extLst>
+  </p:cSld>
+  <p:clrMapOvr>
+    <a:masterClrMapping/>
+  </p:clrMapOvr>
+</p:sld>
+</file>
+
+<file path=ppt/slides/slide18.xml><?xml version="1.0" encoding="utf-8"?>
+<p:sld xmlns:a="http://schemas.openxmlformats.org/drawingml/2006/main" xmlns:r="http://schemas.openxmlformats.org/officeDocument/2006/relationships" xmlns:p="http://schemas.openxmlformats.org/presentationml/2006/main">
+  <p:cSld>
+    <p:spTree>
+      <p:nvGrpSpPr>
+        <p:cNvPr id="1" name=""/>
+        <p:cNvGrpSpPr/>
+        <p:nvPr/>
+      </p:nvGrpSpPr>
+      <p:grpSpPr>
+        <a:xfrm>
+          <a:off x="0" y="0"/>
+          <a:ext cx="0" cy="0"/>
+          <a:chOff x="0" y="0"/>
+          <a:chExt cx="0" cy="0"/>
+        </a:xfrm>
+      </p:grpSpPr>
+      <p:sp>
+        <p:nvSpPr>
+          <p:cNvPr id="2" name="Title 1">
+            <a:extLst>
+              <a:ext uri="{FF2B5EF4-FFF2-40B4-BE49-F238E27FC236}">
+                <a16:creationId xmlns:a16="http://schemas.microsoft.com/office/drawing/2014/main" id="{BAB2B76C-6B16-334C-9804-A495D633A31D}"/>
+              </a:ext>
+            </a:extLst>
+          </p:cNvPr>
+          <p:cNvSpPr>
+            <a:spLocks noGrp="1"/>
+          </p:cNvSpPr>
+          <p:nvPr>
+            <p:ph type="title"/>
+          </p:nvPr>
+        </p:nvSpPr>
+        <p:spPr/>
+        <p:txBody>
+          <a:bodyPr/>
+          <a:lstStyle/>
+          <a:p>
+            <a:r>
+              <a:rPr lang="en-IL" dirty="0"/>
+              <a:t>Pure Go ML frameworks</a:t>
+            </a:r>
+          </a:p>
+        </p:txBody>
+      </p:sp>
+      <p:sp>
+        <p:nvSpPr>
+          <p:cNvPr id="3" name="Text Placeholder 2">
+            <a:extLst>
+              <a:ext uri="{FF2B5EF4-FFF2-40B4-BE49-F238E27FC236}">
+                <a16:creationId xmlns:a16="http://schemas.microsoft.com/office/drawing/2014/main" id="{70BBB51E-5D30-9B48-80B3-210131DA8C43}"/>
+              </a:ext>
+            </a:extLst>
+          </p:cNvPr>
+          <p:cNvSpPr>
+            <a:spLocks noGrp="1"/>
+          </p:cNvSpPr>
+          <p:nvPr>
+            <p:ph type="body" idx="1"/>
+          </p:nvPr>
+        </p:nvSpPr>
+        <p:spPr/>
+        <p:txBody>
+          <a:bodyPr/>
+          <a:lstStyle/>
+          <a:p>
+            <a:r>
+              <a:rPr lang="en-IL" dirty="0"/>
+              <a:t>Gorgonia – DL</a:t>
+            </a:r>
+          </a:p>
+          <a:p>
+            <a:r>
+              <a:rPr lang="en-IL"/>
+              <a:t>Prose - NLP</a:t>
+            </a:r>
+          </a:p>
+          <a:p>
+            <a:endParaRPr lang="en-IL" dirty="0"/>
+          </a:p>
+          <a:p>
+            <a:endParaRPr lang="en-IL" dirty="0"/>
+          </a:p>
+        </p:txBody>
+      </p:sp>
+    </p:spTree>
+    <p:extLst>
+      <p:ext uri="{BB962C8B-B14F-4D97-AF65-F5344CB8AC3E}">
+        <p14:creationId xmlns:p14="http://schemas.microsoft.com/office/powerpoint/2010/main" val="1986779953"/>
+      </p:ext>
+    </p:extLst>
+  </p:cSld>
+  <p:clrMapOvr>
+    <a:masterClrMapping/>
+  </p:clrMapOvr>
+</p:sld>
+</file>
+
+<file path=ppt/slides/slide19.xml><?xml version="1.0" encoding="utf-8"?>
+<p:sld xmlns:a="http://schemas.openxmlformats.org/drawingml/2006/main" xmlns:r="http://schemas.openxmlformats.org/officeDocument/2006/relationships" xmlns:p="http://schemas.openxmlformats.org/presentationml/2006/main">
+  <p:cSld>
+    <p:spTree>
+      <p:nvGrpSpPr>
+        <p:cNvPr id="1" name="Shape 89"/>
+        <p:cNvGrpSpPr/>
+        <p:nvPr/>
+      </p:nvGrpSpPr>
+      <p:grpSpPr>
+        <a:xfrm>
+          <a:off x="0" y="0"/>
+          <a:ext cx="0" cy="0"/>
+          <a:chOff x="0" y="0"/>
+          <a:chExt cx="0" cy="0"/>
+        </a:xfrm>
+      </p:grpSpPr>
+      <p:sp>
+        <p:nvSpPr>
+          <p:cNvPr id="90" name="Google Shape;90;p19"/>
+          <p:cNvSpPr txBox="1">
+            <a:spLocks noGrp="1"/>
+          </p:cNvSpPr>
+          <p:nvPr>
+            <p:ph type="title"/>
+          </p:nvPr>
+        </p:nvSpPr>
+        <p:spPr>
+          <a:xfrm>
+            <a:off x="311700" y="445025"/>
+            <a:ext cx="8520600" cy="572700"/>
+          </a:xfrm>
+          <a:prstGeom prst="rect">
+            <a:avLst/>
+          </a:prstGeom>
+        </p:spPr>
+        <p:txBody>
+          <a:bodyPr spcFirstLastPara="1" wrap="square" lIns="91425" tIns="91425" rIns="91425" bIns="91425" anchor="t" anchorCtr="0">
+            <a:noAutofit/>
+          </a:bodyPr>
+          <a:lstStyle/>
+          <a:p>
+            <a:pPr marL="0" lvl="0" indent="0" algn="l" rtl="0">
+              <a:spcBef>
+                <a:spcPts val="0"/>
+              </a:spcBef>
+              <a:spcAft>
+                <a:spcPts val="0"/>
+              </a:spcAft>
+              <a:buNone/>
+            </a:pPr>
+            <a:r>
+              <a:rPr lang="en"/>
+              <a:t>References</a:t>
+            </a:r>
+            <a:endParaRPr/>
+          </a:p>
+        </p:txBody>
+      </p:sp>
+      <p:sp>
+        <p:nvSpPr>
+          <p:cNvPr id="91" name="Google Shape;91;p19"/>
+          <p:cNvSpPr txBox="1">
+            <a:spLocks noGrp="1"/>
+          </p:cNvSpPr>
+          <p:nvPr>
+            <p:ph type="body" idx="1"/>
+          </p:nvPr>
+        </p:nvSpPr>
+        <p:spPr>
+          <a:xfrm>
+            <a:off x="311700" y="1152475"/>
+            <a:ext cx="8520600" cy="3416400"/>
+          </a:xfrm>
+          <a:prstGeom prst="rect">
+            <a:avLst/>
+          </a:prstGeom>
+        </p:spPr>
+        <p:txBody>
+          <a:bodyPr spcFirstLastPara="1" wrap="square" lIns="91425" tIns="91425" rIns="91425" bIns="91425" anchor="t" anchorCtr="0">
+            <a:noAutofit/>
+          </a:bodyPr>
+          <a:lstStyle/>
+          <a:p>
+            <a:pPr marL="457200" lvl="0" indent="-342900" algn="l" rtl="0">
+              <a:spcBef>
+                <a:spcPts val="0"/>
+              </a:spcBef>
+              <a:spcAft>
+                <a:spcPts val="0"/>
+              </a:spcAft>
+              <a:buSzPts val="1800"/>
+              <a:buAutoNum type="arabicPeriod"/>
+            </a:pPr>
+            <a:r>
+              <a:rPr lang="en" i="1"/>
+              <a:t>Michael Bironneau, Toby Coleman</a:t>
+            </a:r>
+            <a:r>
+              <a:rPr lang="en"/>
+              <a:t>, </a:t>
+            </a:r>
+            <a:r>
+              <a:rPr lang="en" b="1"/>
+              <a:t>Machine Learning with Go Quick Start Guide</a:t>
+            </a:r>
+            <a:r>
+              <a:rPr lang="en"/>
+              <a:t>, Packt Publishing, 2019</a:t>
+            </a:r>
+            <a:endParaRPr/>
+          </a:p>
+          <a:p>
+            <a:pPr marL="457200" lvl="0" indent="-342900" algn="l" rtl="0">
+              <a:spcBef>
+                <a:spcPts val="0"/>
+              </a:spcBef>
+              <a:spcAft>
+                <a:spcPts val="0"/>
+              </a:spcAft>
+              <a:buSzPts val="1800"/>
+              <a:buAutoNum type="arabicPeriod"/>
+            </a:pPr>
+            <a:r>
+              <a:rPr lang="en" u="sng">
+                <a:solidFill>
+                  <a:schemeClr val="hlink"/>
+                </a:solidFill>
+                <a:hlinkClick r:id="rId3"/>
+              </a:rPr>
+              <a:t>https://tech.travelaudience.com/training-tensorflow-models-in-python-and-serving-with-go-1b2a9386b0ff</a:t>
+            </a:r>
+            <a:endParaRPr/>
+          </a:p>
+          <a:p>
+            <a:pPr marL="457200" lvl="0" indent="-342900" algn="l" rtl="0">
+              <a:spcBef>
+                <a:spcPts val="0"/>
+              </a:spcBef>
+              <a:spcAft>
+                <a:spcPts val="0"/>
+              </a:spcAft>
+              <a:buSzPts val="1800"/>
+              <a:buAutoNum type="arabicPeriod"/>
+            </a:pPr>
+            <a:r>
+              <a:rPr lang="en" u="sng">
+                <a:solidFill>
+                  <a:schemeClr val="hlink"/>
+                </a:solidFill>
+                <a:hlinkClick r:id="rId4"/>
+              </a:rPr>
+              <a:t>https://towardsdatascience.com/why-we-deploy-machine-learning-models-with-go-not-python-a4e35ec16deb</a:t>
+            </a:r>
+            <a:endParaRPr/>
+          </a:p>
+          <a:p>
+            <a:pPr marL="457200" lvl="0" indent="-342900" algn="l" rtl="0">
+              <a:spcBef>
+                <a:spcPts val="0"/>
+              </a:spcBef>
+              <a:spcAft>
+                <a:spcPts val="0"/>
+              </a:spcAft>
+              <a:buSzPts val="1800"/>
+              <a:buAutoNum type="arabicPeriod"/>
+            </a:pPr>
+            <a:r>
+              <a:rPr lang="en" u="sng">
+                <a:solidFill>
+                  <a:schemeClr val="hlink"/>
+                </a:solidFill>
+                <a:hlinkClick r:id="rId5"/>
+              </a:rPr>
+              <a:t>https://github.com/gorgonia/gorgonia</a:t>
+            </a:r>
+            <a:endParaRPr/>
+          </a:p>
+          <a:p>
+            <a:pPr marL="457200" lvl="0" indent="-342900" algn="l" rtl="0">
+              <a:spcBef>
+                <a:spcPts val="0"/>
+              </a:spcBef>
+              <a:spcAft>
+                <a:spcPts val="0"/>
+              </a:spcAft>
+              <a:buSzPts val="1800"/>
+              <a:buAutoNum type="arabicPeriod"/>
+            </a:pPr>
+            <a:r>
+              <a:rPr lang="en" u="sng">
+                <a:solidFill>
+                  <a:schemeClr val="hlink"/>
+                </a:solidFill>
+                <a:hlinkClick r:id="rId6"/>
+              </a:rPr>
+              <a:t>https://github.com/jdkato/prose</a:t>
+            </a:r>
+            <a:r>
+              <a:rPr lang="en"/>
+              <a:t> </a:t>
             </a:r>
             <a:endParaRPr/>
           </a:p>
@@ -6149,11 +7679,11 @@
 </file>
 
 <file path=ppt/slides/slide2.xml><?xml version="1.0" encoding="utf-8"?>
-<p:sld xmlns:a="http://schemas.openxmlformats.org/drawingml/2006/main" xmlns:r="http://schemas.openxmlformats.org/officeDocument/2006/relationships" xmlns:mc="http://schemas.openxmlformats.org/markup-compatibility/2006" xmlns:mv="urn:schemas-microsoft-com:mac:vml" xmlns:p="http://schemas.openxmlformats.org/presentationml/2006/main" xmlns:c="http://schemas.openxmlformats.org/drawingml/2006/chart" xmlns:dgm="http://schemas.openxmlformats.org/drawingml/2006/diagram" xmlns:o="urn:schemas-microsoft-com:office:office" xmlns:v="urn:schemas-microsoft-com:vml" xmlns:pvml="urn:schemas-microsoft-com:office:powerpoint" xmlns:com="http://schemas.openxmlformats.org/drawingml/2006/compatibility" xmlns:p14="http://schemas.microsoft.com/office/powerpoint/2010/main" xmlns:p15="http://schemas.microsoft.com/office/powerpoint/2012/main" xmlns:ahyp="http://schemas.microsoft.com/office/drawing/2018/hyperlinkcolor">
+<p:sld xmlns:a="http://schemas.openxmlformats.org/drawingml/2006/main" xmlns:r="http://schemas.openxmlformats.org/officeDocument/2006/relationships" xmlns:p="http://schemas.openxmlformats.org/presentationml/2006/main">
   <p:cSld>
     <p:spTree>
       <p:nvGrpSpPr>
-        <p:cNvPr id="59" name="Shape 59"/>
+        <p:cNvPr id="1" name="Shape 59"/>
         <p:cNvGrpSpPr/>
         <p:nvPr/>
       </p:nvGrpSpPr>
@@ -6168,7 +7698,9 @@
       <p:sp>
         <p:nvSpPr>
           <p:cNvPr id="60" name="Google Shape;60;p14"/>
-          <p:cNvSpPr txBox="1"/>
+          <p:cNvSpPr txBox="1">
+            <a:spLocks noGrp="1"/>
+          </p:cNvSpPr>
           <p:nvPr>
             <p:ph type="title"/>
           </p:nvPr>
@@ -6183,12 +7715,12 @@
           </a:prstGeom>
         </p:spPr>
         <p:txBody>
-          <a:bodyPr anchorCtr="0" anchor="t" bIns="91425" lIns="91425" spcFirstLastPara="1" rIns="91425" wrap="square" tIns="91425">
+          <a:bodyPr spcFirstLastPara="1" wrap="square" lIns="91425" tIns="91425" rIns="91425" bIns="91425" anchor="t" anchorCtr="0">
             <a:noAutofit/>
           </a:bodyPr>
           <a:lstStyle/>
           <a:p>
-            <a:pPr indent="0" lvl="0" marL="0" rtl="0" algn="l">
+            <a:pPr marL="0" lvl="0" indent="0" algn="l" rtl="0">
               <a:spcBef>
                 <a:spcPts val="0"/>
               </a:spcBef>
@@ -6208,9 +7740,11 @@
       <p:sp>
         <p:nvSpPr>
           <p:cNvPr id="61" name="Google Shape;61;p14"/>
-          <p:cNvSpPr txBox="1"/>
+          <p:cNvSpPr txBox="1">
+            <a:spLocks noGrp="1"/>
+          </p:cNvSpPr>
           <p:nvPr>
-            <p:ph idx="1" type="body"/>
+            <p:ph type="body" idx="1"/>
           </p:nvPr>
         </p:nvSpPr>
         <p:spPr>
@@ -6223,12 +7757,12 @@
           </a:prstGeom>
         </p:spPr>
         <p:txBody>
-          <a:bodyPr anchorCtr="0" anchor="t" bIns="91425" lIns="91425" spcFirstLastPara="1" rIns="91425" wrap="square" tIns="91425">
+          <a:bodyPr spcFirstLastPara="1" wrap="square" lIns="91425" tIns="91425" rIns="91425" bIns="91425" anchor="t" anchorCtr="0">
             <a:noAutofit/>
           </a:bodyPr>
           <a:lstStyle/>
           <a:p>
-            <a:pPr indent="-342900" lvl="0" marL="457200" rtl="0" algn="l">
+            <a:pPr marL="457200" lvl="0" indent="-342900" algn="l" rtl="0">
               <a:spcBef>
                 <a:spcPts val="0"/>
               </a:spcBef>
@@ -6239,17 +7773,13 @@
               <a:buChar char="●"/>
             </a:pPr>
             <a:r>
-              <a:rPr lang="en"/>
-              <a:t>Why ML in Go? </a:t>
-            </a:r>
-            <a:r>
-              <a:rPr lang="en"/>
-              <a:t>Use cases for programming ML/DL with Go; pros and cons</a:t>
-            </a:r>
-            <a:endParaRPr/>
-          </a:p>
-          <a:p>
-            <a:pPr indent="-342900" lvl="0" marL="457200" rtl="0" algn="l">
+              <a:rPr lang="en" dirty="0"/>
+              <a:t>Why ML in Go? Use cases for programming ML/DL with Go; pros and cons</a:t>
+            </a:r>
+            <a:endParaRPr dirty="0"/>
+          </a:p>
+          <a:p>
+            <a:pPr marL="457200" lvl="0" indent="-342900" algn="l" rtl="0">
               <a:spcBef>
                 <a:spcPts val="0"/>
               </a:spcBef>
@@ -6260,13 +7790,13 @@
               <a:buChar char="●"/>
             </a:pPr>
             <a:r>
-              <a:rPr lang="en"/>
+              <a:rPr lang="en" dirty="0"/>
               <a:t>Go ML environment</a:t>
             </a:r>
-            <a:endParaRPr/>
-          </a:p>
-          <a:p>
-            <a:pPr indent="-342900" lvl="0" marL="457200" rtl="0" algn="l">
+            <a:endParaRPr dirty="0"/>
+          </a:p>
+          <a:p>
+            <a:pPr marL="457200" lvl="0" indent="-342900" algn="l" rtl="0">
               <a:spcBef>
                 <a:spcPts val="0"/>
               </a:spcBef>
@@ -6277,13 +7807,17 @@
               <a:buChar char="●"/>
             </a:pPr>
             <a:r>
-              <a:rPr lang="en"/>
-              <a:t>Data Wrangling Library gota</a:t>
-            </a:r>
-            <a:endParaRPr/>
-          </a:p>
-          <a:p>
-            <a:pPr indent="-342900" lvl="0" marL="457200" rtl="0" algn="l">
+              <a:rPr lang="en" dirty="0"/>
+              <a:t>Data Wrangling Library </a:t>
+            </a:r>
+            <a:r>
+              <a:rPr lang="en" dirty="0" err="1"/>
+              <a:t>gota</a:t>
+            </a:r>
+            <a:endParaRPr dirty="0"/>
+          </a:p>
+          <a:p>
+            <a:pPr marL="457200" lvl="0" indent="-342900" algn="l" rtl="0">
               <a:spcBef>
                 <a:spcPts val="0"/>
               </a:spcBef>
@@ -6294,13 +7828,17 @@
               <a:buChar char="●"/>
             </a:pPr>
             <a:r>
-              <a:rPr lang="en"/>
-              <a:t>Scientific Library gonum</a:t>
-            </a:r>
-            <a:endParaRPr/>
-          </a:p>
-          <a:p>
-            <a:pPr indent="-342900" lvl="0" marL="457200" rtl="0" algn="l">
+              <a:rPr lang="en" dirty="0"/>
+              <a:t>Scientific Library </a:t>
+            </a:r>
+            <a:r>
+              <a:rPr lang="en" dirty="0" err="1"/>
+              <a:t>gonum</a:t>
+            </a:r>
+            <a:endParaRPr dirty="0"/>
+          </a:p>
+          <a:p>
+            <a:pPr marL="457200" lvl="0" indent="-342900" algn="l" rtl="0">
               <a:spcBef>
                 <a:spcPts val="0"/>
               </a:spcBef>
@@ -6311,13 +7849,12 @@
               <a:buChar char="●"/>
             </a:pPr>
             <a:r>
-              <a:rPr lang="en"/>
+              <a:rPr lang="en" dirty="0"/>
               <a:t>Plotting libraries</a:t>
             </a:r>
-            <a:endParaRPr/>
-          </a:p>
-          <a:p>
-            <a:pPr indent="-342900" lvl="0" marL="457200" rtl="0" algn="l">
+          </a:p>
+          <a:p>
+            <a:pPr marL="457200" lvl="0" indent="-342900" algn="l" rtl="0">
               <a:spcBef>
                 <a:spcPts val="0"/>
               </a:spcBef>
@@ -6328,111 +7865,51 @@
               <a:buChar char="●"/>
             </a:pPr>
             <a:r>
-              <a:rPr lang="en"/>
-              <a:t>Supervised Learning</a:t>
-            </a:r>
-            <a:endParaRPr/>
-          </a:p>
-          <a:p>
-            <a:pPr indent="-342900" lvl="0" marL="457200" rtl="0" algn="l">
-              <a:spcBef>
-                <a:spcPts val="0"/>
-              </a:spcBef>
-              <a:spcAft>
-                <a:spcPts val="0"/>
-              </a:spcAft>
+              <a:rPr lang="en" dirty="0"/>
+              <a:t>Algorithms</a:t>
+            </a:r>
+            <a:endParaRPr dirty="0"/>
+          </a:p>
+          <a:p>
+            <a:pPr lvl="1" indent="-342900">
+              <a:spcBef>
+                <a:spcPts val="0"/>
+              </a:spcBef>
               <a:buSzPts val="1800"/>
               <a:buChar char="●"/>
             </a:pPr>
             <a:r>
-              <a:rPr lang="en"/>
-              <a:t>Unsupervised Learning</a:t>
-            </a:r>
-            <a:endParaRPr/>
-          </a:p>
-          <a:p>
-            <a:pPr indent="-342900" lvl="0" marL="457200" rtl="0" algn="l">
-              <a:spcBef>
-                <a:spcPts val="0"/>
-              </a:spcBef>
-              <a:spcAft>
-                <a:spcPts val="0"/>
-              </a:spcAft>
+              <a:rPr lang="en" dirty="0"/>
+              <a:t>Supervised Learning</a:t>
+            </a:r>
+            <a:endParaRPr dirty="0"/>
+          </a:p>
+          <a:p>
+            <a:pPr lvl="1" indent="-342900">
+              <a:spcBef>
+                <a:spcPts val="0"/>
+              </a:spcBef>
               <a:buSzPts val="1800"/>
               <a:buChar char="●"/>
             </a:pPr>
             <a:r>
-              <a:rPr lang="en"/>
+              <a:rPr lang="en" dirty="0"/>
+              <a:t>Unsupervised Learning</a:t>
+            </a:r>
+            <a:endParaRPr dirty="0"/>
+          </a:p>
+          <a:p>
+            <a:r>
+              <a:rPr lang="en" dirty="0"/>
               <a:t>Using pre-trained models</a:t>
             </a:r>
-            <a:endParaRPr/>
-          </a:p>
-          <a:p>
-            <a:pPr indent="-342900" lvl="0" marL="457200" rtl="0" algn="l">
-              <a:spcBef>
-                <a:spcPts val="0"/>
-              </a:spcBef>
-              <a:spcAft>
-                <a:spcPts val="0"/>
-              </a:spcAft>
-              <a:buSzPts val="1800"/>
-              <a:buChar char="●"/>
-            </a:pPr>
-            <a:r>
-              <a:t/>
-            </a:r>
-            <a:endParaRPr/>
-          </a:p>
-          <a:p>
-            <a:pPr indent="-342900" lvl="0" marL="457200" rtl="0" algn="l">
-              <a:spcBef>
-                <a:spcPts val="0"/>
-              </a:spcBef>
-              <a:spcAft>
-                <a:spcPts val="0"/>
-              </a:spcAft>
-              <a:buSzPts val="1800"/>
-              <a:buChar char="●"/>
-            </a:pPr>
-            <a:r>
-              <a:rPr lang="en"/>
-              <a:t>Serve TensorFlow models, trained in Python, in Go</a:t>
-            </a:r>
-            <a:endParaRPr/>
-          </a:p>
-          <a:p>
-            <a:pPr indent="-342900" lvl="0" marL="457200" rtl="0" algn="l">
-              <a:spcBef>
-                <a:spcPts val="0"/>
-              </a:spcBef>
-              <a:spcAft>
-                <a:spcPts val="0"/>
-              </a:spcAft>
-              <a:buSzPts val="1800"/>
-              <a:buChar char="●"/>
-            </a:pPr>
-            <a:r>
-              <a:rPr lang="en"/>
-              <a:t>Gorgonia - Deep Learning in Go</a:t>
-            </a:r>
-            <a:endParaRPr/>
-          </a:p>
-          <a:p>
-            <a:pPr indent="-342900" lvl="0" marL="457200" rtl="0" algn="l">
-              <a:spcBef>
-                <a:spcPts val="0"/>
-              </a:spcBef>
-              <a:spcAft>
-                <a:spcPts val="0"/>
-              </a:spcAft>
-              <a:buSzPts val="1800"/>
-              <a:buChar char="●"/>
-            </a:pPr>
-            <a:r>
-              <a:rPr lang="en"/>
-              <a:t>Prose - NLP in Go</a:t>
-            </a:r>
-            <a:endParaRPr/>
+          </a:p>
+          <a:p>
+            <a:r>
+              <a:rPr lang="en" dirty="0"/>
+              <a:t>Deploying ML applications</a:t>
+            </a:r>
+            <a:endParaRPr dirty="0"/>
           </a:p>
         </p:txBody>
       </p:sp>
@@ -6445,11 +7922,11 @@
 </file>
 
 <file path=ppt/slides/slide3.xml><?xml version="1.0" encoding="utf-8"?>
-<p:sld xmlns:a="http://schemas.openxmlformats.org/drawingml/2006/main" xmlns:r="http://schemas.openxmlformats.org/officeDocument/2006/relationships" xmlns:mc="http://schemas.openxmlformats.org/markup-compatibility/2006" xmlns:mv="urn:schemas-microsoft-com:mac:vml" xmlns:p="http://schemas.openxmlformats.org/presentationml/2006/main" xmlns:c="http://schemas.openxmlformats.org/drawingml/2006/chart" xmlns:dgm="http://schemas.openxmlformats.org/drawingml/2006/diagram" xmlns:o="urn:schemas-microsoft-com:office:office" xmlns:v="urn:schemas-microsoft-com:vml" xmlns:pvml="urn:schemas-microsoft-com:office:powerpoint" xmlns:com="http://schemas.openxmlformats.org/drawingml/2006/compatibility" xmlns:p14="http://schemas.microsoft.com/office/powerpoint/2010/main" xmlns:p15="http://schemas.microsoft.com/office/powerpoint/2012/main" xmlns:ahyp="http://schemas.microsoft.com/office/drawing/2018/hyperlinkcolor">
+<p:sld xmlns:a="http://schemas.openxmlformats.org/drawingml/2006/main" xmlns:r="http://schemas.openxmlformats.org/officeDocument/2006/relationships" xmlns:p="http://schemas.openxmlformats.org/presentationml/2006/main">
   <p:cSld>
     <p:spTree>
       <p:nvGrpSpPr>
-        <p:cNvPr id="65" name="Shape 65"/>
+        <p:cNvPr id="1" name="Shape 65"/>
         <p:cNvGrpSpPr/>
         <p:nvPr/>
       </p:nvGrpSpPr>
@@ -6464,7 +7941,9 @@
       <p:sp>
         <p:nvSpPr>
           <p:cNvPr id="66" name="Google Shape;66;p15"/>
-          <p:cNvSpPr txBox="1"/>
+          <p:cNvSpPr txBox="1">
+            <a:spLocks noGrp="1"/>
+          </p:cNvSpPr>
           <p:nvPr>
             <p:ph type="title"/>
           </p:nvPr>
@@ -6479,12 +7958,12 @@
           </a:prstGeom>
         </p:spPr>
         <p:txBody>
-          <a:bodyPr anchorCtr="0" anchor="t" bIns="91425" lIns="91425" spcFirstLastPara="1" rIns="91425" wrap="square" tIns="91425">
+          <a:bodyPr spcFirstLastPara="1" wrap="square" lIns="91425" tIns="91425" rIns="91425" bIns="91425" anchor="t" anchorCtr="0">
             <a:noAutofit/>
           </a:bodyPr>
           <a:lstStyle/>
           <a:p>
-            <a:pPr indent="0" lvl="0" marL="0" rtl="0" algn="l">
+            <a:pPr marL="0" lvl="0" indent="0" algn="l" rtl="0">
               <a:spcBef>
                 <a:spcPts val="0"/>
               </a:spcBef>
@@ -6504,9 +7983,11 @@
       <p:sp>
         <p:nvSpPr>
           <p:cNvPr id="67" name="Google Shape;67;p15"/>
-          <p:cNvSpPr txBox="1"/>
+          <p:cNvSpPr txBox="1">
+            <a:spLocks noGrp="1"/>
+          </p:cNvSpPr>
           <p:nvPr>
-            <p:ph idx="1" type="body"/>
+            <p:ph type="body" idx="1"/>
           </p:nvPr>
         </p:nvSpPr>
         <p:spPr>
@@ -6519,12 +8000,12 @@
           </a:prstGeom>
         </p:spPr>
         <p:txBody>
-          <a:bodyPr anchorCtr="0" anchor="t" bIns="91425" lIns="91425" spcFirstLastPara="1" rIns="91425" wrap="square" tIns="91425">
+          <a:bodyPr spcFirstLastPara="1" wrap="square" lIns="91425" tIns="91425" rIns="91425" bIns="91425" anchor="t" anchorCtr="0">
             <a:noAutofit/>
           </a:bodyPr>
           <a:lstStyle/>
           <a:p>
-            <a:pPr indent="-342900" lvl="0" marL="457200" rtl="0" algn="l">
+            <a:pPr marL="457200" lvl="0" indent="-342900" algn="l" rtl="0">
               <a:spcBef>
                 <a:spcPts val="0"/>
               </a:spcBef>
@@ -6546,7 +8027,7 @@
             <a:endParaRPr/>
           </a:p>
           <a:p>
-            <a:pPr indent="-342900" lvl="0" marL="457200" rtl="0" algn="l">
+            <a:pPr marL="457200" lvl="0" indent="-342900" algn="l" rtl="0">
               <a:spcBef>
                 <a:spcPts val="0"/>
               </a:spcBef>
@@ -6582,11 +8063,300 @@
 </file>
 
 <file path=ppt/slides/slide4.xml><?xml version="1.0" encoding="utf-8"?>
-<p:sld xmlns:a="http://schemas.openxmlformats.org/drawingml/2006/main" xmlns:r="http://schemas.openxmlformats.org/officeDocument/2006/relationships" xmlns:mc="http://schemas.openxmlformats.org/markup-compatibility/2006" xmlns:mv="urn:schemas-microsoft-com:mac:vml" xmlns:p="http://schemas.openxmlformats.org/presentationml/2006/main" xmlns:c="http://schemas.openxmlformats.org/drawingml/2006/chart" xmlns:dgm="http://schemas.openxmlformats.org/drawingml/2006/diagram" xmlns:o="urn:schemas-microsoft-com:office:office" xmlns:v="urn:schemas-microsoft-com:vml" xmlns:pvml="urn:schemas-microsoft-com:office:powerpoint" xmlns:com="http://schemas.openxmlformats.org/drawingml/2006/compatibility" xmlns:p14="http://schemas.microsoft.com/office/powerpoint/2010/main" xmlns:p15="http://schemas.microsoft.com/office/powerpoint/2012/main" xmlns:ahyp="http://schemas.microsoft.com/office/drawing/2018/hyperlinkcolor">
+<p:sld xmlns:a="http://schemas.openxmlformats.org/drawingml/2006/main" xmlns:r="http://schemas.openxmlformats.org/officeDocument/2006/relationships" xmlns:p="http://schemas.openxmlformats.org/presentationml/2006/main">
   <p:cSld>
     <p:spTree>
       <p:nvGrpSpPr>
-        <p:cNvPr id="71" name="Shape 71"/>
+        <p:cNvPr id="1" name=""/>
+        <p:cNvGrpSpPr/>
+        <p:nvPr/>
+      </p:nvGrpSpPr>
+      <p:grpSpPr>
+        <a:xfrm>
+          <a:off x="0" y="0"/>
+          <a:ext cx="0" cy="0"/>
+          <a:chOff x="0" y="0"/>
+          <a:chExt cx="0" cy="0"/>
+        </a:xfrm>
+      </p:grpSpPr>
+      <p:sp>
+        <p:nvSpPr>
+          <p:cNvPr id="2" name="Title 1">
+            <a:extLst>
+              <a:ext uri="{FF2B5EF4-FFF2-40B4-BE49-F238E27FC236}">
+                <a16:creationId xmlns:a16="http://schemas.microsoft.com/office/drawing/2014/main" id="{D83B6A7D-2660-6E44-BFD9-4F9D8731CB8D}"/>
+              </a:ext>
+            </a:extLst>
+          </p:cNvPr>
+          <p:cNvSpPr>
+            <a:spLocks noGrp="1"/>
+          </p:cNvSpPr>
+          <p:nvPr>
+            <p:ph type="title"/>
+          </p:nvPr>
+        </p:nvSpPr>
+        <p:spPr/>
+        <p:txBody>
+          <a:bodyPr/>
+          <a:lstStyle/>
+          <a:p>
+            <a:r>
+              <a:rPr lang="en-IL" dirty="0"/>
+              <a:t>Why ML in Go – in all cases</a:t>
+            </a:r>
+          </a:p>
+        </p:txBody>
+      </p:sp>
+      <p:sp>
+        <p:nvSpPr>
+          <p:cNvPr id="3" name="Text Placeholder 2">
+            <a:extLst>
+              <a:ext uri="{FF2B5EF4-FFF2-40B4-BE49-F238E27FC236}">
+                <a16:creationId xmlns:a16="http://schemas.microsoft.com/office/drawing/2014/main" id="{98997403-2FB4-FB49-88F5-3CF8E8DD153B}"/>
+              </a:ext>
+            </a:extLst>
+          </p:cNvPr>
+          <p:cNvSpPr>
+            <a:spLocks noGrp="1"/>
+          </p:cNvSpPr>
+          <p:nvPr>
+            <p:ph type="body" idx="1"/>
+          </p:nvPr>
+        </p:nvSpPr>
+        <p:spPr/>
+        <p:txBody>
+          <a:bodyPr/>
+          <a:lstStyle/>
+          <a:p>
+            <a:r>
+              <a:rPr lang="en-US" dirty="0"/>
+              <a:t>Easy to learn and on-board new developers</a:t>
+            </a:r>
+          </a:p>
+          <a:p>
+            <a:r>
+              <a:rPr lang="en-US" dirty="0"/>
+              <a:t>Fast build time</a:t>
+            </a:r>
+          </a:p>
+          <a:p>
+            <a:r>
+              <a:rPr lang="en-US" dirty="0"/>
+              <a:t>Good performance at run-time</a:t>
+            </a:r>
+          </a:p>
+          <a:p>
+            <a:r>
+              <a:rPr lang="en-US" dirty="0"/>
+              <a:t>Great concurrency support</a:t>
+            </a:r>
+          </a:p>
+          <a:p>
+            <a:r>
+              <a:rPr lang="en-US" dirty="0"/>
+              <a:t>Excellent standard library</a:t>
+            </a:r>
+          </a:p>
+          <a:p>
+            <a:r>
+              <a:rPr lang="en-US" dirty="0"/>
+              <a:t>Type safety</a:t>
+            </a:r>
+          </a:p>
+          <a:p>
+            <a:r>
+              <a:rPr lang="en-US" dirty="0"/>
+              <a:t>Easy-to-read, standardized code with </a:t>
+            </a:r>
+            <a:r>
+              <a:rPr lang="en-US" dirty="0" err="1"/>
+              <a:t>gofmt</a:t>
+            </a:r>
+            <a:endParaRPr lang="en-US" dirty="0"/>
+          </a:p>
+          <a:p>
+            <a:r>
+              <a:rPr lang="en-US" dirty="0"/>
+              <a:t>Forced error handling to minimize unforeseen exceptions</a:t>
+            </a:r>
+          </a:p>
+          <a:p>
+            <a:r>
+              <a:rPr lang="en-US" dirty="0"/>
+              <a:t>Explicit, clear dependency management</a:t>
+            </a:r>
+          </a:p>
+          <a:p>
+            <a:r>
+              <a:rPr lang="en-US" dirty="0"/>
+              <a:t>Easy to adapt architecture as projects grow</a:t>
+            </a:r>
+          </a:p>
+          <a:p>
+            <a:endParaRPr lang="en-IL" dirty="0"/>
+          </a:p>
+          <a:p>
+            <a:endParaRPr lang="en-IL" dirty="0"/>
+          </a:p>
+        </p:txBody>
+      </p:sp>
+    </p:spTree>
+    <p:extLst>
+      <p:ext uri="{BB962C8B-B14F-4D97-AF65-F5344CB8AC3E}">
+        <p14:creationId xmlns:p14="http://schemas.microsoft.com/office/powerpoint/2010/main" val="2371008034"/>
+      </p:ext>
+    </p:extLst>
+  </p:cSld>
+  <p:clrMapOvr>
+    <a:masterClrMapping/>
+  </p:clrMapOvr>
+</p:sld>
+</file>
+
+<file path=ppt/slides/slide5.xml><?xml version="1.0" encoding="utf-8"?>
+<p:sld xmlns:a="http://schemas.openxmlformats.org/drawingml/2006/main" xmlns:r="http://schemas.openxmlformats.org/officeDocument/2006/relationships" xmlns:p="http://schemas.openxmlformats.org/presentationml/2006/main">
+  <p:cSld>
+    <p:spTree>
+      <p:nvGrpSpPr>
+        <p:cNvPr id="1" name=""/>
+        <p:cNvGrpSpPr/>
+        <p:nvPr/>
+      </p:nvGrpSpPr>
+      <p:grpSpPr>
+        <a:xfrm>
+          <a:off x="0" y="0"/>
+          <a:ext cx="0" cy="0"/>
+          <a:chOff x="0" y="0"/>
+          <a:chExt cx="0" cy="0"/>
+        </a:xfrm>
+      </p:grpSpPr>
+      <p:sp>
+        <p:nvSpPr>
+          <p:cNvPr id="2" name="Title 1">
+            <a:extLst>
+              <a:ext uri="{FF2B5EF4-FFF2-40B4-BE49-F238E27FC236}">
+                <a16:creationId xmlns:a16="http://schemas.microsoft.com/office/drawing/2014/main" id="{ECFBC7BF-E1C4-5D4A-98F2-6F3263CC8922}"/>
+              </a:ext>
+            </a:extLst>
+          </p:cNvPr>
+          <p:cNvSpPr>
+            <a:spLocks noGrp="1"/>
+          </p:cNvSpPr>
+          <p:nvPr>
+            <p:ph type="title"/>
+          </p:nvPr>
+        </p:nvSpPr>
+        <p:spPr/>
+        <p:txBody>
+          <a:bodyPr/>
+          <a:lstStyle/>
+          <a:p>
+            <a:r>
+              <a:rPr lang="en-IL" dirty="0"/>
+              <a:t>Why consider using ML in Go</a:t>
+            </a:r>
+          </a:p>
+        </p:txBody>
+      </p:sp>
+      <p:sp>
+        <p:nvSpPr>
+          <p:cNvPr id="3" name="Text Placeholder 2">
+            <a:extLst>
+              <a:ext uri="{FF2B5EF4-FFF2-40B4-BE49-F238E27FC236}">
+                <a16:creationId xmlns:a16="http://schemas.microsoft.com/office/drawing/2014/main" id="{6635B926-F18C-D849-B221-F50A62D6B324}"/>
+              </a:ext>
+            </a:extLst>
+          </p:cNvPr>
+          <p:cNvSpPr>
+            <a:spLocks noGrp="1"/>
+          </p:cNvSpPr>
+          <p:nvPr>
+            <p:ph type="body" idx="1"/>
+          </p:nvPr>
+        </p:nvSpPr>
+        <p:spPr/>
+        <p:txBody>
+          <a:bodyPr/>
+          <a:lstStyle/>
+          <a:p>
+            <a:r>
+              <a:rPr lang="en-IL" dirty="0"/>
+              <a:t>Go mature eco-system</a:t>
+            </a:r>
+          </a:p>
+          <a:p>
+            <a:r>
+              <a:rPr lang="en-IL" dirty="0"/>
+              <a:t>Strict application flow</a:t>
+            </a:r>
+          </a:p>
+          <a:p>
+            <a:r>
+              <a:rPr lang="en-US" dirty="0"/>
+              <a:t>P</a:t>
+            </a:r>
+            <a:r>
+              <a:rPr lang="en-IL" dirty="0"/>
+              <a:t>roper software engineering</a:t>
+            </a:r>
+          </a:p>
+          <a:p>
+            <a:pPr marL="114300" indent="0">
+              <a:buNone/>
+            </a:pPr>
+            <a:endParaRPr lang="en-IL" dirty="0"/>
+          </a:p>
+        </p:txBody>
+      </p:sp>
+      <p:pic>
+        <p:nvPicPr>
+          <p:cNvPr id="5" name="Picture 4" descr="Diagram&#10;&#10;Description automatically generated">
+            <a:extLst>
+              <a:ext uri="{FF2B5EF4-FFF2-40B4-BE49-F238E27FC236}">
+                <a16:creationId xmlns:a16="http://schemas.microsoft.com/office/drawing/2014/main" id="{37685BBF-D82E-1849-862B-AA8DBC2D01C1}"/>
+              </a:ext>
+            </a:extLst>
+          </p:cNvPr>
+          <p:cNvPicPr>
+            <a:picLocks noChangeAspect="1"/>
+          </p:cNvPicPr>
+          <p:nvPr/>
+        </p:nvPicPr>
+        <p:blipFill>
+          <a:blip r:embed="rId2"/>
+          <a:stretch>
+            <a:fillRect/>
+          </a:stretch>
+        </p:blipFill>
+        <p:spPr>
+          <a:xfrm>
+            <a:off x="1343770" y="2571750"/>
+            <a:ext cx="6520070" cy="1803400"/>
+          </a:xfrm>
+          <a:prstGeom prst="rect">
+            <a:avLst/>
+          </a:prstGeom>
+        </p:spPr>
+      </p:pic>
+    </p:spTree>
+    <p:extLst>
+      <p:ext uri="{BB962C8B-B14F-4D97-AF65-F5344CB8AC3E}">
+        <p14:creationId xmlns:p14="http://schemas.microsoft.com/office/powerpoint/2010/main" val="4190962133"/>
+      </p:ext>
+    </p:extLst>
+  </p:cSld>
+  <p:clrMapOvr>
+    <a:masterClrMapping/>
+  </p:clrMapOvr>
+</p:sld>
+</file>
+
+<file path=ppt/slides/slide6.xml><?xml version="1.0" encoding="utf-8"?>
+<p:sld xmlns:a="http://schemas.openxmlformats.org/drawingml/2006/main" xmlns:r="http://schemas.openxmlformats.org/officeDocument/2006/relationships" xmlns:p="http://schemas.openxmlformats.org/presentationml/2006/main">
+  <p:cSld>
+    <p:spTree>
+      <p:nvGrpSpPr>
+        <p:cNvPr id="1" name="Shape 71"/>
         <p:cNvGrpSpPr/>
         <p:nvPr/>
       </p:nvGrpSpPr>
@@ -6601,7 +8371,9 @@
       <p:sp>
         <p:nvSpPr>
           <p:cNvPr id="72" name="Google Shape;72;p16"/>
-          <p:cNvSpPr txBox="1"/>
+          <p:cNvSpPr txBox="1">
+            <a:spLocks noGrp="1"/>
+          </p:cNvSpPr>
           <p:nvPr>
             <p:ph type="title"/>
           </p:nvPr>
@@ -6616,12 +8388,12 @@
           </a:prstGeom>
         </p:spPr>
         <p:txBody>
-          <a:bodyPr anchorCtr="0" anchor="t" bIns="91425" lIns="91425" spcFirstLastPara="1" rIns="91425" wrap="square" tIns="91425">
+          <a:bodyPr spcFirstLastPara="1" wrap="square" lIns="91425" tIns="91425" rIns="91425" bIns="91425" anchor="t" anchorCtr="0">
             <a:noAutofit/>
           </a:bodyPr>
           <a:lstStyle/>
           <a:p>
-            <a:pPr indent="0" lvl="0" marL="0" rtl="0" algn="l">
+            <a:pPr marL="0" lvl="0" indent="0" algn="l" rtl="0">
               <a:spcBef>
                 <a:spcPts val="0"/>
               </a:spcBef>
@@ -6641,9 +8413,11 @@
       <p:sp>
         <p:nvSpPr>
           <p:cNvPr id="73" name="Google Shape;73;p16"/>
-          <p:cNvSpPr txBox="1"/>
+          <p:cNvSpPr txBox="1">
+            <a:spLocks noGrp="1"/>
+          </p:cNvSpPr>
           <p:nvPr>
-            <p:ph idx="1" type="body"/>
+            <p:ph type="body" idx="1"/>
           </p:nvPr>
         </p:nvSpPr>
         <p:spPr>
@@ -6656,12 +8430,12 @@
           </a:prstGeom>
         </p:spPr>
         <p:txBody>
-          <a:bodyPr anchorCtr="0" anchor="t" bIns="91425" lIns="91425" spcFirstLastPara="1" rIns="91425" wrap="square" tIns="91425">
+          <a:bodyPr spcFirstLastPara="1" wrap="square" lIns="91425" tIns="91425" rIns="91425" bIns="91425" anchor="t" anchorCtr="0">
             <a:noAutofit/>
           </a:bodyPr>
           <a:lstStyle/>
           <a:p>
-            <a:pPr indent="-342900" lvl="0" marL="457200" rtl="0" algn="l">
+            <a:pPr marL="457200" lvl="0" indent="-342900" algn="l" rtl="0">
               <a:spcBef>
                 <a:spcPts val="0"/>
               </a:spcBef>
@@ -6678,7 +8452,7 @@
             <a:endParaRPr/>
           </a:p>
           <a:p>
-            <a:pPr indent="-317500" lvl="1" marL="914400" rtl="0" algn="l">
+            <a:pPr marL="914400" lvl="1" indent="-317500" algn="l" rtl="0">
               <a:spcBef>
                 <a:spcPts val="0"/>
               </a:spcBef>
@@ -6704,7 +8478,7 @@
             <a:endParaRPr/>
           </a:p>
           <a:p>
-            <a:pPr indent="-317500" lvl="1" marL="914400" rtl="0" algn="l">
+            <a:pPr marL="914400" lvl="1" indent="-317500" algn="l" rtl="0">
               <a:spcBef>
                 <a:spcPts val="0"/>
               </a:spcBef>
@@ -6719,7 +8493,7 @@
               <a:t>alternatives - </a:t>
             </a:r>
             <a:r>
-              <a:rPr b="1" lang="en"/>
+              <a:rPr lang="en" b="1"/>
               <a:t>lgo </a:t>
             </a:r>
             <a:r>
@@ -6742,7 +8516,7 @@
             <a:endParaRPr/>
           </a:p>
           <a:p>
-            <a:pPr indent="-368300" lvl="0" marL="457200" rtl="0" algn="l">
+            <a:pPr marL="457200" lvl="0" indent="-368300" algn="l" rtl="0">
               <a:spcBef>
                 <a:spcPts val="0"/>
               </a:spcBef>
@@ -6781,7 +8555,7 @@
             </a:endParaRPr>
           </a:p>
           <a:p>
-            <a:pPr indent="-342900" lvl="0" marL="457200" rtl="0" algn="l">
+            <a:pPr marL="457200" lvl="0" indent="-342900" algn="l" rtl="0">
               <a:spcBef>
                 <a:spcPts val="0"/>
               </a:spcBef>
@@ -6791,9 +8565,6 @@
               <a:buSzPts val="1800"/>
               <a:buChar char="-"/>
             </a:pPr>
-            <a:r>
-              <a:t/>
-            </a:r>
             <a:endParaRPr/>
           </a:p>
         </p:txBody>
@@ -6806,12 +8577,12 @@
 </p:sld>
 </file>
 
-<file path=ppt/slides/slide5.xml><?xml version="1.0" encoding="utf-8"?>
-<p:sld xmlns:a="http://schemas.openxmlformats.org/drawingml/2006/main" xmlns:r="http://schemas.openxmlformats.org/officeDocument/2006/relationships" xmlns:mc="http://schemas.openxmlformats.org/markup-compatibility/2006" xmlns:mv="urn:schemas-microsoft-com:mac:vml" xmlns:p="http://schemas.openxmlformats.org/presentationml/2006/main" xmlns:c="http://schemas.openxmlformats.org/drawingml/2006/chart" xmlns:dgm="http://schemas.openxmlformats.org/drawingml/2006/diagram" xmlns:o="urn:schemas-microsoft-com:office:office" xmlns:v="urn:schemas-microsoft-com:vml" xmlns:pvml="urn:schemas-microsoft-com:office:powerpoint" xmlns:com="http://schemas.openxmlformats.org/drawingml/2006/compatibility" xmlns:p14="http://schemas.microsoft.com/office/powerpoint/2010/main" xmlns:p15="http://schemas.microsoft.com/office/powerpoint/2012/main" xmlns:ahyp="http://schemas.microsoft.com/office/drawing/2018/hyperlinkcolor">
+<file path=ppt/slides/slide7.xml><?xml version="1.0" encoding="utf-8"?>
+<p:sld xmlns:a="http://schemas.openxmlformats.org/drawingml/2006/main" xmlns:r="http://schemas.openxmlformats.org/officeDocument/2006/relationships" xmlns:p="http://schemas.openxmlformats.org/presentationml/2006/main">
   <p:cSld>
     <p:spTree>
       <p:nvGrpSpPr>
-        <p:cNvPr id="77" name="Shape 77"/>
+        <p:cNvPr id="1" name="Shape 77"/>
         <p:cNvGrpSpPr/>
         <p:nvPr/>
       </p:nvGrpSpPr>
@@ -6826,7 +8597,9 @@
       <p:sp>
         <p:nvSpPr>
           <p:cNvPr id="78" name="Google Shape;78;p17"/>
-          <p:cNvSpPr txBox="1"/>
+          <p:cNvSpPr txBox="1">
+            <a:spLocks noGrp="1"/>
+          </p:cNvSpPr>
           <p:nvPr>
             <p:ph type="title"/>
           </p:nvPr>
@@ -6841,12 +8614,12 @@
           </a:prstGeom>
         </p:spPr>
         <p:txBody>
-          <a:bodyPr anchorCtr="0" anchor="t" bIns="91425" lIns="91425" spcFirstLastPara="1" rIns="91425" wrap="square" tIns="91425">
+          <a:bodyPr spcFirstLastPara="1" wrap="square" lIns="91425" tIns="91425" rIns="91425" bIns="91425" anchor="t" anchorCtr="0">
             <a:noAutofit/>
           </a:bodyPr>
           <a:lstStyle/>
           <a:p>
-            <a:pPr indent="0" lvl="0" marL="0" rtl="0" algn="l">
+            <a:pPr marL="0" lvl="0" indent="0" algn="l" rtl="0">
               <a:spcBef>
                 <a:spcPts val="0"/>
               </a:spcBef>
@@ -6866,9 +8639,11 @@
       <p:sp>
         <p:nvSpPr>
           <p:cNvPr id="79" name="Google Shape;79;p17"/>
-          <p:cNvSpPr txBox="1"/>
+          <p:cNvSpPr txBox="1">
+            <a:spLocks noGrp="1"/>
+          </p:cNvSpPr>
           <p:nvPr>
-            <p:ph idx="1" type="body"/>
+            <p:ph type="body" idx="1"/>
           </p:nvPr>
         </p:nvSpPr>
         <p:spPr>
@@ -6881,12 +8656,15 @@
           </a:prstGeom>
         </p:spPr>
         <p:txBody>
-          <a:bodyPr anchorCtr="0" anchor="t" bIns="91425" lIns="91425" spcFirstLastPara="1" rIns="91425" wrap="square" tIns="91425">
+          <a:bodyPr spcFirstLastPara="1" wrap="square" lIns="91425" tIns="91425" rIns="91425" bIns="91425" anchor="t" anchorCtr="0">
             <a:noAutofit/>
           </a:bodyPr>
           <a:lstStyle/>
           <a:p>
-            <a:pPr indent="-342900" lvl="0" marL="457200" rtl="0" algn="l">
+            <a:pPr marL="457200" lvl="0" indent="-342900" algn="l" rtl="0">
+              <a:lnSpc>
+                <a:spcPct val="100000"/>
+              </a:lnSpc>
               <a:spcBef>
                 <a:spcPts val="0"/>
               </a:spcBef>
@@ -6897,17 +8675,20 @@
               <a:buChar char="●"/>
             </a:pPr>
             <a:r>
-              <a:rPr lang="en"/>
+              <a:rPr lang="en" dirty="0"/>
               <a:t>Counterpart of Python’s </a:t>
             </a:r>
             <a:r>
-              <a:rPr b="1" lang="en"/>
+              <a:rPr lang="en" b="1" dirty="0"/>
               <a:t>pandas</a:t>
             </a:r>
-            <a:endParaRPr b="1"/>
-          </a:p>
-          <a:p>
-            <a:pPr indent="-342900" lvl="0" marL="457200" rtl="0" algn="l">
+            <a:endParaRPr b="1" dirty="0"/>
+          </a:p>
+          <a:p>
+            <a:pPr marL="457200" lvl="0" indent="-342900" algn="l" rtl="0">
+              <a:lnSpc>
+                <a:spcPct val="100000"/>
+              </a:lnSpc>
               <a:spcBef>
                 <a:spcPts val="0"/>
               </a:spcBef>
@@ -6918,10 +8699,136 @@
               <a:buChar char="●"/>
             </a:pPr>
             <a:r>
-              <a:rPr lang="en"/>
+              <a:rPr lang="en" dirty="0">
+                <a:hlinkClick r:id="rId3"/>
+              </a:rPr>
               <a:t>https://github.com/go-gota/gota</a:t>
             </a:r>
-            <a:endParaRPr/>
+            <a:endParaRPr lang="en" dirty="0"/>
+          </a:p>
+          <a:p>
+            <a:pPr marL="457200" lvl="0" indent="-342900" algn="l" rtl="0">
+              <a:lnSpc>
+                <a:spcPct val="100000"/>
+              </a:lnSpc>
+              <a:spcBef>
+                <a:spcPts val="0"/>
+              </a:spcBef>
+              <a:spcAft>
+                <a:spcPts val="0"/>
+              </a:spcAft>
+              <a:buSzPts val="1800"/>
+              <a:buChar char="●"/>
+            </a:pPr>
+            <a:r>
+              <a:rPr lang="en" dirty="0"/>
+              <a:t>Load CSV</a:t>
+            </a:r>
+          </a:p>
+          <a:p>
+            <a:pPr marL="457200" lvl="0" indent="-342900" algn="l" rtl="0">
+              <a:lnSpc>
+                <a:spcPct val="100000"/>
+              </a:lnSpc>
+              <a:spcBef>
+                <a:spcPts val="0"/>
+              </a:spcBef>
+              <a:spcAft>
+                <a:spcPts val="0"/>
+              </a:spcAft>
+              <a:buSzPts val="1800"/>
+              <a:buChar char="●"/>
+            </a:pPr>
+            <a:r>
+              <a:rPr lang="en" dirty="0"/>
+              <a:t>Pre-processing data</a:t>
+            </a:r>
+          </a:p>
+          <a:p>
+            <a:pPr lvl="1" indent="-342900">
+              <a:lnSpc>
+                <a:spcPct val="100000"/>
+              </a:lnSpc>
+              <a:spcBef>
+                <a:spcPts val="0"/>
+              </a:spcBef>
+              <a:buSzPts val="1800"/>
+              <a:buChar char="●"/>
+            </a:pPr>
+            <a:r>
+              <a:rPr lang="en-US" dirty="0"/>
+              <a:t>R</a:t>
+            </a:r>
+            <a:r>
+              <a:rPr lang="en" dirty="0"/>
+              <a:t>e-name, remove columns</a:t>
+            </a:r>
+          </a:p>
+          <a:p>
+            <a:pPr lvl="1" indent="-342900">
+              <a:lnSpc>
+                <a:spcPct val="100000"/>
+              </a:lnSpc>
+              <a:spcBef>
+                <a:spcPts val="0"/>
+              </a:spcBef>
+              <a:buSzPts val="1800"/>
+              <a:buChar char="●"/>
+            </a:pPr>
+            <a:r>
+              <a:rPr lang="en-US" dirty="0"/>
+              <a:t>F</a:t>
+            </a:r>
+            <a:r>
+              <a:rPr lang="en" dirty="0" err="1"/>
+              <a:t>ilter</a:t>
+            </a:r>
+            <a:r>
+              <a:rPr lang="en" dirty="0"/>
+              <a:t> out irrelevant data</a:t>
+            </a:r>
+          </a:p>
+          <a:p>
+            <a:pPr>
+              <a:lnSpc>
+                <a:spcPct val="100000"/>
+              </a:lnSpc>
+            </a:pPr>
+            <a:r>
+              <a:rPr lang="en" dirty="0"/>
+              <a:t>Training / validation data</a:t>
+            </a:r>
+          </a:p>
+          <a:p>
+            <a:pPr lvl="1">
+              <a:lnSpc>
+                <a:spcPct val="100000"/>
+              </a:lnSpc>
+            </a:pPr>
+            <a:r>
+              <a:rPr lang="en-US" dirty="0"/>
+              <a:t>D</a:t>
+            </a:r>
+            <a:r>
+              <a:rPr lang="en" dirty="0" err="1"/>
+              <a:t>ataframe.Subset</a:t>
+            </a:r>
+            <a:endParaRPr lang="en" dirty="0"/>
+          </a:p>
+          <a:p>
+            <a:pPr lvl="1">
+              <a:lnSpc>
+                <a:spcPct val="100000"/>
+              </a:lnSpc>
+            </a:pPr>
+            <a:r>
+              <a:rPr lang="en" dirty="0"/>
+              <a:t>Encoding data with categorical values</a:t>
+            </a:r>
+          </a:p>
+          <a:p>
+            <a:pPr lvl="1"/>
+            <a:endParaRPr dirty="0"/>
           </a:p>
         </p:txBody>
       </p:sp>
@@ -6933,12 +8840,12 @@
 </p:sld>
 </file>
 
-<file path=ppt/slides/slide6.xml><?xml version="1.0" encoding="utf-8"?>
-<p:sld xmlns:a="http://schemas.openxmlformats.org/drawingml/2006/main" xmlns:r="http://schemas.openxmlformats.org/officeDocument/2006/relationships" xmlns:mc="http://schemas.openxmlformats.org/markup-compatibility/2006" xmlns:mv="urn:schemas-microsoft-com:mac:vml" xmlns:p="http://schemas.openxmlformats.org/presentationml/2006/main" xmlns:c="http://schemas.openxmlformats.org/drawingml/2006/chart" xmlns:dgm="http://schemas.openxmlformats.org/drawingml/2006/diagram" xmlns:o="urn:schemas-microsoft-com:office:office" xmlns:v="urn:schemas-microsoft-com:vml" xmlns:pvml="urn:schemas-microsoft-com:office:powerpoint" xmlns:com="http://schemas.openxmlformats.org/drawingml/2006/compatibility" xmlns:p14="http://schemas.microsoft.com/office/powerpoint/2010/main" xmlns:p15="http://schemas.microsoft.com/office/powerpoint/2012/main" xmlns:ahyp="http://schemas.microsoft.com/office/drawing/2018/hyperlinkcolor">
+<file path=ppt/slides/slide8.xml><?xml version="1.0" encoding="utf-8"?>
+<p:sld xmlns:a="http://schemas.openxmlformats.org/drawingml/2006/main" xmlns:r="http://schemas.openxmlformats.org/officeDocument/2006/relationships" xmlns:p="http://schemas.openxmlformats.org/presentationml/2006/main">
   <p:cSld>
     <p:spTree>
       <p:nvGrpSpPr>
-        <p:cNvPr id="83" name="Shape 83"/>
+        <p:cNvPr id="1" name="Shape 83"/>
         <p:cNvGrpSpPr/>
         <p:nvPr/>
       </p:nvGrpSpPr>
@@ -6953,7 +8860,9 @@
       <p:sp>
         <p:nvSpPr>
           <p:cNvPr id="84" name="Google Shape;84;p18"/>
-          <p:cNvSpPr txBox="1"/>
+          <p:cNvSpPr txBox="1">
+            <a:spLocks noGrp="1"/>
+          </p:cNvSpPr>
           <p:nvPr>
             <p:ph type="title"/>
           </p:nvPr>
@@ -6968,12 +8877,12 @@
           </a:prstGeom>
         </p:spPr>
         <p:txBody>
-          <a:bodyPr anchorCtr="0" anchor="t" bIns="91425" lIns="91425" spcFirstLastPara="1" rIns="91425" wrap="square" tIns="91425">
+          <a:bodyPr spcFirstLastPara="1" wrap="square" lIns="91425" tIns="91425" rIns="91425" bIns="91425" anchor="t" anchorCtr="0">
             <a:noAutofit/>
           </a:bodyPr>
           <a:lstStyle/>
           <a:p>
-            <a:pPr indent="0" lvl="0" marL="0" rtl="0" algn="l">
+            <a:pPr marL="0" lvl="0" indent="0" algn="l" rtl="0">
               <a:spcBef>
                 <a:spcPts val="0"/>
               </a:spcBef>
@@ -6994,7 +8903,7 @@
             <a:endParaRPr/>
           </a:p>
           <a:p>
-            <a:pPr indent="0" lvl="0" marL="0" rtl="0" algn="l">
+            <a:pPr marL="0" lvl="0" indent="0" algn="l" rtl="0">
               <a:spcBef>
                 <a:spcPts val="0"/>
               </a:spcBef>
@@ -7003,9 +8912,6 @@
               </a:spcAft>
               <a:buNone/>
             </a:pPr>
-            <a:r>
-              <a:t/>
-            </a:r>
             <a:endParaRPr/>
           </a:p>
         </p:txBody>
@@ -7013,9 +8919,11 @@
       <p:sp>
         <p:nvSpPr>
           <p:cNvPr id="85" name="Google Shape;85;p18"/>
-          <p:cNvSpPr txBox="1"/>
+          <p:cNvSpPr txBox="1">
+            <a:spLocks noGrp="1"/>
+          </p:cNvSpPr>
           <p:nvPr>
-            <p:ph idx="1" type="body"/>
+            <p:ph type="body" idx="1"/>
           </p:nvPr>
         </p:nvSpPr>
         <p:spPr>
@@ -7028,12 +8936,12 @@
           </a:prstGeom>
         </p:spPr>
         <p:txBody>
-          <a:bodyPr anchorCtr="0" anchor="t" bIns="91425" lIns="91425" spcFirstLastPara="1" rIns="91425" wrap="square" tIns="91425">
+          <a:bodyPr spcFirstLastPara="1" wrap="square" lIns="91425" tIns="91425" rIns="91425" bIns="91425" anchor="t" anchorCtr="0">
             <a:noAutofit/>
           </a:bodyPr>
           <a:lstStyle/>
           <a:p>
-            <a:pPr indent="-342900" lvl="0" marL="457200" rtl="0" algn="l">
+            <a:pPr marL="457200" lvl="0" indent="-342900" algn="l" rtl="0">
               <a:spcBef>
                 <a:spcPts val="0"/>
               </a:spcBef>
@@ -7044,17 +8952,17 @@
               <a:buChar char="●"/>
             </a:pPr>
             <a:r>
-              <a:rPr lang="en"/>
+              <a:rPr lang="en" dirty="0"/>
               <a:t>Counterpart of Python’s </a:t>
             </a:r>
             <a:r>
-              <a:rPr b="1" lang="en"/>
+              <a:rPr lang="en" b="1" dirty="0" err="1"/>
               <a:t>numpy</a:t>
             </a:r>
-            <a:endParaRPr b="1"/>
-          </a:p>
-          <a:p>
-            <a:pPr indent="-342900" lvl="0" marL="457200" rtl="0" algn="l">
+            <a:endParaRPr b="1" dirty="0"/>
+          </a:p>
+          <a:p>
+            <a:pPr marL="457200" lvl="0" indent="-342900" algn="l" rtl="0">
               <a:spcBef>
                 <a:spcPts val="0"/>
               </a:spcBef>
@@ -7065,7 +8973,7 @@
               <a:buChar char="●"/>
             </a:pPr>
             <a:r>
-              <a:rPr lang="en" u="sng">
+              <a:rPr lang="en" u="sng" dirty="0">
                 <a:solidFill>
                   <a:schemeClr val="hlink"/>
                 </a:solidFill>
@@ -7074,13 +8982,21 @@
               <a:t>https://www.gonum.org/</a:t>
             </a:r>
             <a:r>
-              <a:rPr lang="en"/>
-              <a:t> - GoNum </a:t>
-            </a:r>
-            <a:endParaRPr/>
-          </a:p>
-          <a:p>
-            <a:pPr indent="-342900" lvl="0" marL="457200" rtl="0" algn="l">
+              <a:rPr lang="en" dirty="0"/>
+              <a:t> - </a:t>
+            </a:r>
+            <a:r>
+              <a:rPr lang="en" dirty="0" err="1"/>
+              <a:t>GoNum</a:t>
+            </a:r>
+            <a:r>
+              <a:rPr lang="en" dirty="0"/>
+              <a:t> </a:t>
+            </a:r>
+            <a:endParaRPr dirty="0"/>
+          </a:p>
+          <a:p>
+            <a:pPr marL="457200" lvl="0" indent="-342900" algn="l" rtl="0">
               <a:spcBef>
                 <a:spcPts val="0"/>
               </a:spcBef>
@@ -7091,7 +9007,7 @@
               <a:buChar char="●"/>
             </a:pPr>
             <a:r>
-              <a:rPr lang="en" sz="1600">
+              <a:rPr lang="en" sz="1600" dirty="0">
                 <a:solidFill>
                   <a:schemeClr val="dk1"/>
                 </a:solidFill>
@@ -7105,7 +9021,7 @@
               </a:rPr>
               <a:t>set of packages designed to make writing numerical and scientific algorithms productive, performant, and scalable</a:t>
             </a:r>
-            <a:endParaRPr/>
+            <a:endParaRPr dirty="0"/>
           </a:p>
         </p:txBody>
       </p:sp>
@@ -7117,12 +9033,12 @@
 </p:sld>
 </file>
 
-<file path=ppt/slides/slide7.xml><?xml version="1.0" encoding="utf-8"?>
-<p:sld xmlns:a="http://schemas.openxmlformats.org/drawingml/2006/main" xmlns:r="http://schemas.openxmlformats.org/officeDocument/2006/relationships" xmlns:mc="http://schemas.openxmlformats.org/markup-compatibility/2006" xmlns:mv="urn:schemas-microsoft-com:mac:vml" xmlns:p="http://schemas.openxmlformats.org/presentationml/2006/main" xmlns:c="http://schemas.openxmlformats.org/drawingml/2006/chart" xmlns:dgm="http://schemas.openxmlformats.org/drawingml/2006/diagram" xmlns:o="urn:schemas-microsoft-com:office:office" xmlns:v="urn:schemas-microsoft-com:vml" xmlns:pvml="urn:schemas-microsoft-com:office:powerpoint" xmlns:com="http://schemas.openxmlformats.org/drawingml/2006/compatibility" xmlns:p14="http://schemas.microsoft.com/office/powerpoint/2010/main" xmlns:p15="http://schemas.microsoft.com/office/powerpoint/2012/main" xmlns:ahyp="http://schemas.microsoft.com/office/drawing/2018/hyperlinkcolor">
+<file path=ppt/slides/slide9.xml><?xml version="1.0" encoding="utf-8"?>
+<p:sld xmlns:a="http://schemas.openxmlformats.org/drawingml/2006/main" xmlns:r="http://schemas.openxmlformats.org/officeDocument/2006/relationships" xmlns:p="http://schemas.openxmlformats.org/presentationml/2006/main">
   <p:cSld>
     <p:spTree>
       <p:nvGrpSpPr>
-        <p:cNvPr id="89" name="Shape 89"/>
+        <p:cNvPr id="1" name=""/>
         <p:cNvGrpSpPr/>
         <p:nvPr/>
       </p:nvGrpSpPr>
@@ -7136,190 +9052,83 @@
       </p:grpSpPr>
       <p:sp>
         <p:nvSpPr>
-          <p:cNvPr id="90" name="Google Shape;90;p19"/>
-          <p:cNvSpPr txBox="1"/>
+          <p:cNvPr id="2" name="Title 1">
+            <a:extLst>
+              <a:ext uri="{FF2B5EF4-FFF2-40B4-BE49-F238E27FC236}">
+                <a16:creationId xmlns:a16="http://schemas.microsoft.com/office/drawing/2014/main" id="{BD70BFF6-E03F-694C-ACCE-DDCC70E2125E}"/>
+              </a:ext>
+            </a:extLst>
+          </p:cNvPr>
+          <p:cNvSpPr>
+            <a:spLocks noGrp="1"/>
+          </p:cNvSpPr>
           <p:nvPr>
             <p:ph type="title"/>
           </p:nvPr>
         </p:nvSpPr>
-        <p:spPr>
-          <a:xfrm>
-            <a:off x="311700" y="445025"/>
-            <a:ext cx="8520600" cy="572700"/>
-          </a:xfrm>
-          <a:prstGeom prst="rect">
-            <a:avLst/>
-          </a:prstGeom>
-        </p:spPr>
+        <p:spPr/>
         <p:txBody>
-          <a:bodyPr anchorCtr="0" anchor="t" bIns="91425" lIns="91425" spcFirstLastPara="1" rIns="91425" wrap="square" tIns="91425">
-            <a:noAutofit/>
-          </a:bodyPr>
+          <a:bodyPr/>
           <a:lstStyle/>
           <a:p>
-            <a:pPr indent="0" lvl="0" marL="0" rtl="0" algn="l">
-              <a:spcBef>
-                <a:spcPts val="0"/>
-              </a:spcBef>
-              <a:spcAft>
-                <a:spcPts val="0"/>
-              </a:spcAft>
-              <a:buNone/>
-            </a:pPr>
-            <a:r>
-              <a:rPr lang="en"/>
-              <a:t>References</a:t>
-            </a:r>
-            <a:endParaRPr/>
+            <a:r>
+              <a:rPr lang="en-IL" dirty="0"/>
+              <a:t>Supervised Algorithms</a:t>
+            </a:r>
           </a:p>
         </p:txBody>
       </p:sp>
       <p:sp>
         <p:nvSpPr>
-          <p:cNvPr id="91" name="Google Shape;91;p19"/>
-          <p:cNvSpPr txBox="1"/>
+          <p:cNvPr id="3" name="Text Placeholder 2">
+            <a:extLst>
+              <a:ext uri="{FF2B5EF4-FFF2-40B4-BE49-F238E27FC236}">
+                <a16:creationId xmlns:a16="http://schemas.microsoft.com/office/drawing/2014/main" id="{E37085A7-AC0C-4A47-A937-0D8EF108B091}"/>
+              </a:ext>
+            </a:extLst>
+          </p:cNvPr>
+          <p:cNvSpPr>
+            <a:spLocks noGrp="1"/>
+          </p:cNvSpPr>
           <p:nvPr>
-            <p:ph idx="1" type="body"/>
+            <p:ph type="body" idx="1"/>
           </p:nvPr>
         </p:nvSpPr>
-        <p:spPr>
-          <a:xfrm>
-            <a:off x="311700" y="1152475"/>
-            <a:ext cx="8520600" cy="3416400"/>
-          </a:xfrm>
-          <a:prstGeom prst="rect">
-            <a:avLst/>
-          </a:prstGeom>
-        </p:spPr>
+        <p:spPr/>
         <p:txBody>
-          <a:bodyPr anchorCtr="0" anchor="t" bIns="91425" lIns="91425" spcFirstLastPara="1" rIns="91425" wrap="square" tIns="91425">
-            <a:noAutofit/>
-          </a:bodyPr>
+          <a:bodyPr/>
           <a:lstStyle/>
           <a:p>
-            <a:pPr indent="-342900" lvl="0" marL="457200" rtl="0" algn="l">
-              <a:spcBef>
-                <a:spcPts val="0"/>
-              </a:spcBef>
-              <a:spcAft>
-                <a:spcPts val="0"/>
-              </a:spcAft>
-              <a:buSzPts val="1800"/>
-              <a:buAutoNum type="arabicPeriod"/>
-            </a:pPr>
-            <a:r>
-              <a:rPr i="1" lang="en"/>
-              <a:t>Michael Bironneau, Toby Coleman</a:t>
-            </a:r>
-            <a:r>
-              <a:rPr lang="en"/>
-              <a:t>, </a:t>
-            </a:r>
-            <a:r>
-              <a:rPr b="1" lang="en"/>
-              <a:t>Machine Learning with Go Quick Start Guide</a:t>
-            </a:r>
-            <a:r>
-              <a:rPr lang="en"/>
-              <a:t>, Packt Publishing, 2019</a:t>
-            </a:r>
-            <a:endParaRPr/>
-          </a:p>
-          <a:p>
-            <a:pPr indent="-342900" lvl="0" marL="457200" rtl="0" algn="l">
-              <a:spcBef>
-                <a:spcPts val="0"/>
-              </a:spcBef>
-              <a:spcAft>
-                <a:spcPts val="0"/>
-              </a:spcAft>
-              <a:buSzPts val="1800"/>
-              <a:buAutoNum type="arabicPeriod"/>
-            </a:pPr>
-            <a:r>
-              <a:rPr lang="en" u="sng">
-                <a:solidFill>
-                  <a:schemeClr val="hlink"/>
-                </a:solidFill>
-                <a:hlinkClick r:id="rId3"/>
-              </a:rPr>
-              <a:t>https://tech.travelaudience.com/training-tensorflow-models-in-python-and-serving-with-go-1b2a9386b0ff</a:t>
-            </a:r>
-            <a:endParaRPr/>
-          </a:p>
-          <a:p>
-            <a:pPr indent="-342900" lvl="0" marL="457200" rtl="0" algn="l">
-              <a:spcBef>
-                <a:spcPts val="0"/>
-              </a:spcBef>
-              <a:spcAft>
-                <a:spcPts val="0"/>
-              </a:spcAft>
-              <a:buSzPts val="1800"/>
-              <a:buAutoNum type="arabicPeriod"/>
-            </a:pPr>
-            <a:r>
-              <a:rPr lang="en" u="sng">
-                <a:solidFill>
-                  <a:schemeClr val="hlink"/>
-                </a:solidFill>
-                <a:hlinkClick r:id="rId4"/>
-              </a:rPr>
-              <a:t>https://towardsdatascience.com/why-we-deploy-machine-learning-models-with-go-not-python-a4e35ec16deb</a:t>
-            </a:r>
-            <a:endParaRPr/>
-          </a:p>
-          <a:p>
-            <a:pPr indent="-342900" lvl="0" marL="457200" rtl="0" algn="l">
-              <a:spcBef>
-                <a:spcPts val="0"/>
-              </a:spcBef>
-              <a:spcAft>
-                <a:spcPts val="0"/>
-              </a:spcAft>
-              <a:buSzPts val="1800"/>
-              <a:buAutoNum type="arabicPeriod"/>
-            </a:pPr>
-            <a:r>
-              <a:rPr lang="en" u="sng">
-                <a:solidFill>
-                  <a:schemeClr val="hlink"/>
-                </a:solidFill>
-                <a:hlinkClick r:id="rId5"/>
-              </a:rPr>
-              <a:t>https://github.com/gorgonia/gorgonia</a:t>
-            </a:r>
-            <a:endParaRPr/>
-          </a:p>
-          <a:p>
-            <a:pPr indent="-342900" lvl="0" marL="457200" rtl="0" algn="l">
-              <a:spcBef>
-                <a:spcPts val="0"/>
-              </a:spcBef>
-              <a:spcAft>
-                <a:spcPts val="0"/>
-              </a:spcAft>
-              <a:buSzPts val="1800"/>
-              <a:buAutoNum type="arabicPeriod"/>
-            </a:pPr>
-            <a:r>
-              <a:rPr lang="en" u="sng">
-                <a:solidFill>
-                  <a:schemeClr val="hlink"/>
-                </a:solidFill>
-                <a:hlinkClick r:id="rId6"/>
-              </a:rPr>
-              <a:t>https://github.com/jdkato/prose</a:t>
-            </a:r>
-            <a:r>
-              <a:rPr lang="en"/>
-              <a:t> </a:t>
-            </a:r>
-            <a:endParaRPr/>
+            <a:r>
+              <a:rPr lang="en-US" dirty="0"/>
+              <a:t>C</a:t>
+            </a:r>
+            <a:r>
+              <a:rPr lang="en-IL" dirty="0"/>
+              <a:t>lassification</a:t>
+            </a:r>
+          </a:p>
+          <a:p>
+            <a:r>
+              <a:rPr lang="en-US" dirty="0"/>
+              <a:t>R</a:t>
+            </a:r>
+            <a:r>
+              <a:rPr lang="en-IL" dirty="0"/>
+              <a:t>egression</a:t>
+            </a:r>
+          </a:p>
+          <a:p>
+            <a:endParaRPr lang="en-IL" dirty="0"/>
           </a:p>
         </p:txBody>
       </p:sp>
     </p:spTree>
+    <p:extLst>
+      <p:ext uri="{BB962C8B-B14F-4D97-AF65-F5344CB8AC3E}">
+        <p14:creationId xmlns:p14="http://schemas.microsoft.com/office/powerpoint/2010/main" val="4120830647"/>
+      </p:ext>
+    </p:extLst>
   </p:cSld>
   <p:clrMapOvr>
     <a:masterClrMapping/>
@@ -7328,7 +9137,7 @@
 </file>
 
 <file path=ppt/theme/theme1.xml><?xml version="1.0" encoding="utf-8"?>
-<a:theme xmlns:a="http://schemas.openxmlformats.org/drawingml/2006/main" xmlns:r="http://schemas.openxmlformats.org/officeDocument/2006/relationships" name="Simple Light">
+<a:theme xmlns:a="http://schemas.openxmlformats.org/drawingml/2006/main" name="Simple Light">
   <a:themeElements>
     <a:clrScheme name="Simple Light">
       <a:dk1>
@@ -7603,11 +9412,13 @@
       </a:bgFillStyleLst>
     </a:fmtScheme>
   </a:themeElements>
+  <a:objectDefaults/>
+  <a:extraClrSchemeLst/>
 </a:theme>
 </file>
 
 <file path=ppt/theme/theme2.xml><?xml version="1.0" encoding="utf-8"?>
-<a:theme xmlns:a="http://schemas.openxmlformats.org/drawingml/2006/main" xmlns:r="http://schemas.openxmlformats.org/officeDocument/2006/relationships">
+<a:theme xmlns:a="http://schemas.openxmlformats.org/drawingml/2006/main">
   <a:themeElements>
     <a:clrScheme name="Default">
       <a:dk1>
@@ -7882,5 +9693,7 @@
       </a:bgFillStyleLst>
     </a:fmtScheme>
   </a:themeElements>
+  <a:objectDefaults/>
+  <a:extraClrSchemeLst/>
 </a:theme>
 </file>
--- a/Go ML Meetup.pptx
+++ b/Go ML Meetup.pptx
@@ -5,38 +5,39 @@
     <p:sldMasterId id="2147483659" r:id="rId1"/>
   </p:sldMasterIdLst>
   <p:notesMasterIdLst>
-    <p:notesMasterId r:id="rId21"/>
+    <p:notesMasterId r:id="rId22"/>
   </p:notesMasterIdLst>
   <p:sldIdLst>
     <p:sldId id="256" r:id="rId2"/>
     <p:sldId id="257" r:id="rId3"/>
     <p:sldId id="258" r:id="rId4"/>
-    <p:sldId id="265" r:id="rId5"/>
-    <p:sldId id="273" r:id="rId6"/>
-    <p:sldId id="259" r:id="rId7"/>
-    <p:sldId id="260" r:id="rId8"/>
-    <p:sldId id="261" r:id="rId9"/>
-    <p:sldId id="269" r:id="rId10"/>
-    <p:sldId id="270" r:id="rId11"/>
-    <p:sldId id="263" r:id="rId12"/>
-    <p:sldId id="264" r:id="rId13"/>
-    <p:sldId id="266" r:id="rId14"/>
-    <p:sldId id="267" r:id="rId15"/>
-    <p:sldId id="268" r:id="rId16"/>
-    <p:sldId id="271" r:id="rId17"/>
-    <p:sldId id="272" r:id="rId18"/>
-    <p:sldId id="274" r:id="rId19"/>
-    <p:sldId id="262" r:id="rId20"/>
+    <p:sldId id="275" r:id="rId5"/>
+    <p:sldId id="265" r:id="rId6"/>
+    <p:sldId id="273" r:id="rId7"/>
+    <p:sldId id="259" r:id="rId8"/>
+    <p:sldId id="260" r:id="rId9"/>
+    <p:sldId id="261" r:id="rId10"/>
+    <p:sldId id="269" r:id="rId11"/>
+    <p:sldId id="270" r:id="rId12"/>
+    <p:sldId id="263" r:id="rId13"/>
+    <p:sldId id="264" r:id="rId14"/>
+    <p:sldId id="266" r:id="rId15"/>
+    <p:sldId id="267" r:id="rId16"/>
+    <p:sldId id="268" r:id="rId17"/>
+    <p:sldId id="271" r:id="rId18"/>
+    <p:sldId id="272" r:id="rId19"/>
+    <p:sldId id="274" r:id="rId20"/>
+    <p:sldId id="262" r:id="rId21"/>
   </p:sldIdLst>
   <p:sldSz cx="9144000" cy="5143500" type="screen16x9"/>
   <p:notesSz cx="6858000" cy="9144000"/>
   <p:embeddedFontLst>
     <p:embeddedFont>
       <p:font typeface="Roboto" panose="02000000000000000000" pitchFamily="2" charset="0"/>
-      <p:regular r:id="rId22"/>
-      <p:bold r:id="rId23"/>
-      <p:italic r:id="rId24"/>
-      <p:boldItalic r:id="rId25"/>
+      <p:regular r:id="rId23"/>
+      <p:bold r:id="rId24"/>
+      <p:italic r:id="rId25"/>
+      <p:boldItalic r:id="rId26"/>
     </p:embeddedFont>
   </p:embeddedFontLst>
   <p:defaultTextStyle>
@@ -1381,7 +1382,7 @@
         </p:nvSpPr>
         <p:spPr>
           <a:xfrm>
-            <a:off x="381300" y="685800"/>
+            <a:off x="381000" y="685800"/>
             <a:ext cx="6096000" cy="3429000"/>
           </a:xfrm>
           <a:custGeom>
@@ -6336,6 +6337,109 @@
           <p:cNvPr id="2" name="Title 1">
             <a:extLst>
               <a:ext uri="{FF2B5EF4-FFF2-40B4-BE49-F238E27FC236}">
+                <a16:creationId xmlns:a16="http://schemas.microsoft.com/office/drawing/2014/main" id="{BD70BFF6-E03F-694C-ACCE-DDCC70E2125E}"/>
+              </a:ext>
+            </a:extLst>
+          </p:cNvPr>
+          <p:cNvSpPr>
+            <a:spLocks noGrp="1"/>
+          </p:cNvSpPr>
+          <p:nvPr>
+            <p:ph type="title"/>
+          </p:nvPr>
+        </p:nvSpPr>
+        <p:spPr/>
+        <p:txBody>
+          <a:bodyPr/>
+          <a:lstStyle/>
+          <a:p>
+            <a:r>
+              <a:rPr lang="en-IL" dirty="0"/>
+              <a:t>Supervised Algorithms</a:t>
+            </a:r>
+          </a:p>
+        </p:txBody>
+      </p:sp>
+      <p:sp>
+        <p:nvSpPr>
+          <p:cNvPr id="3" name="Text Placeholder 2">
+            <a:extLst>
+              <a:ext uri="{FF2B5EF4-FFF2-40B4-BE49-F238E27FC236}">
+                <a16:creationId xmlns:a16="http://schemas.microsoft.com/office/drawing/2014/main" id="{E37085A7-AC0C-4A47-A937-0D8EF108B091}"/>
+              </a:ext>
+            </a:extLst>
+          </p:cNvPr>
+          <p:cNvSpPr>
+            <a:spLocks noGrp="1"/>
+          </p:cNvSpPr>
+          <p:nvPr>
+            <p:ph type="body" idx="1"/>
+          </p:nvPr>
+        </p:nvSpPr>
+        <p:spPr/>
+        <p:txBody>
+          <a:bodyPr/>
+          <a:lstStyle/>
+          <a:p>
+            <a:r>
+              <a:rPr lang="en-US" dirty="0"/>
+              <a:t>C</a:t>
+            </a:r>
+            <a:r>
+              <a:rPr lang="en-IL" dirty="0"/>
+              <a:t>lassification</a:t>
+            </a:r>
+          </a:p>
+          <a:p>
+            <a:r>
+              <a:rPr lang="en-US" dirty="0"/>
+              <a:t>R</a:t>
+            </a:r>
+            <a:r>
+              <a:rPr lang="en-IL" dirty="0"/>
+              <a:t>egression</a:t>
+            </a:r>
+          </a:p>
+          <a:p>
+            <a:endParaRPr lang="en-IL" dirty="0"/>
+          </a:p>
+        </p:txBody>
+      </p:sp>
+    </p:spTree>
+    <p:extLst>
+      <p:ext uri="{BB962C8B-B14F-4D97-AF65-F5344CB8AC3E}">
+        <p14:creationId xmlns:p14="http://schemas.microsoft.com/office/powerpoint/2010/main" val="4120830647"/>
+      </p:ext>
+    </p:extLst>
+  </p:cSld>
+  <p:clrMapOvr>
+    <a:masterClrMapping/>
+  </p:clrMapOvr>
+</p:sld>
+</file>
+
+<file path=ppt/slides/slide11.xml><?xml version="1.0" encoding="utf-8"?>
+<p:sld xmlns:a="http://schemas.openxmlformats.org/drawingml/2006/main" xmlns:r="http://schemas.openxmlformats.org/officeDocument/2006/relationships" xmlns:p="http://schemas.openxmlformats.org/presentationml/2006/main">
+  <p:cSld>
+    <p:spTree>
+      <p:nvGrpSpPr>
+        <p:cNvPr id="1" name=""/>
+        <p:cNvGrpSpPr/>
+        <p:nvPr/>
+      </p:nvGrpSpPr>
+      <p:grpSpPr>
+        <a:xfrm>
+          <a:off x="0" y="0"/>
+          <a:ext cx="0" cy="0"/>
+          <a:chOff x="0" y="0"/>
+          <a:chExt cx="0" cy="0"/>
+        </a:xfrm>
+      </p:grpSpPr>
+      <p:sp>
+        <p:nvSpPr>
+          <p:cNvPr id="2" name="Title 1">
+            <a:extLst>
+              <a:ext uri="{FF2B5EF4-FFF2-40B4-BE49-F238E27FC236}">
                 <a16:creationId xmlns:a16="http://schemas.microsoft.com/office/drawing/2014/main" id="{25EDD99C-8B1B-8149-A84E-FA9A7308F657}"/>
               </a:ext>
             </a:extLst>
@@ -6413,7 +6517,7 @@
 </p:sld>
 </file>
 
-<file path=ppt/slides/slide11.xml><?xml version="1.0" encoding="utf-8"?>
+<file path=ppt/slides/slide12.xml><?xml version="1.0" encoding="utf-8"?>
 <p:sld xmlns:a="http://schemas.openxmlformats.org/drawingml/2006/main" xmlns:r="http://schemas.openxmlformats.org/officeDocument/2006/relationships" xmlns:p="http://schemas.openxmlformats.org/presentationml/2006/main">
   <p:cSld>
     <p:spTree>
@@ -6548,7 +6652,7 @@
 </p:sld>
 </file>
 
-<file path=ppt/slides/slide12.xml><?xml version="1.0" encoding="utf-8"?>
+<file path=ppt/slides/slide13.xml><?xml version="1.0" encoding="utf-8"?>
 <p:sld xmlns:a="http://schemas.openxmlformats.org/drawingml/2006/main" xmlns:r="http://schemas.openxmlformats.org/officeDocument/2006/relationships" xmlns:p="http://schemas.openxmlformats.org/presentationml/2006/main">
   <p:cSld>
     <p:spTree>
@@ -6685,7 +6789,7 @@
 </p:sld>
 </file>
 
-<file path=ppt/slides/slide13.xml><?xml version="1.0" encoding="utf-8"?>
+<file path=ppt/slides/slide14.xml><?xml version="1.0" encoding="utf-8"?>
 <p:sld xmlns:a="http://schemas.openxmlformats.org/drawingml/2006/main" xmlns:r="http://schemas.openxmlformats.org/officeDocument/2006/relationships" xmlns:p="http://schemas.openxmlformats.org/presentationml/2006/main">
   <p:cSld>
     <p:spTree>
@@ -6900,7 +7004,7 @@
 </p:sld>
 </file>
 
-<file path=ppt/slides/slide14.xml><?xml version="1.0" encoding="utf-8"?>
+<file path=ppt/slides/slide15.xml><?xml version="1.0" encoding="utf-8"?>
 <p:sld xmlns:a="http://schemas.openxmlformats.org/drawingml/2006/main" xmlns:r="http://schemas.openxmlformats.org/officeDocument/2006/relationships" xmlns:p="http://schemas.openxmlformats.org/presentationml/2006/main">
   <p:cSld>
     <p:spTree>
@@ -7027,7 +7131,7 @@
 </p:sld>
 </file>
 
-<file path=ppt/slides/slide15.xml><?xml version="1.0" encoding="utf-8"?>
+<file path=ppt/slides/slide16.xml><?xml version="1.0" encoding="utf-8"?>
 <p:sld xmlns:a="http://schemas.openxmlformats.org/drawingml/2006/main" xmlns:r="http://schemas.openxmlformats.org/officeDocument/2006/relationships" xmlns:p="http://schemas.openxmlformats.org/presentationml/2006/main">
   <p:cSld>
     <p:spTree>
@@ -7190,7 +7294,7 @@
 </p:sld>
 </file>
 
-<file path=ppt/slides/slide16.xml><?xml version="1.0" encoding="utf-8"?>
+<file path=ppt/slides/slide17.xml><?xml version="1.0" encoding="utf-8"?>
 <p:sld xmlns:a="http://schemas.openxmlformats.org/drawingml/2006/main" xmlns:r="http://schemas.openxmlformats.org/officeDocument/2006/relationships" xmlns:p="http://schemas.openxmlformats.org/presentationml/2006/main">
   <p:cSld>
     <p:spTree>
@@ -7273,7 +7377,7 @@
 </p:sld>
 </file>
 
-<file path=ppt/slides/slide17.xml><?xml version="1.0" encoding="utf-8"?>
+<file path=ppt/slides/slide18.xml><?xml version="1.0" encoding="utf-8"?>
 <p:sld xmlns:a="http://schemas.openxmlformats.org/drawingml/2006/main" xmlns:r="http://schemas.openxmlformats.org/officeDocument/2006/relationships" xmlns:p="http://schemas.openxmlformats.org/presentationml/2006/main">
   <p:cSld>
     <p:spTree>
@@ -7366,7 +7470,7 @@
 </p:sld>
 </file>
 
-<file path=ppt/slides/slide18.xml><?xml version="1.0" encoding="utf-8"?>
+<file path=ppt/slides/slide19.xml><?xml version="1.0" encoding="utf-8"?>
 <p:sld xmlns:a="http://schemas.openxmlformats.org/drawingml/2006/main" xmlns:r="http://schemas.openxmlformats.org/officeDocument/2006/relationships" xmlns:p="http://schemas.openxmlformats.org/presentationml/2006/main">
   <p:cSld>
     <p:spTree>
@@ -7439,7 +7543,7 @@
           </a:p>
           <a:p>
             <a:r>
-              <a:rPr lang="en-IL"/>
+              <a:rPr lang="en-IL" dirty="0"/>
               <a:t>Prose - NLP</a:t>
             </a:r>
           </a:p>
@@ -7457,220 +7561,6 @@
         <p14:creationId xmlns:p14="http://schemas.microsoft.com/office/powerpoint/2010/main" val="1986779953"/>
       </p:ext>
     </p:extLst>
-  </p:cSld>
-  <p:clrMapOvr>
-    <a:masterClrMapping/>
-  </p:clrMapOvr>
-</p:sld>
-</file>
-
-<file path=ppt/slides/slide19.xml><?xml version="1.0" encoding="utf-8"?>
-<p:sld xmlns:a="http://schemas.openxmlformats.org/drawingml/2006/main" xmlns:r="http://schemas.openxmlformats.org/officeDocument/2006/relationships" xmlns:p="http://schemas.openxmlformats.org/presentationml/2006/main">
-  <p:cSld>
-    <p:spTree>
-      <p:nvGrpSpPr>
-        <p:cNvPr id="1" name="Shape 89"/>
-        <p:cNvGrpSpPr/>
-        <p:nvPr/>
-      </p:nvGrpSpPr>
-      <p:grpSpPr>
-        <a:xfrm>
-          <a:off x="0" y="0"/>
-          <a:ext cx="0" cy="0"/>
-          <a:chOff x="0" y="0"/>
-          <a:chExt cx="0" cy="0"/>
-        </a:xfrm>
-      </p:grpSpPr>
-      <p:sp>
-        <p:nvSpPr>
-          <p:cNvPr id="90" name="Google Shape;90;p19"/>
-          <p:cNvSpPr txBox="1">
-            <a:spLocks noGrp="1"/>
-          </p:cNvSpPr>
-          <p:nvPr>
-            <p:ph type="title"/>
-          </p:nvPr>
-        </p:nvSpPr>
-        <p:spPr>
-          <a:xfrm>
-            <a:off x="311700" y="445025"/>
-            <a:ext cx="8520600" cy="572700"/>
-          </a:xfrm>
-          <a:prstGeom prst="rect">
-            <a:avLst/>
-          </a:prstGeom>
-        </p:spPr>
-        <p:txBody>
-          <a:bodyPr spcFirstLastPara="1" wrap="square" lIns="91425" tIns="91425" rIns="91425" bIns="91425" anchor="t" anchorCtr="0">
-            <a:noAutofit/>
-          </a:bodyPr>
-          <a:lstStyle/>
-          <a:p>
-            <a:pPr marL="0" lvl="0" indent="0" algn="l" rtl="0">
-              <a:spcBef>
-                <a:spcPts val="0"/>
-              </a:spcBef>
-              <a:spcAft>
-                <a:spcPts val="0"/>
-              </a:spcAft>
-              <a:buNone/>
-            </a:pPr>
-            <a:r>
-              <a:rPr lang="en"/>
-              <a:t>References</a:t>
-            </a:r>
-            <a:endParaRPr/>
-          </a:p>
-        </p:txBody>
-      </p:sp>
-      <p:sp>
-        <p:nvSpPr>
-          <p:cNvPr id="91" name="Google Shape;91;p19"/>
-          <p:cNvSpPr txBox="1">
-            <a:spLocks noGrp="1"/>
-          </p:cNvSpPr>
-          <p:nvPr>
-            <p:ph type="body" idx="1"/>
-          </p:nvPr>
-        </p:nvSpPr>
-        <p:spPr>
-          <a:xfrm>
-            <a:off x="311700" y="1152475"/>
-            <a:ext cx="8520600" cy="3416400"/>
-          </a:xfrm>
-          <a:prstGeom prst="rect">
-            <a:avLst/>
-          </a:prstGeom>
-        </p:spPr>
-        <p:txBody>
-          <a:bodyPr spcFirstLastPara="1" wrap="square" lIns="91425" tIns="91425" rIns="91425" bIns="91425" anchor="t" anchorCtr="0">
-            <a:noAutofit/>
-          </a:bodyPr>
-          <a:lstStyle/>
-          <a:p>
-            <a:pPr marL="457200" lvl="0" indent="-342900" algn="l" rtl="0">
-              <a:spcBef>
-                <a:spcPts val="0"/>
-              </a:spcBef>
-              <a:spcAft>
-                <a:spcPts val="0"/>
-              </a:spcAft>
-              <a:buSzPts val="1800"/>
-              <a:buAutoNum type="arabicPeriod"/>
-            </a:pPr>
-            <a:r>
-              <a:rPr lang="en" i="1"/>
-              <a:t>Michael Bironneau, Toby Coleman</a:t>
-            </a:r>
-            <a:r>
-              <a:rPr lang="en"/>
-              <a:t>, </a:t>
-            </a:r>
-            <a:r>
-              <a:rPr lang="en" b="1"/>
-              <a:t>Machine Learning with Go Quick Start Guide</a:t>
-            </a:r>
-            <a:r>
-              <a:rPr lang="en"/>
-              <a:t>, Packt Publishing, 2019</a:t>
-            </a:r>
-            <a:endParaRPr/>
-          </a:p>
-          <a:p>
-            <a:pPr marL="457200" lvl="0" indent="-342900" algn="l" rtl="0">
-              <a:spcBef>
-                <a:spcPts val="0"/>
-              </a:spcBef>
-              <a:spcAft>
-                <a:spcPts val="0"/>
-              </a:spcAft>
-              <a:buSzPts val="1800"/>
-              <a:buAutoNum type="arabicPeriod"/>
-            </a:pPr>
-            <a:r>
-              <a:rPr lang="en" u="sng">
-                <a:solidFill>
-                  <a:schemeClr val="hlink"/>
-                </a:solidFill>
-                <a:hlinkClick r:id="rId3"/>
-              </a:rPr>
-              <a:t>https://tech.travelaudience.com/training-tensorflow-models-in-python-and-serving-with-go-1b2a9386b0ff</a:t>
-            </a:r>
-            <a:endParaRPr/>
-          </a:p>
-          <a:p>
-            <a:pPr marL="457200" lvl="0" indent="-342900" algn="l" rtl="0">
-              <a:spcBef>
-                <a:spcPts val="0"/>
-              </a:spcBef>
-              <a:spcAft>
-                <a:spcPts val="0"/>
-              </a:spcAft>
-              <a:buSzPts val="1800"/>
-              <a:buAutoNum type="arabicPeriod"/>
-            </a:pPr>
-            <a:r>
-              <a:rPr lang="en" u="sng">
-                <a:solidFill>
-                  <a:schemeClr val="hlink"/>
-                </a:solidFill>
-                <a:hlinkClick r:id="rId4"/>
-              </a:rPr>
-              <a:t>https://towardsdatascience.com/why-we-deploy-machine-learning-models-with-go-not-python-a4e35ec16deb</a:t>
-            </a:r>
-            <a:endParaRPr/>
-          </a:p>
-          <a:p>
-            <a:pPr marL="457200" lvl="0" indent="-342900" algn="l" rtl="0">
-              <a:spcBef>
-                <a:spcPts val="0"/>
-              </a:spcBef>
-              <a:spcAft>
-                <a:spcPts val="0"/>
-              </a:spcAft>
-              <a:buSzPts val="1800"/>
-              <a:buAutoNum type="arabicPeriod"/>
-            </a:pPr>
-            <a:r>
-              <a:rPr lang="en" u="sng">
-                <a:solidFill>
-                  <a:schemeClr val="hlink"/>
-                </a:solidFill>
-                <a:hlinkClick r:id="rId5"/>
-              </a:rPr>
-              <a:t>https://github.com/gorgonia/gorgonia</a:t>
-            </a:r>
-            <a:endParaRPr/>
-          </a:p>
-          <a:p>
-            <a:pPr marL="457200" lvl="0" indent="-342900" algn="l" rtl="0">
-              <a:spcBef>
-                <a:spcPts val="0"/>
-              </a:spcBef>
-              <a:spcAft>
-                <a:spcPts val="0"/>
-              </a:spcAft>
-              <a:buSzPts val="1800"/>
-              <a:buAutoNum type="arabicPeriod"/>
-            </a:pPr>
-            <a:r>
-              <a:rPr lang="en" u="sng">
-                <a:solidFill>
-                  <a:schemeClr val="hlink"/>
-                </a:solidFill>
-                <a:hlinkClick r:id="rId6"/>
-              </a:rPr>
-              <a:t>https://github.com/jdkato/prose</a:t>
-            </a:r>
-            <a:r>
-              <a:rPr lang="en"/>
-              <a:t> </a:t>
-            </a:r>
-            <a:endParaRPr/>
-          </a:p>
-        </p:txBody>
-      </p:sp>
-    </p:spTree>
   </p:cSld>
   <p:clrMapOvr>
     <a:masterClrMapping/>
@@ -7791,7 +7681,7 @@
             </a:pPr>
             <a:r>
               <a:rPr lang="en" dirty="0"/>
-              <a:t>Go ML environment</a:t>
+              <a:t>Go ML development environments</a:t>
             </a:r>
             <a:endParaRPr dirty="0"/>
           </a:p>
@@ -7807,93 +7697,93 @@
               <a:buChar char="●"/>
             </a:pPr>
             <a:r>
+              <a:rPr lang="en-US" dirty="0"/>
+              <a:t>Supporting Libraries – </a:t>
+            </a:r>
+            <a:r>
+              <a:rPr lang="en-US" dirty="0" err="1"/>
+              <a:t>gota</a:t>
+            </a:r>
+            <a:r>
+              <a:rPr lang="en-US" dirty="0"/>
+              <a:t> (pandas), </a:t>
+            </a:r>
+            <a:r>
+              <a:rPr lang="en-US" dirty="0" err="1"/>
+              <a:t>gonum</a:t>
+            </a:r>
+            <a:r>
+              <a:rPr lang="en-US" dirty="0"/>
+              <a:t> (</a:t>
+            </a:r>
+            <a:r>
+              <a:rPr lang="en-US" dirty="0" err="1"/>
+              <a:t>numpy</a:t>
+            </a:r>
+            <a:r>
+              <a:rPr lang="en-US" dirty="0"/>
+              <a:t>), </a:t>
+            </a:r>
+            <a:r>
+              <a:rPr lang="en-US" dirty="0" err="1"/>
+              <a:t>gonum</a:t>
+            </a:r>
+            <a:r>
+              <a:rPr lang="en-US" dirty="0"/>
+              <a:t>/plot (matplotlib)</a:t>
+            </a:r>
+            <a:endParaRPr lang="en" dirty="0"/>
+          </a:p>
+          <a:p>
+            <a:pPr lvl="0"/>
+            <a:r>
               <a:rPr lang="en" dirty="0"/>
-              <a:t>Data Wrangling Library </a:t>
-            </a:r>
-            <a:r>
-              <a:rPr lang="en" dirty="0" err="1"/>
-              <a:t>gota</a:t>
+              <a:t>Algorithms - </a:t>
+            </a:r>
+            <a:r>
+              <a:rPr lang="en-US" dirty="0">
+                <a:hlinkClick r:id="rId3"/>
+              </a:rPr>
+              <a:t>https://github.com/cdipaolo/goml</a:t>
+            </a:r>
+            <a:r>
+              <a:rPr lang="en-US" dirty="0"/>
+              <a:t> (</a:t>
+            </a:r>
+            <a:r>
+              <a:rPr lang="en-US" dirty="0" err="1"/>
+              <a:t>sklearn</a:t>
+            </a:r>
+            <a:r>
+              <a:rPr lang="en-US" dirty="0"/>
+              <a:t> equivalent)</a:t>
             </a:r>
             <a:endParaRPr dirty="0"/>
           </a:p>
           <a:p>
-            <a:pPr marL="457200" lvl="0" indent="-342900" algn="l" rtl="0">
-              <a:spcBef>
-                <a:spcPts val="0"/>
-              </a:spcBef>
-              <a:spcAft>
-                <a:spcPts val="0"/>
-              </a:spcAft>
+            <a:pPr lvl="1" indent="-342900">
+              <a:spcBef>
+                <a:spcPts val="0"/>
+              </a:spcBef>
               <a:buSzPts val="1800"/>
               <a:buChar char="●"/>
             </a:pPr>
             <a:r>
               <a:rPr lang="en" dirty="0"/>
-              <a:t>Scientific Library </a:t>
-            </a:r>
-            <a:r>
-              <a:rPr lang="en" dirty="0" err="1"/>
-              <a:t>gonum</a:t>
+              <a:t>Supervised Learning</a:t>
             </a:r>
             <a:endParaRPr dirty="0"/>
           </a:p>
           <a:p>
-            <a:pPr marL="457200" lvl="0" indent="-342900" algn="l" rtl="0">
-              <a:spcBef>
-                <a:spcPts val="0"/>
-              </a:spcBef>
-              <a:spcAft>
-                <a:spcPts val="0"/>
-              </a:spcAft>
+            <a:pPr lvl="1" indent="-342900">
+              <a:spcBef>
+                <a:spcPts val="0"/>
+              </a:spcBef>
               <a:buSzPts val="1800"/>
               <a:buChar char="●"/>
             </a:pPr>
             <a:r>
               <a:rPr lang="en" dirty="0"/>
-              <a:t>Plotting libraries</a:t>
-            </a:r>
-          </a:p>
-          <a:p>
-            <a:pPr marL="457200" lvl="0" indent="-342900" algn="l" rtl="0">
-              <a:spcBef>
-                <a:spcPts val="0"/>
-              </a:spcBef>
-              <a:spcAft>
-                <a:spcPts val="0"/>
-              </a:spcAft>
-              <a:buSzPts val="1800"/>
-              <a:buChar char="●"/>
-            </a:pPr>
-            <a:r>
-              <a:rPr lang="en" dirty="0"/>
-              <a:t>Algorithms</a:t>
-            </a:r>
-            <a:endParaRPr dirty="0"/>
-          </a:p>
-          <a:p>
-            <a:pPr lvl="1" indent="-342900">
-              <a:spcBef>
-                <a:spcPts val="0"/>
-              </a:spcBef>
-              <a:buSzPts val="1800"/>
-              <a:buChar char="●"/>
-            </a:pPr>
-            <a:r>
-              <a:rPr lang="en" dirty="0"/>
-              <a:t>Supervised Learning</a:t>
-            </a:r>
-            <a:endParaRPr dirty="0"/>
-          </a:p>
-          <a:p>
-            <a:pPr lvl="1" indent="-342900">
-              <a:spcBef>
-                <a:spcPts val="0"/>
-              </a:spcBef>
-              <a:buSzPts val="1800"/>
-              <a:buChar char="●"/>
-            </a:pPr>
-            <a:r>
-              <a:rPr lang="en" dirty="0"/>
               <a:t>Unsupervised Learning</a:t>
             </a:r>
             <a:endParaRPr dirty="0"/>
@@ -7908,6 +7798,283 @@
             <a:r>
               <a:rPr lang="en" dirty="0"/>
               <a:t>Deploying ML applications</a:t>
+            </a:r>
+            <a:endParaRPr dirty="0"/>
+          </a:p>
+        </p:txBody>
+      </p:sp>
+    </p:spTree>
+  </p:cSld>
+  <p:clrMapOvr>
+    <a:masterClrMapping/>
+  </p:clrMapOvr>
+</p:sld>
+</file>
+
+<file path=ppt/slides/slide20.xml><?xml version="1.0" encoding="utf-8"?>
+<p:sld xmlns:a="http://schemas.openxmlformats.org/drawingml/2006/main" xmlns:r="http://schemas.openxmlformats.org/officeDocument/2006/relationships" xmlns:p="http://schemas.openxmlformats.org/presentationml/2006/main">
+  <p:cSld>
+    <p:spTree>
+      <p:nvGrpSpPr>
+        <p:cNvPr id="1" name="Shape 89"/>
+        <p:cNvGrpSpPr/>
+        <p:nvPr/>
+      </p:nvGrpSpPr>
+      <p:grpSpPr>
+        <a:xfrm>
+          <a:off x="0" y="0"/>
+          <a:ext cx="0" cy="0"/>
+          <a:chOff x="0" y="0"/>
+          <a:chExt cx="0" cy="0"/>
+        </a:xfrm>
+      </p:grpSpPr>
+      <p:sp>
+        <p:nvSpPr>
+          <p:cNvPr id="90" name="Google Shape;90;p19"/>
+          <p:cNvSpPr txBox="1">
+            <a:spLocks noGrp="1"/>
+          </p:cNvSpPr>
+          <p:nvPr>
+            <p:ph type="title"/>
+          </p:nvPr>
+        </p:nvSpPr>
+        <p:spPr>
+          <a:xfrm>
+            <a:off x="311700" y="445025"/>
+            <a:ext cx="8520600" cy="572700"/>
+          </a:xfrm>
+          <a:prstGeom prst="rect">
+            <a:avLst/>
+          </a:prstGeom>
+        </p:spPr>
+        <p:txBody>
+          <a:bodyPr spcFirstLastPara="1" wrap="square" lIns="91425" tIns="91425" rIns="91425" bIns="91425" anchor="t" anchorCtr="0">
+            <a:noAutofit/>
+          </a:bodyPr>
+          <a:lstStyle/>
+          <a:p>
+            <a:pPr marL="0" lvl="0" indent="0" algn="l" rtl="0">
+              <a:spcBef>
+                <a:spcPts val="0"/>
+              </a:spcBef>
+              <a:spcAft>
+                <a:spcPts val="0"/>
+              </a:spcAft>
+              <a:buNone/>
+            </a:pPr>
+            <a:r>
+              <a:rPr lang="en"/>
+              <a:t>References</a:t>
+            </a:r>
+            <a:endParaRPr/>
+          </a:p>
+        </p:txBody>
+      </p:sp>
+      <p:sp>
+        <p:nvSpPr>
+          <p:cNvPr id="91" name="Google Shape;91;p19"/>
+          <p:cNvSpPr txBox="1">
+            <a:spLocks noGrp="1"/>
+          </p:cNvSpPr>
+          <p:nvPr>
+            <p:ph type="body" idx="1"/>
+          </p:nvPr>
+        </p:nvSpPr>
+        <p:spPr>
+          <a:xfrm>
+            <a:off x="311700" y="1152475"/>
+            <a:ext cx="8520600" cy="3416400"/>
+          </a:xfrm>
+          <a:prstGeom prst="rect">
+            <a:avLst/>
+          </a:prstGeom>
+        </p:spPr>
+        <p:txBody>
+          <a:bodyPr spcFirstLastPara="1" wrap="square" lIns="91425" tIns="91425" rIns="91425" bIns="91425" anchor="t" anchorCtr="0">
+            <a:noAutofit/>
+          </a:bodyPr>
+          <a:lstStyle/>
+          <a:p>
+            <a:pPr marL="457200" lvl="0" indent="-342900" algn="l" rtl="0">
+              <a:spcBef>
+                <a:spcPts val="0"/>
+              </a:spcBef>
+              <a:spcAft>
+                <a:spcPts val="0"/>
+              </a:spcAft>
+              <a:buSzPts val="1800"/>
+              <a:buAutoNum type="arabicPeriod"/>
+            </a:pPr>
+            <a:r>
+              <a:rPr lang="en" i="1" dirty="0"/>
+              <a:t>Michael </a:t>
+            </a:r>
+            <a:r>
+              <a:rPr lang="en" i="1" dirty="0" err="1"/>
+              <a:t>Bironneau</a:t>
+            </a:r>
+            <a:r>
+              <a:rPr lang="en" i="1" dirty="0"/>
+              <a:t>, Toby Coleman</a:t>
+            </a:r>
+            <a:r>
+              <a:rPr lang="en" dirty="0"/>
+              <a:t>, </a:t>
+            </a:r>
+            <a:r>
+              <a:rPr lang="en" b="1" dirty="0"/>
+              <a:t>Machine Learning with Go Quick Start Guide</a:t>
+            </a:r>
+            <a:r>
+              <a:rPr lang="en" dirty="0"/>
+              <a:t>, </a:t>
+            </a:r>
+            <a:r>
+              <a:rPr lang="en" dirty="0" err="1"/>
+              <a:t>Packt</a:t>
+            </a:r>
+            <a:r>
+              <a:rPr lang="en" dirty="0"/>
+              <a:t> Publishing, 2019</a:t>
+            </a:r>
+          </a:p>
+          <a:p>
+            <a:pPr lvl="0">
+              <a:buAutoNum type="arabicPeriod"/>
+            </a:pPr>
+            <a:r>
+              <a:rPr lang="en-US" i="1" dirty="0" err="1"/>
+              <a:t>Xuanyi</a:t>
+            </a:r>
+            <a:r>
+              <a:rPr lang="en-US" i="1" dirty="0"/>
+              <a:t> Chew</a:t>
+            </a:r>
+            <a:r>
+              <a:rPr lang="en-US" dirty="0"/>
+              <a:t>, </a:t>
+            </a:r>
+            <a:r>
+              <a:rPr lang="en-US" b="1" dirty="0"/>
+              <a:t>Go Machine Learning Projects</a:t>
+            </a:r>
+            <a:r>
+              <a:rPr lang="en-US" dirty="0"/>
+              <a:t>, </a:t>
+            </a:r>
+            <a:r>
+              <a:rPr lang="en-US" dirty="0" err="1"/>
+              <a:t>Packtpub</a:t>
+            </a:r>
+            <a:r>
+              <a:rPr lang="en-US" dirty="0"/>
+              <a:t>, 2018</a:t>
+            </a:r>
+            <a:r>
+              <a:rPr lang="en" dirty="0"/>
+              <a:t> (</a:t>
+            </a:r>
+            <a:r>
+              <a:rPr lang="en-US" dirty="0">
+                <a:hlinkClick r:id="rId3"/>
+              </a:rPr>
+              <a:t>https://github.com/PacktPublishing/Go-Machine-Learning-Projects</a:t>
+            </a:r>
+            <a:r>
+              <a:rPr lang="en-US" dirty="0"/>
+              <a:t>)</a:t>
+            </a:r>
+            <a:endParaRPr dirty="0"/>
+          </a:p>
+          <a:p>
+            <a:pPr marL="457200" lvl="0" indent="-342900" algn="l" rtl="0">
+              <a:spcBef>
+                <a:spcPts val="0"/>
+              </a:spcBef>
+              <a:spcAft>
+                <a:spcPts val="0"/>
+              </a:spcAft>
+              <a:buSzPts val="1800"/>
+              <a:buAutoNum type="arabicPeriod"/>
+            </a:pPr>
+            <a:r>
+              <a:rPr lang="en" u="sng" dirty="0">
+                <a:solidFill>
+                  <a:schemeClr val="hlink"/>
+                </a:solidFill>
+                <a:hlinkClick r:id="rId4"/>
+              </a:rPr>
+              <a:t>https://tech.travelaudience.com/training-tensorflow-models-in-python-and-serving-with-go-1b2a9386b0ff</a:t>
+            </a:r>
+            <a:endParaRPr dirty="0"/>
+          </a:p>
+          <a:p>
+            <a:pPr marL="457200" lvl="0" indent="-342900" algn="l" rtl="0">
+              <a:spcBef>
+                <a:spcPts val="0"/>
+              </a:spcBef>
+              <a:spcAft>
+                <a:spcPts val="0"/>
+              </a:spcAft>
+              <a:buSzPts val="1800"/>
+              <a:buAutoNum type="arabicPeriod"/>
+            </a:pPr>
+            <a:r>
+              <a:rPr lang="en" u="sng" dirty="0">
+                <a:solidFill>
+                  <a:schemeClr val="hlink"/>
+                </a:solidFill>
+                <a:hlinkClick r:id="rId5"/>
+              </a:rPr>
+              <a:t>https://towardsdatascience.com/why-we-deploy-machine-learning-models-with-go-not-python-a4e35ec16deb</a:t>
+            </a:r>
+            <a:endParaRPr dirty="0"/>
+          </a:p>
+          <a:p>
+            <a:pPr marL="457200" lvl="0" indent="-342900" algn="l" rtl="0">
+              <a:spcBef>
+                <a:spcPts val="0"/>
+              </a:spcBef>
+              <a:spcAft>
+                <a:spcPts val="0"/>
+              </a:spcAft>
+              <a:buSzPts val="1800"/>
+              <a:buAutoNum type="arabicPeriod"/>
+            </a:pPr>
+            <a:r>
+              <a:rPr lang="en" u="sng" dirty="0">
+                <a:solidFill>
+                  <a:schemeClr val="hlink"/>
+                </a:solidFill>
+                <a:hlinkClick r:id="rId6"/>
+              </a:rPr>
+              <a:t>https://github.com/gorgonia/gorgonia</a:t>
+            </a:r>
+            <a:endParaRPr dirty="0"/>
+          </a:p>
+          <a:p>
+            <a:pPr marL="457200" lvl="0" indent="-342900" algn="l" rtl="0">
+              <a:spcBef>
+                <a:spcPts val="0"/>
+              </a:spcBef>
+              <a:spcAft>
+                <a:spcPts val="0"/>
+              </a:spcAft>
+              <a:buSzPts val="1800"/>
+              <a:buAutoNum type="arabicPeriod"/>
+            </a:pPr>
+            <a:r>
+              <a:rPr lang="en" u="sng" dirty="0">
+                <a:solidFill>
+                  <a:schemeClr val="hlink"/>
+                </a:solidFill>
+                <a:hlinkClick r:id="rId7"/>
+              </a:rPr>
+              <a:t>https://github.com/jdkato/prose</a:t>
+            </a:r>
+            <a:r>
+              <a:rPr lang="en" dirty="0"/>
+              <a:t> </a:t>
             </a:r>
             <a:endParaRPr dirty="0"/>
           </a:p>
@@ -8084,6 +8251,117 @@
           <p:cNvPr id="2" name="Title 1">
             <a:extLst>
               <a:ext uri="{FF2B5EF4-FFF2-40B4-BE49-F238E27FC236}">
+                <a16:creationId xmlns:a16="http://schemas.microsoft.com/office/drawing/2014/main" id="{44469DAC-021E-7F45-BFEB-CDC2C406DCD6}"/>
+              </a:ext>
+            </a:extLst>
+          </p:cNvPr>
+          <p:cNvSpPr>
+            <a:spLocks noGrp="1"/>
+          </p:cNvSpPr>
+          <p:nvPr>
+            <p:ph type="title"/>
+          </p:nvPr>
+        </p:nvSpPr>
+        <p:spPr/>
+        <p:txBody>
+          <a:bodyPr/>
+          <a:lstStyle/>
+          <a:p>
+            <a:r>
+              <a:rPr lang="en-IL" dirty="0"/>
+              <a:t>Why ML in Go</a:t>
+            </a:r>
+          </a:p>
+        </p:txBody>
+      </p:sp>
+      <p:sp>
+        <p:nvSpPr>
+          <p:cNvPr id="3" name="Text Placeholder 2">
+            <a:extLst>
+              <a:ext uri="{FF2B5EF4-FFF2-40B4-BE49-F238E27FC236}">
+                <a16:creationId xmlns:a16="http://schemas.microsoft.com/office/drawing/2014/main" id="{B795F705-F1CA-5946-B53F-A34F0BF260FC}"/>
+              </a:ext>
+            </a:extLst>
+          </p:cNvPr>
+          <p:cNvSpPr>
+            <a:spLocks noGrp="1"/>
+          </p:cNvSpPr>
+          <p:nvPr>
+            <p:ph type="body" idx="1"/>
+          </p:nvPr>
+        </p:nvSpPr>
+        <p:spPr/>
+        <p:txBody>
+          <a:bodyPr/>
+          <a:lstStyle/>
+          <a:p>
+            <a:r>
+              <a:rPr lang="en-US" dirty="0"/>
+              <a:t>simple syntax </a:t>
+            </a:r>
+          </a:p>
+          <a:p>
+            <a:pPr lvl="1"/>
+            <a:r>
+              <a:rPr lang="en-US" dirty="0"/>
+              <a:t>clearly describe complex algorithms</a:t>
+            </a:r>
+          </a:p>
+          <a:p>
+            <a:pPr lvl="1"/>
+            <a:r>
+              <a:rPr lang="en-US"/>
+              <a:t>does </a:t>
+            </a:r>
+            <a:r>
+              <a:rPr lang="en-US" dirty="0"/>
+              <a:t>not obscure developers from understand how to run efficient </a:t>
+            </a:r>
+            <a:r>
+              <a:rPr lang="en-US"/>
+              <a:t>optimized code</a:t>
+            </a:r>
+          </a:p>
+          <a:p>
+            <a:endParaRPr lang="en-IL" dirty="0"/>
+          </a:p>
+        </p:txBody>
+      </p:sp>
+    </p:spTree>
+    <p:extLst>
+      <p:ext uri="{BB962C8B-B14F-4D97-AF65-F5344CB8AC3E}">
+        <p14:creationId xmlns:p14="http://schemas.microsoft.com/office/powerpoint/2010/main" val="1389494767"/>
+      </p:ext>
+    </p:extLst>
+  </p:cSld>
+  <p:clrMapOvr>
+    <a:masterClrMapping/>
+  </p:clrMapOvr>
+</p:sld>
+</file>
+
+<file path=ppt/slides/slide5.xml><?xml version="1.0" encoding="utf-8"?>
+<p:sld xmlns:a="http://schemas.openxmlformats.org/drawingml/2006/main" xmlns:r="http://schemas.openxmlformats.org/officeDocument/2006/relationships" xmlns:p="http://schemas.openxmlformats.org/presentationml/2006/main">
+  <p:cSld>
+    <p:spTree>
+      <p:nvGrpSpPr>
+        <p:cNvPr id="1" name=""/>
+        <p:cNvGrpSpPr/>
+        <p:nvPr/>
+      </p:nvGrpSpPr>
+      <p:grpSpPr>
+        <a:xfrm>
+          <a:off x="0" y="0"/>
+          <a:ext cx="0" cy="0"/>
+          <a:chOff x="0" y="0"/>
+          <a:chExt cx="0" cy="0"/>
+        </a:xfrm>
+      </p:grpSpPr>
+      <p:sp>
+        <p:nvSpPr>
+          <p:cNvPr id="2" name="Title 1">
+            <a:extLst>
+              <a:ext uri="{FF2B5EF4-FFF2-40B4-BE49-F238E27FC236}">
                 <a16:creationId xmlns:a16="http://schemas.microsoft.com/office/drawing/2014/main" id="{D83B6A7D-2660-6E44-BFD9-4F9D8731CB8D}"/>
               </a:ext>
             </a:extLst>
@@ -8102,7 +8380,7 @@
           <a:p>
             <a:r>
               <a:rPr lang="en-IL" dirty="0"/>
-              <a:t>Why ML in Go – in all cases</a:t>
+              <a:t>Why ML in Go – in general</a:t>
             </a:r>
           </a:p>
         </p:txBody>
@@ -8213,7 +8491,7 @@
 </p:sld>
 </file>
 
-<file path=ppt/slides/slide5.xml><?xml version="1.0" encoding="utf-8"?>
+<file path=ppt/slides/slide6.xml><?xml version="1.0" encoding="utf-8"?>
 <p:sld xmlns:a="http://schemas.openxmlformats.org/drawingml/2006/main" xmlns:r="http://schemas.openxmlformats.org/officeDocument/2006/relationships" xmlns:p="http://schemas.openxmlformats.org/presentationml/2006/main">
   <p:cSld>
     <p:spTree>
@@ -8281,24 +8559,27 @@
           <a:p>
             <a:r>
               <a:rPr lang="en-IL" dirty="0"/>
-              <a:t>Go mature eco-system</a:t>
-            </a:r>
-          </a:p>
-          <a:p>
-            <a:r>
-              <a:rPr lang="en-IL" dirty="0"/>
-              <a:t>Strict application flow</a:t>
+              <a:t>General mature eco-system in Go</a:t>
             </a:r>
           </a:p>
           <a:p>
             <a:r>
               <a:rPr lang="en-US" dirty="0"/>
-              <a:t>P</a:t>
-            </a:r>
-            <a:r>
-              <a:rPr lang="en-IL" dirty="0"/>
-              <a:t>roper software engineering</a:t>
-            </a:r>
+              <a:t>No dead code / no unused imports</a:t>
+            </a:r>
+          </a:p>
+          <a:p>
+            <a:r>
+              <a:rPr lang="en-US" dirty="0"/>
+              <a:t>Compiled code</a:t>
+            </a:r>
+          </a:p>
+          <a:p>
+            <a:r>
+              <a:rPr lang="en-US"/>
+              <a:t>gofmt</a:t>
+            </a:r>
+            <a:endParaRPr lang="en-IL" dirty="0"/>
           </a:p>
           <a:p>
             <a:pPr marL="114300" indent="0">
@@ -8351,7 +8632,7 @@
 </p:sld>
 </file>
 
-<file path=ppt/slides/slide6.xml><?xml version="1.0" encoding="utf-8"?>
+<file path=ppt/slides/slide7.xml><?xml version="1.0" encoding="utf-8"?>
 <p:sld xmlns:a="http://schemas.openxmlformats.org/drawingml/2006/main" xmlns:r="http://schemas.openxmlformats.org/officeDocument/2006/relationships" xmlns:p="http://schemas.openxmlformats.org/presentationml/2006/main">
   <p:cSld>
     <p:spTree>
@@ -8577,7 +8858,7 @@
 </p:sld>
 </file>
 
-<file path=ppt/slides/slide7.xml><?xml version="1.0" encoding="utf-8"?>
+<file path=ppt/slides/slide8.xml><?xml version="1.0" encoding="utf-8"?>
 <p:sld xmlns:a="http://schemas.openxmlformats.org/drawingml/2006/main" xmlns:r="http://schemas.openxmlformats.org/officeDocument/2006/relationships" xmlns:p="http://schemas.openxmlformats.org/presentationml/2006/main">
   <p:cSld>
     <p:spTree>
@@ -8840,7 +9121,7 @@
 </p:sld>
 </file>
 
-<file path=ppt/slides/slide8.xml><?xml version="1.0" encoding="utf-8"?>
+<file path=ppt/slides/slide9.xml><?xml version="1.0" encoding="utf-8"?>
 <p:sld xmlns:a="http://schemas.openxmlformats.org/drawingml/2006/main" xmlns:r="http://schemas.openxmlformats.org/officeDocument/2006/relationships" xmlns:p="http://schemas.openxmlformats.org/presentationml/2006/main">
   <p:cSld>
     <p:spTree>
@@ -9026,109 +9307,6 @@
         </p:txBody>
       </p:sp>
     </p:spTree>
-  </p:cSld>
-  <p:clrMapOvr>
-    <a:masterClrMapping/>
-  </p:clrMapOvr>
-</p:sld>
-</file>
-
-<file path=ppt/slides/slide9.xml><?xml version="1.0" encoding="utf-8"?>
-<p:sld xmlns:a="http://schemas.openxmlformats.org/drawingml/2006/main" xmlns:r="http://schemas.openxmlformats.org/officeDocument/2006/relationships" xmlns:p="http://schemas.openxmlformats.org/presentationml/2006/main">
-  <p:cSld>
-    <p:spTree>
-      <p:nvGrpSpPr>
-        <p:cNvPr id="1" name=""/>
-        <p:cNvGrpSpPr/>
-        <p:nvPr/>
-      </p:nvGrpSpPr>
-      <p:grpSpPr>
-        <a:xfrm>
-          <a:off x="0" y="0"/>
-          <a:ext cx="0" cy="0"/>
-          <a:chOff x="0" y="0"/>
-          <a:chExt cx="0" cy="0"/>
-        </a:xfrm>
-      </p:grpSpPr>
-      <p:sp>
-        <p:nvSpPr>
-          <p:cNvPr id="2" name="Title 1">
-            <a:extLst>
-              <a:ext uri="{FF2B5EF4-FFF2-40B4-BE49-F238E27FC236}">
-                <a16:creationId xmlns:a16="http://schemas.microsoft.com/office/drawing/2014/main" id="{BD70BFF6-E03F-694C-ACCE-DDCC70E2125E}"/>
-              </a:ext>
-            </a:extLst>
-          </p:cNvPr>
-          <p:cNvSpPr>
-            <a:spLocks noGrp="1"/>
-          </p:cNvSpPr>
-          <p:nvPr>
-            <p:ph type="title"/>
-          </p:nvPr>
-        </p:nvSpPr>
-        <p:spPr/>
-        <p:txBody>
-          <a:bodyPr/>
-          <a:lstStyle/>
-          <a:p>
-            <a:r>
-              <a:rPr lang="en-IL" dirty="0"/>
-              <a:t>Supervised Algorithms</a:t>
-            </a:r>
-          </a:p>
-        </p:txBody>
-      </p:sp>
-      <p:sp>
-        <p:nvSpPr>
-          <p:cNvPr id="3" name="Text Placeholder 2">
-            <a:extLst>
-              <a:ext uri="{FF2B5EF4-FFF2-40B4-BE49-F238E27FC236}">
-                <a16:creationId xmlns:a16="http://schemas.microsoft.com/office/drawing/2014/main" id="{E37085A7-AC0C-4A47-A937-0D8EF108B091}"/>
-              </a:ext>
-            </a:extLst>
-          </p:cNvPr>
-          <p:cNvSpPr>
-            <a:spLocks noGrp="1"/>
-          </p:cNvSpPr>
-          <p:nvPr>
-            <p:ph type="body" idx="1"/>
-          </p:nvPr>
-        </p:nvSpPr>
-        <p:spPr/>
-        <p:txBody>
-          <a:bodyPr/>
-          <a:lstStyle/>
-          <a:p>
-            <a:r>
-              <a:rPr lang="en-US" dirty="0"/>
-              <a:t>C</a:t>
-            </a:r>
-            <a:r>
-              <a:rPr lang="en-IL" dirty="0"/>
-              <a:t>lassification</a:t>
-            </a:r>
-          </a:p>
-          <a:p>
-            <a:r>
-              <a:rPr lang="en-US" dirty="0"/>
-              <a:t>R</a:t>
-            </a:r>
-            <a:r>
-              <a:rPr lang="en-IL" dirty="0"/>
-              <a:t>egression</a:t>
-            </a:r>
-          </a:p>
-          <a:p>
-            <a:endParaRPr lang="en-IL" dirty="0"/>
-          </a:p>
-        </p:txBody>
-      </p:sp>
-    </p:spTree>
-    <p:extLst>
-      <p:ext uri="{BB962C8B-B14F-4D97-AF65-F5344CB8AC3E}">
-        <p14:creationId xmlns:p14="http://schemas.microsoft.com/office/powerpoint/2010/main" val="4120830647"/>
-      </p:ext>
-    </p:extLst>
   </p:cSld>
   <p:clrMapOvr>
     <a:masterClrMapping/>
